--- a/AdaDelta & Adam Algorithm.pptx
+++ b/AdaDelta & Adam Algorithm.pptx
@@ -1,34 +1,34 @@
 
 <file path=ppt/presentation.xml><?xml version="1.0" encoding="utf-8"?>
-<p:presentation xmlns:a="http://schemas.openxmlformats.org/drawingml/2006/main" xmlns:r="http://schemas.openxmlformats.org/officeDocument/2006/relationships" xmlns:p="http://schemas.openxmlformats.org/presentationml/2006/main" saveSubsetFonts="1" embedTrueTypeFonts="true">
+<p:presentation xmlns:a="http://schemas.openxmlformats.org/drawingml/2006/main" xmlns:r="http://schemas.openxmlformats.org/officeDocument/2006/relationships" xmlns:p="http://schemas.openxmlformats.org/presentationml/2006/main" embedTrueTypeFonts="1" saveSubsetFonts="1">
   <p:sldMasterIdLst>
     <p:sldMasterId id="2147483648" r:id="rId1"/>
   </p:sldMasterIdLst>
   <p:sldIdLst>
-    <p:sldId id="256" r:id="rId6"/>
-    <p:sldId id="257" r:id="rId7"/>
-    <p:sldId id="258" r:id="rId8"/>
-    <p:sldId id="259" r:id="rId9"/>
-    <p:sldId id="260" r:id="rId10"/>
-    <p:sldId id="261" r:id="rId11"/>
-    <p:sldId id="262" r:id="rId12"/>
-    <p:sldId id="263" r:id="rId13"/>
-    <p:sldId id="264" r:id="rId14"/>
-    <p:sldId id="265" r:id="rId15"/>
-    <p:sldId id="266" r:id="rId16"/>
-    <p:sldId id="267" r:id="rId17"/>
-    <p:sldId id="268" r:id="rId18"/>
+    <p:sldId id="256" r:id="rId2"/>
+    <p:sldId id="257" r:id="rId3"/>
+    <p:sldId id="258" r:id="rId4"/>
+    <p:sldId id="259" r:id="rId5"/>
+    <p:sldId id="260" r:id="rId6"/>
+    <p:sldId id="261" r:id="rId7"/>
+    <p:sldId id="262" r:id="rId8"/>
+    <p:sldId id="263" r:id="rId9"/>
+    <p:sldId id="264" r:id="rId10"/>
+    <p:sldId id="265" r:id="rId11"/>
+    <p:sldId id="266" r:id="rId12"/>
+    <p:sldId id="267" r:id="rId13"/>
+    <p:sldId id="268" r:id="rId14"/>
   </p:sldIdLst>
   <p:sldSz cx="18288000" cy="10287000"/>
   <p:notesSz cx="6858000" cy="9144000"/>
   <p:embeddedFontLst>
     <p:embeddedFont>
-      <p:font typeface="Garet" charset="1" panose="00000000000000000000"/>
-      <p:regular r:id="rId19"/>
+      <p:font typeface="Garet" panose="020B0604020202020204" charset="0"/>
+      <p:regular r:id="rId15"/>
     </p:embeddedFont>
     <p:embeddedFont>
-      <p:font typeface="Garet Bold" charset="1" panose="00000000000000000000"/>
-      <p:regular r:id="rId20"/>
+      <p:font typeface="Garet Bold" panose="020B0604020202020204" charset="0"/>
+      <p:regular r:id="rId16"/>
     </p:embeddedFont>
   </p:embeddedFontLst>
   <p:defaultTextStyle>
@@ -126,6 +126,22 @@
       </a:defRPr>
     </a:lvl9pPr>
   </p:defaultTextStyle>
+  <p:extLst>
+    <p:ext uri="{EFAFB233-063F-42B5-8137-9DF3F51BA10A}">
+      <p15:sldGuideLst xmlns:p15="http://schemas.microsoft.com/office/powerpoint/2012/main">
+        <p15:guide id="1" orient="horz" pos="2160">
+          <p15:clr>
+            <a:srgbClr val="A4A3A4"/>
+          </p15:clr>
+        </p15:guide>
+        <p15:guide id="2" pos="2880">
+          <p15:clr>
+            <a:srgbClr val="A4A3A4"/>
+          </p15:clr>
+        </p15:guide>
+      </p15:sldGuideLst>
+    </p:ext>
+  </p:extLst>
 </p:presentation>
 </file>
 
@@ -167,10 +183,9 @@
           <a:lstStyle/>
           <a:p>
             <a:r>
-              <a:rPr lang="en-US" smtClean="0"/>
+              <a:rPr lang="en-US"/>
               <a:t>Click to edit Master title style</a:t>
             </a:r>
-            <a:endParaRPr lang="en-US"/>
           </a:p>
         </p:txBody>
       </p:sp>
@@ -286,10 +301,9 @@
           </a:lstStyle>
           <a:p>
             <a:r>
-              <a:rPr lang="en-US" smtClean="0"/>
+              <a:rPr lang="en-US"/>
               <a:t>Click to edit Master subtitle style</a:t>
             </a:r>
-            <a:endParaRPr lang="en-US"/>
           </a:p>
         </p:txBody>
       </p:sp>
@@ -311,7 +325,7 @@
             <a:fld id="{1D8BD707-D9CF-40AE-B4C6-C98DA3205C09}" type="datetimeFigureOut">
               <a:rPr lang="en-US" smtClean="0"/>
               <a:pPr/>
-              <a:t>8/1/2011</a:t>
+              <a:t>8/1/2025</a:t>
             </a:fld>
             <a:endParaRPr lang="en-US"/>
           </a:p>
@@ -401,10 +415,9 @@
           <a:lstStyle/>
           <a:p>
             <a:r>
-              <a:rPr lang="en-US" smtClean="0"/>
+              <a:rPr lang="en-US"/>
               <a:t>Click to edit Master title style</a:t>
             </a:r>
-            <a:endParaRPr lang="en-US"/>
           </a:p>
         </p:txBody>
       </p:sp>
@@ -425,38 +438,37 @@
           <a:p>
             <a:pPr lvl="0"/>
             <a:r>
-              <a:rPr lang="en-US" smtClean="0"/>
+              <a:rPr lang="en-US"/>
               <a:t>Click to edit Master text styles</a:t>
             </a:r>
           </a:p>
           <a:p>
             <a:pPr lvl="1"/>
             <a:r>
-              <a:rPr lang="en-US" smtClean="0"/>
+              <a:rPr lang="en-US"/>
               <a:t>Second level</a:t>
             </a:r>
           </a:p>
           <a:p>
             <a:pPr lvl="2"/>
             <a:r>
-              <a:rPr lang="en-US" smtClean="0"/>
+              <a:rPr lang="en-US"/>
               <a:t>Third level</a:t>
             </a:r>
           </a:p>
           <a:p>
             <a:pPr lvl="3"/>
             <a:r>
-              <a:rPr lang="en-US" smtClean="0"/>
+              <a:rPr lang="en-US"/>
               <a:t>Fourth level</a:t>
             </a:r>
           </a:p>
           <a:p>
             <a:pPr lvl="4"/>
             <a:r>
-              <a:rPr lang="en-US" smtClean="0"/>
+              <a:rPr lang="en-US"/>
               <a:t>Fifth level</a:t>
             </a:r>
-            <a:endParaRPr lang="en-US"/>
           </a:p>
         </p:txBody>
       </p:sp>
@@ -478,7 +490,7 @@
             <a:fld id="{1D8BD707-D9CF-40AE-B4C6-C98DA3205C09}" type="datetimeFigureOut">
               <a:rPr lang="en-US" smtClean="0"/>
               <a:pPr/>
-              <a:t>8/1/2011</a:t>
+              <a:t>8/1/2025</a:t>
             </a:fld>
             <a:endParaRPr lang="en-US"/>
           </a:p>
@@ -573,10 +585,9 @@
           <a:lstStyle/>
           <a:p>
             <a:r>
-              <a:rPr lang="en-US" smtClean="0"/>
+              <a:rPr lang="en-US"/>
               <a:t>Click to edit Master title style</a:t>
             </a:r>
-            <a:endParaRPr lang="en-US"/>
           </a:p>
         </p:txBody>
       </p:sp>
@@ -602,38 +613,37 @@
           <a:p>
             <a:pPr lvl="0"/>
             <a:r>
-              <a:rPr lang="en-US" smtClean="0"/>
+              <a:rPr lang="en-US"/>
               <a:t>Click to edit Master text styles</a:t>
             </a:r>
           </a:p>
           <a:p>
             <a:pPr lvl="1"/>
             <a:r>
-              <a:rPr lang="en-US" smtClean="0"/>
+              <a:rPr lang="en-US"/>
               <a:t>Second level</a:t>
             </a:r>
           </a:p>
           <a:p>
             <a:pPr lvl="2"/>
             <a:r>
-              <a:rPr lang="en-US" smtClean="0"/>
+              <a:rPr lang="en-US"/>
               <a:t>Third level</a:t>
             </a:r>
           </a:p>
           <a:p>
             <a:pPr lvl="3"/>
             <a:r>
-              <a:rPr lang="en-US" smtClean="0"/>
+              <a:rPr lang="en-US"/>
               <a:t>Fourth level</a:t>
             </a:r>
           </a:p>
           <a:p>
             <a:pPr lvl="4"/>
             <a:r>
-              <a:rPr lang="en-US" smtClean="0"/>
+              <a:rPr lang="en-US"/>
               <a:t>Fifth level</a:t>
             </a:r>
-            <a:endParaRPr lang="en-US"/>
           </a:p>
         </p:txBody>
       </p:sp>
@@ -655,7 +665,7 @@
             <a:fld id="{1D8BD707-D9CF-40AE-B4C6-C98DA3205C09}" type="datetimeFigureOut">
               <a:rPr lang="en-US" smtClean="0"/>
               <a:pPr/>
-              <a:t>8/1/2011</a:t>
+              <a:t>8/1/2025</a:t>
             </a:fld>
             <a:endParaRPr lang="en-US"/>
           </a:p>
@@ -745,10 +755,9 @@
           <a:lstStyle/>
           <a:p>
             <a:r>
-              <a:rPr lang="en-US" smtClean="0"/>
+              <a:rPr lang="en-US"/>
               <a:t>Click to edit Master title style</a:t>
             </a:r>
-            <a:endParaRPr lang="en-US"/>
           </a:p>
         </p:txBody>
       </p:sp>
@@ -769,38 +778,37 @@
           <a:p>
             <a:pPr lvl="0"/>
             <a:r>
-              <a:rPr lang="en-US" smtClean="0"/>
+              <a:rPr lang="en-US"/>
               <a:t>Click to edit Master text styles</a:t>
             </a:r>
           </a:p>
           <a:p>
             <a:pPr lvl="1"/>
             <a:r>
-              <a:rPr lang="en-US" smtClean="0"/>
+              <a:rPr lang="en-US"/>
               <a:t>Second level</a:t>
             </a:r>
           </a:p>
           <a:p>
             <a:pPr lvl="2"/>
             <a:r>
-              <a:rPr lang="en-US" smtClean="0"/>
+              <a:rPr lang="en-US"/>
               <a:t>Third level</a:t>
             </a:r>
           </a:p>
           <a:p>
             <a:pPr lvl="3"/>
             <a:r>
-              <a:rPr lang="en-US" smtClean="0"/>
+              <a:rPr lang="en-US"/>
               <a:t>Fourth level</a:t>
             </a:r>
           </a:p>
           <a:p>
             <a:pPr lvl="4"/>
             <a:r>
-              <a:rPr lang="en-US" smtClean="0"/>
+              <a:rPr lang="en-US"/>
               <a:t>Fifth level</a:t>
             </a:r>
-            <a:endParaRPr lang="en-US"/>
           </a:p>
         </p:txBody>
       </p:sp>
@@ -822,7 +830,7 @@
             <a:fld id="{1D8BD707-D9CF-40AE-B4C6-C98DA3205C09}" type="datetimeFigureOut">
               <a:rPr lang="en-US" smtClean="0"/>
               <a:pPr/>
-              <a:t>8/1/2011</a:t>
+              <a:t>8/1/2025</a:t>
             </a:fld>
             <a:endParaRPr lang="en-US"/>
           </a:p>
@@ -921,10 +929,9 @@
           </a:lstStyle>
           <a:p>
             <a:r>
-              <a:rPr lang="en-US" smtClean="0"/>
+              <a:rPr lang="en-US"/>
               <a:t>Click to edit Master title style</a:t>
             </a:r>
-            <a:endParaRPr lang="en-US"/>
           </a:p>
         </p:txBody>
       </p:sp>
@@ -1041,7 +1048,7 @@
           <a:p>
             <a:pPr lvl="0"/>
             <a:r>
-              <a:rPr lang="en-US" smtClean="0"/>
+              <a:rPr lang="en-US"/>
               <a:t>Click to edit Master text styles</a:t>
             </a:r>
           </a:p>
@@ -1065,7 +1072,7 @@
             <a:fld id="{1D8BD707-D9CF-40AE-B4C6-C98DA3205C09}" type="datetimeFigureOut">
               <a:rPr lang="en-US" smtClean="0"/>
               <a:pPr/>
-              <a:t>8/1/2011</a:t>
+              <a:t>8/1/2025</a:t>
             </a:fld>
             <a:endParaRPr lang="en-US"/>
           </a:p>
@@ -1155,10 +1162,9 @@
           <a:lstStyle/>
           <a:p>
             <a:r>
-              <a:rPr lang="en-US" smtClean="0"/>
+              <a:rPr lang="en-US"/>
               <a:t>Click to edit Master title style</a:t>
             </a:r>
-            <a:endParaRPr lang="en-US"/>
           </a:p>
         </p:txBody>
       </p:sp>
@@ -1212,38 +1218,37 @@
           <a:p>
             <a:pPr lvl="0"/>
             <a:r>
-              <a:rPr lang="en-US" smtClean="0"/>
+              <a:rPr lang="en-US"/>
               <a:t>Click to edit Master text styles</a:t>
             </a:r>
           </a:p>
           <a:p>
             <a:pPr lvl="1"/>
             <a:r>
-              <a:rPr lang="en-US" smtClean="0"/>
+              <a:rPr lang="en-US"/>
               <a:t>Second level</a:t>
             </a:r>
           </a:p>
           <a:p>
             <a:pPr lvl="2"/>
             <a:r>
-              <a:rPr lang="en-US" smtClean="0"/>
+              <a:rPr lang="en-US"/>
               <a:t>Third level</a:t>
             </a:r>
           </a:p>
           <a:p>
             <a:pPr lvl="3"/>
             <a:r>
-              <a:rPr lang="en-US" smtClean="0"/>
+              <a:rPr lang="en-US"/>
               <a:t>Fourth level</a:t>
             </a:r>
           </a:p>
           <a:p>
             <a:pPr lvl="4"/>
             <a:r>
-              <a:rPr lang="en-US" smtClean="0"/>
+              <a:rPr lang="en-US"/>
               <a:t>Fifth level</a:t>
             </a:r>
-            <a:endParaRPr lang="en-US"/>
           </a:p>
         </p:txBody>
       </p:sp>
@@ -1297,38 +1302,37 @@
           <a:p>
             <a:pPr lvl="0"/>
             <a:r>
-              <a:rPr lang="en-US" smtClean="0"/>
+              <a:rPr lang="en-US"/>
               <a:t>Click to edit Master text styles</a:t>
             </a:r>
           </a:p>
           <a:p>
             <a:pPr lvl="1"/>
             <a:r>
-              <a:rPr lang="en-US" smtClean="0"/>
+              <a:rPr lang="en-US"/>
               <a:t>Second level</a:t>
             </a:r>
           </a:p>
           <a:p>
             <a:pPr lvl="2"/>
             <a:r>
-              <a:rPr lang="en-US" smtClean="0"/>
+              <a:rPr lang="en-US"/>
               <a:t>Third level</a:t>
             </a:r>
           </a:p>
           <a:p>
             <a:pPr lvl="3"/>
             <a:r>
-              <a:rPr lang="en-US" smtClean="0"/>
+              <a:rPr lang="en-US"/>
               <a:t>Fourth level</a:t>
             </a:r>
           </a:p>
           <a:p>
             <a:pPr lvl="4"/>
             <a:r>
-              <a:rPr lang="en-US" smtClean="0"/>
+              <a:rPr lang="en-US"/>
               <a:t>Fifth level</a:t>
             </a:r>
-            <a:endParaRPr lang="en-US"/>
           </a:p>
         </p:txBody>
       </p:sp>
@@ -1350,7 +1354,7 @@
             <a:fld id="{1D8BD707-D9CF-40AE-B4C6-C98DA3205C09}" type="datetimeFigureOut">
               <a:rPr lang="en-US" smtClean="0"/>
               <a:pPr/>
-              <a:t>8/1/2011</a:t>
+              <a:t>8/1/2025</a:t>
             </a:fld>
             <a:endParaRPr lang="en-US"/>
           </a:p>
@@ -1444,10 +1448,9 @@
           </a:lstStyle>
           <a:p>
             <a:r>
-              <a:rPr lang="en-US" smtClean="0"/>
+              <a:rPr lang="en-US"/>
               <a:t>Click to edit Master title style</a:t>
             </a:r>
-            <a:endParaRPr lang="en-US"/>
           </a:p>
         </p:txBody>
       </p:sp>
@@ -1510,7 +1513,7 @@
           <a:p>
             <a:pPr lvl="0"/>
             <a:r>
-              <a:rPr lang="en-US" smtClean="0"/>
+              <a:rPr lang="en-US"/>
               <a:t>Click to edit Master text styles</a:t>
             </a:r>
           </a:p>
@@ -1566,38 +1569,37 @@
           <a:p>
             <a:pPr lvl="0"/>
             <a:r>
-              <a:rPr lang="en-US" smtClean="0"/>
+              <a:rPr lang="en-US"/>
               <a:t>Click to edit Master text styles</a:t>
             </a:r>
           </a:p>
           <a:p>
             <a:pPr lvl="1"/>
             <a:r>
-              <a:rPr lang="en-US" smtClean="0"/>
+              <a:rPr lang="en-US"/>
               <a:t>Second level</a:t>
             </a:r>
           </a:p>
           <a:p>
             <a:pPr lvl="2"/>
             <a:r>
-              <a:rPr lang="en-US" smtClean="0"/>
+              <a:rPr lang="en-US"/>
               <a:t>Third level</a:t>
             </a:r>
           </a:p>
           <a:p>
             <a:pPr lvl="3"/>
             <a:r>
-              <a:rPr lang="en-US" smtClean="0"/>
+              <a:rPr lang="en-US"/>
               <a:t>Fourth level</a:t>
             </a:r>
           </a:p>
           <a:p>
             <a:pPr lvl="4"/>
             <a:r>
-              <a:rPr lang="en-US" smtClean="0"/>
+              <a:rPr lang="en-US"/>
               <a:t>Fifth level</a:t>
             </a:r>
-            <a:endParaRPr lang="en-US"/>
           </a:p>
         </p:txBody>
       </p:sp>
@@ -1660,7 +1662,7 @@
           <a:p>
             <a:pPr lvl="0"/>
             <a:r>
-              <a:rPr lang="en-US" smtClean="0"/>
+              <a:rPr lang="en-US"/>
               <a:t>Click to edit Master text styles</a:t>
             </a:r>
           </a:p>
@@ -1716,38 +1718,37 @@
           <a:p>
             <a:pPr lvl="0"/>
             <a:r>
-              <a:rPr lang="en-US" smtClean="0"/>
+              <a:rPr lang="en-US"/>
               <a:t>Click to edit Master text styles</a:t>
             </a:r>
           </a:p>
           <a:p>
             <a:pPr lvl="1"/>
             <a:r>
-              <a:rPr lang="en-US" smtClean="0"/>
+              <a:rPr lang="en-US"/>
               <a:t>Second level</a:t>
             </a:r>
           </a:p>
           <a:p>
             <a:pPr lvl="2"/>
             <a:r>
-              <a:rPr lang="en-US" smtClean="0"/>
+              <a:rPr lang="en-US"/>
               <a:t>Third level</a:t>
             </a:r>
           </a:p>
           <a:p>
             <a:pPr lvl="3"/>
             <a:r>
-              <a:rPr lang="en-US" smtClean="0"/>
+              <a:rPr lang="en-US"/>
               <a:t>Fourth level</a:t>
             </a:r>
           </a:p>
           <a:p>
             <a:pPr lvl="4"/>
             <a:r>
-              <a:rPr lang="en-US" smtClean="0"/>
+              <a:rPr lang="en-US"/>
               <a:t>Fifth level</a:t>
             </a:r>
-            <a:endParaRPr lang="en-US"/>
           </a:p>
         </p:txBody>
       </p:sp>
@@ -1769,7 +1770,7 @@
             <a:fld id="{1D8BD707-D9CF-40AE-B4C6-C98DA3205C09}" type="datetimeFigureOut">
               <a:rPr lang="en-US" smtClean="0"/>
               <a:pPr/>
-              <a:t>8/1/2011</a:t>
+              <a:t>8/1/2025</a:t>
             </a:fld>
             <a:endParaRPr lang="en-US"/>
           </a:p>
@@ -1859,10 +1860,9 @@
           <a:lstStyle/>
           <a:p>
             <a:r>
-              <a:rPr lang="en-US" smtClean="0"/>
+              <a:rPr lang="en-US"/>
               <a:t>Click to edit Master title style</a:t>
             </a:r>
-            <a:endParaRPr lang="en-US"/>
           </a:p>
         </p:txBody>
       </p:sp>
@@ -1884,7 +1884,7 @@
             <a:fld id="{1D8BD707-D9CF-40AE-B4C6-C98DA3205C09}" type="datetimeFigureOut">
               <a:rPr lang="en-US" smtClean="0"/>
               <a:pPr/>
-              <a:t>8/1/2011</a:t>
+              <a:t>8/1/2025</a:t>
             </a:fld>
             <a:endParaRPr lang="en-US"/>
           </a:p>
@@ -1976,7 +1976,7 @@
             <a:fld id="{1D8BD707-D9CF-40AE-B4C6-C98DA3205C09}" type="datetimeFigureOut">
               <a:rPr lang="en-US" smtClean="0"/>
               <a:pPr/>
-              <a:t>8/1/2011</a:t>
+              <a:t>8/1/2025</a:t>
             </a:fld>
             <a:endParaRPr lang="en-US"/>
           </a:p>
@@ -2075,10 +2075,9 @@
           </a:lstStyle>
           <a:p>
             <a:r>
-              <a:rPr lang="en-US" smtClean="0"/>
+              <a:rPr lang="en-US"/>
               <a:t>Click to edit Master title style</a:t>
             </a:r>
-            <a:endParaRPr lang="en-US"/>
           </a:p>
         </p:txBody>
       </p:sp>
@@ -2132,38 +2131,37 @@
           <a:p>
             <a:pPr lvl="0"/>
             <a:r>
-              <a:rPr lang="en-US" smtClean="0"/>
+              <a:rPr lang="en-US"/>
               <a:t>Click to edit Master text styles</a:t>
             </a:r>
           </a:p>
           <a:p>
             <a:pPr lvl="1"/>
             <a:r>
-              <a:rPr lang="en-US" smtClean="0"/>
+              <a:rPr lang="en-US"/>
               <a:t>Second level</a:t>
             </a:r>
           </a:p>
           <a:p>
             <a:pPr lvl="2"/>
             <a:r>
-              <a:rPr lang="en-US" smtClean="0"/>
+              <a:rPr lang="en-US"/>
               <a:t>Third level</a:t>
             </a:r>
           </a:p>
           <a:p>
             <a:pPr lvl="3"/>
             <a:r>
-              <a:rPr lang="en-US" smtClean="0"/>
+              <a:rPr lang="en-US"/>
               <a:t>Fourth level</a:t>
             </a:r>
           </a:p>
           <a:p>
             <a:pPr lvl="4"/>
             <a:r>
-              <a:rPr lang="en-US" smtClean="0"/>
+              <a:rPr lang="en-US"/>
               <a:t>Fifth level</a:t>
             </a:r>
-            <a:endParaRPr lang="en-US"/>
           </a:p>
         </p:txBody>
       </p:sp>
@@ -2226,7 +2224,7 @@
           <a:p>
             <a:pPr lvl="0"/>
             <a:r>
-              <a:rPr lang="en-US" smtClean="0"/>
+              <a:rPr lang="en-US"/>
               <a:t>Click to edit Master text styles</a:t>
             </a:r>
           </a:p>
@@ -2250,7 +2248,7 @@
             <a:fld id="{1D8BD707-D9CF-40AE-B4C6-C98DA3205C09}" type="datetimeFigureOut">
               <a:rPr lang="en-US" smtClean="0"/>
               <a:pPr/>
-              <a:t>8/1/2011</a:t>
+              <a:t>8/1/2025</a:t>
             </a:fld>
             <a:endParaRPr lang="en-US"/>
           </a:p>
@@ -2349,10 +2347,9 @@
           </a:lstStyle>
           <a:p>
             <a:r>
-              <a:rPr lang="en-US" smtClean="0"/>
+              <a:rPr lang="en-US"/>
               <a:t>Click to edit Master title style</a:t>
             </a:r>
-            <a:endParaRPr lang="en-US"/>
           </a:p>
         </p:txBody>
       </p:sp>
@@ -2476,7 +2473,7 @@
           <a:p>
             <a:pPr lvl="0"/>
             <a:r>
-              <a:rPr lang="en-US" smtClean="0"/>
+              <a:rPr lang="en-US"/>
               <a:t>Click to edit Master text styles</a:t>
             </a:r>
           </a:p>
@@ -2500,7 +2497,7 @@
             <a:fld id="{1D8BD707-D9CF-40AE-B4C6-C98DA3205C09}" type="datetimeFigureOut">
               <a:rPr lang="en-US" smtClean="0"/>
               <a:pPr/>
-              <a:t>8/1/2011</a:t>
+              <a:t>8/1/2025</a:t>
             </a:fld>
             <a:endParaRPr lang="en-US"/>
           </a:p>
@@ -2605,10 +2602,9 @@
           <a:lstStyle/>
           <a:p>
             <a:r>
-              <a:rPr lang="en-US" smtClean="0"/>
+              <a:rPr lang="en-US"/>
               <a:t>Click to edit Master title style</a:t>
             </a:r>
-            <a:endParaRPr lang="en-US"/>
           </a:p>
         </p:txBody>
       </p:sp>
@@ -2639,38 +2635,37 @@
           <a:p>
             <a:pPr lvl="0"/>
             <a:r>
-              <a:rPr lang="en-US" smtClean="0"/>
+              <a:rPr lang="en-US"/>
               <a:t>Click to edit Master text styles</a:t>
             </a:r>
           </a:p>
           <a:p>
             <a:pPr lvl="1"/>
             <a:r>
-              <a:rPr lang="en-US" smtClean="0"/>
+              <a:rPr lang="en-US"/>
               <a:t>Second level</a:t>
             </a:r>
           </a:p>
           <a:p>
             <a:pPr lvl="2"/>
             <a:r>
-              <a:rPr lang="en-US" smtClean="0"/>
+              <a:rPr lang="en-US"/>
               <a:t>Third level</a:t>
             </a:r>
           </a:p>
           <a:p>
             <a:pPr lvl="3"/>
             <a:r>
-              <a:rPr lang="en-US" smtClean="0"/>
+              <a:rPr lang="en-US"/>
               <a:t>Fourth level</a:t>
             </a:r>
           </a:p>
           <a:p>
             <a:pPr lvl="4"/>
             <a:r>
-              <a:rPr lang="en-US" smtClean="0"/>
+              <a:rPr lang="en-US"/>
               <a:t>Fifth level</a:t>
             </a:r>
-            <a:endParaRPr lang="en-US"/>
           </a:p>
         </p:txBody>
       </p:sp>
@@ -2710,7 +2705,7 @@
             <a:fld id="{1D8BD707-D9CF-40AE-B4C6-C98DA3205C09}" type="datetimeFigureOut">
               <a:rPr lang="en-US" smtClean="0"/>
               <a:pPr/>
-              <a:t>8/1/2011</a:t>
+              <a:t>8/1/2025</a:t>
             </a:fld>
             <a:endParaRPr lang="en-US"/>
           </a:p>
@@ -3065,13 +3060,14 @@
 </file>
 
 <file path=ppt/slides/slide1.xml><?xml version="1.0" encoding="utf-8"?>
-<p:sld xmlns:p="http://schemas.openxmlformats.org/presentationml/2006/main" xmlns:a="http://schemas.openxmlformats.org/drawingml/2006/main" xmlns:r="http://schemas.openxmlformats.org/officeDocument/2006/relationships">
+<p:sld xmlns:a="http://schemas.openxmlformats.org/drawingml/2006/main" xmlns:r="http://schemas.openxmlformats.org/officeDocument/2006/relationships" xmlns:p="http://schemas.openxmlformats.org/presentationml/2006/main">
   <p:cSld>
     <p:bg>
       <p:bgPr>
         <a:solidFill>
           <a:srgbClr val="F1F2F2"/>
         </a:solidFill>
+        <a:effectLst/>
       </p:bgPr>
     </p:bg>
     <p:spTree>
@@ -3090,12 +3086,12 @@
       </p:grpSpPr>
       <p:sp>
         <p:nvSpPr>
-          <p:cNvPr name="Freeform 2" id="2"/>
+          <p:cNvPr id="2" name="Freeform 2"/>
           <p:cNvSpPr/>
           <p:nvPr/>
         </p:nvSpPr>
         <p:spPr>
-          <a:xfrm flipH="false" flipV="false" rot="5400000">
+          <a:xfrm rot="5400000">
             <a:off x="-1788571" y="3879874"/>
             <a:ext cx="8195697" cy="2561155"/>
           </a:xfrm>
@@ -3104,9 +3100,9 @@
             <a:gdLst/>
             <a:ahLst/>
             <a:cxnLst/>
-            <a:rect r="r" b="b" t="t" l="l"/>
+            <a:rect l="l" t="t" r="r" b="b"/>
             <a:pathLst>
-              <a:path h="2561155" w="8195697">
+              <a:path w="8195697" h="2561155">
                 <a:moveTo>
                   <a:pt x="0" y="0"/>
                 </a:moveTo>
@@ -3135,19 +3131,26 @@
               </a:extLst>
             </a:blip>
             <a:stretch>
-              <a:fillRect l="0" t="0" r="0" b="0"/>
+              <a:fillRect/>
             </a:stretch>
           </a:blipFill>
         </p:spPr>
-      </p:sp>
-      <p:sp>
-        <p:nvSpPr>
-          <p:cNvPr name="TextBox 3" id="3"/>
-          <p:cNvSpPr txBox="true"/>
+        <p:txBody>
+          <a:bodyPr/>
+          <a:lstStyle/>
+          <a:p>
+            <a:endParaRPr lang="en-GB"/>
+          </a:p>
+        </p:txBody>
+      </p:sp>
+      <p:sp>
+        <p:nvSpPr>
+          <p:cNvPr id="3" name="TextBox 3"/>
+          <p:cNvSpPr txBox="1"/>
           <p:nvPr/>
         </p:nvSpPr>
         <p:spPr>
-          <a:xfrm rot="0">
+          <a:xfrm>
             <a:off x="7559906" y="3908147"/>
             <a:ext cx="9699394" cy="1797050"/>
           </a:xfrm>
@@ -3156,7 +3159,7 @@
           </a:prstGeom>
         </p:spPr>
         <p:txBody>
-          <a:bodyPr anchor="t" rtlCol="false" tIns="0" lIns="0" bIns="0" rIns="0">
+          <a:bodyPr lIns="0" tIns="0" rIns="0" bIns="0" rtlCol="0" anchor="t">
             <a:spAutoFit/>
           </a:bodyPr>
           <a:lstStyle/>
@@ -3202,12 +3205,12 @@
       </p:sp>
       <p:sp>
         <p:nvSpPr>
-          <p:cNvPr name="TextBox 4" id="4"/>
-          <p:cNvSpPr txBox="true"/>
+          <p:cNvPr id="4" name="TextBox 4"/>
+          <p:cNvSpPr txBox="1"/>
           <p:nvPr/>
         </p:nvSpPr>
         <p:spPr>
-          <a:xfrm rot="0">
+          <a:xfrm>
             <a:off x="10131828" y="6603529"/>
             <a:ext cx="5137210" cy="396241"/>
           </a:xfrm>
@@ -3216,7 +3219,7 @@
           </a:prstGeom>
         </p:spPr>
         <p:txBody>
-          <a:bodyPr anchor="t" rtlCol="false" tIns="0" lIns="0" bIns="0" rIns="0">
+          <a:bodyPr lIns="0" tIns="0" rIns="0" bIns="0" rtlCol="0" anchor="t">
             <a:spAutoFit/>
           </a:bodyPr>
           <a:lstStyle/>
@@ -3243,12 +3246,12 @@
       </p:sp>
       <p:sp>
         <p:nvSpPr>
-          <p:cNvPr name="TextBox 5" id="5"/>
-          <p:cNvSpPr txBox="true"/>
+          <p:cNvPr id="5" name="TextBox 5"/>
+          <p:cNvSpPr txBox="1"/>
           <p:nvPr/>
         </p:nvSpPr>
         <p:spPr>
-          <a:xfrm rot="0">
+          <a:xfrm>
             <a:off x="7620396" y="6694969"/>
             <a:ext cx="2644383" cy="304800"/>
           </a:xfrm>
@@ -3257,7 +3260,7 @@
           </a:prstGeom>
         </p:spPr>
         <p:txBody>
-          <a:bodyPr anchor="t" rtlCol="false" tIns="0" lIns="0" bIns="0" rIns="0">
+          <a:bodyPr lIns="0" tIns="0" rIns="0" bIns="0" rtlCol="0" anchor="t">
             <a:spAutoFit/>
           </a:bodyPr>
           <a:lstStyle/>
@@ -3268,7 +3271,7 @@
               </a:lnSpc>
             </a:pPr>
             <a:r>
-              <a:rPr lang="en-US" sz="2000" b="true">
+              <a:rPr lang="en-US" sz="2000" b="1">
                 <a:solidFill>
                   <a:srgbClr val="222222"/>
                 </a:solidFill>
@@ -3291,13 +3294,14 @@
 </file>
 
 <file path=ppt/slides/slide10.xml><?xml version="1.0" encoding="utf-8"?>
-<p:sld xmlns:p="http://schemas.openxmlformats.org/presentationml/2006/main" xmlns:a="http://schemas.openxmlformats.org/drawingml/2006/main" xmlns:r="http://schemas.openxmlformats.org/officeDocument/2006/relationships">
+<p:sld xmlns:a="http://schemas.openxmlformats.org/drawingml/2006/main" xmlns:r="http://schemas.openxmlformats.org/officeDocument/2006/relationships" xmlns:p="http://schemas.openxmlformats.org/presentationml/2006/main">
   <p:cSld>
     <p:bg>
       <p:bgPr>
         <a:solidFill>
           <a:srgbClr val="F1F2F2"/>
         </a:solidFill>
+        <a:effectLst/>
       </p:bgPr>
     </p:bg>
     <p:spTree>
@@ -3316,12 +3320,12 @@
       </p:grpSpPr>
       <p:sp>
         <p:nvSpPr>
-          <p:cNvPr name="Freeform 2" id="2"/>
+          <p:cNvPr id="2" name="Freeform 2"/>
           <p:cNvSpPr/>
           <p:nvPr/>
         </p:nvSpPr>
         <p:spPr>
-          <a:xfrm flipH="false" flipV="false" rot="-10800000">
+          <a:xfrm rot="-10800000">
             <a:off x="1028700" y="1364837"/>
             <a:ext cx="1998184" cy="624432"/>
           </a:xfrm>
@@ -3330,9 +3334,9 @@
             <a:gdLst/>
             <a:ahLst/>
             <a:cxnLst/>
-            <a:rect r="r" b="b" t="t" l="l"/>
+            <a:rect l="l" t="t" r="r" b="b"/>
             <a:pathLst>
-              <a:path h="624432" w="1998184">
+              <a:path w="1998184" h="624432">
                 <a:moveTo>
                   <a:pt x="0" y="0"/>
                 </a:moveTo>
@@ -3361,19 +3365,26 @@
               </a:extLst>
             </a:blip>
             <a:stretch>
-              <a:fillRect l="0" t="0" r="0" b="0"/>
+              <a:fillRect/>
             </a:stretch>
           </a:blipFill>
         </p:spPr>
-      </p:sp>
-      <p:sp>
-        <p:nvSpPr>
-          <p:cNvPr name="Freeform 3" id="3"/>
+        <p:txBody>
+          <a:bodyPr/>
+          <a:lstStyle/>
+          <a:p>
+            <a:endParaRPr lang="en-GB"/>
+          </a:p>
+        </p:txBody>
+      </p:sp>
+      <p:sp>
+        <p:nvSpPr>
+          <p:cNvPr id="3" name="Freeform 3"/>
           <p:cNvSpPr/>
           <p:nvPr/>
         </p:nvSpPr>
         <p:spPr>
-          <a:xfrm flipH="false" flipV="false" rot="-10800000">
+          <a:xfrm rot="-10800000">
             <a:off x="15261116" y="1364837"/>
             <a:ext cx="1998184" cy="624432"/>
           </a:xfrm>
@@ -3382,9 +3393,9 @@
             <a:gdLst/>
             <a:ahLst/>
             <a:cxnLst/>
-            <a:rect r="r" b="b" t="t" l="l"/>
+            <a:rect l="l" t="t" r="r" b="b"/>
             <a:pathLst>
-              <a:path h="624432" w="1998184">
+              <a:path w="1998184" h="624432">
                 <a:moveTo>
                   <a:pt x="0" y="0"/>
                 </a:moveTo>
@@ -3413,19 +3424,26 @@
               </a:extLst>
             </a:blip>
             <a:stretch>
-              <a:fillRect l="0" t="0" r="0" b="0"/>
+              <a:fillRect/>
             </a:stretch>
           </a:blipFill>
         </p:spPr>
-      </p:sp>
-      <p:sp>
-        <p:nvSpPr>
-          <p:cNvPr name="Freeform 4" id="4"/>
+        <p:txBody>
+          <a:bodyPr/>
+          <a:lstStyle/>
+          <a:p>
+            <a:endParaRPr lang="en-GB"/>
+          </a:p>
+        </p:txBody>
+      </p:sp>
+      <p:sp>
+        <p:nvSpPr>
+          <p:cNvPr id="4" name="Freeform 4"/>
           <p:cNvSpPr/>
           <p:nvPr/>
         </p:nvSpPr>
         <p:spPr>
-          <a:xfrm flipH="false" flipV="false" rot="0">
+          <a:xfrm>
             <a:off x="1305136" y="7636696"/>
             <a:ext cx="6439074" cy="1446459"/>
           </a:xfrm>
@@ -3434,9 +3452,9 @@
             <a:gdLst/>
             <a:ahLst/>
             <a:cxnLst/>
-            <a:rect r="r" b="b" t="t" l="l"/>
+            <a:rect l="l" t="t" r="r" b="b"/>
             <a:pathLst>
-              <a:path h="1446459" w="6439074">
+              <a:path w="6439074" h="1446459">
                 <a:moveTo>
                   <a:pt x="0" y="0"/>
                 </a:moveTo>
@@ -3459,14 +3477,21 @@
           <a:blipFill>
             <a:blip r:embed="rId4"/>
             <a:stretch>
-              <a:fillRect l="0" t="0" r="0" b="0"/>
+              <a:fillRect/>
             </a:stretch>
           </a:blipFill>
         </p:spPr>
+        <p:txBody>
+          <a:bodyPr/>
+          <a:lstStyle/>
+          <a:p>
+            <a:endParaRPr lang="en-GB"/>
+          </a:p>
+        </p:txBody>
       </p:sp>
       <p:grpSp>
         <p:nvGrpSpPr>
-          <p:cNvPr name="Group 5" id="5"/>
+          <p:cNvPr id="5" name="Group 5"/>
           <p:cNvGrpSpPr/>
           <p:nvPr/>
         </p:nvGrpSpPr>
@@ -3480,12 +3505,12 @@
         </p:grpSpPr>
         <p:sp>
           <p:nvSpPr>
-            <p:cNvPr name="Freeform 6" id="6"/>
+            <p:cNvPr id="6" name="Freeform 6"/>
             <p:cNvSpPr/>
             <p:nvPr/>
           </p:nvSpPr>
           <p:spPr>
-            <a:xfrm flipH="false" flipV="false" rot="0">
+            <a:xfrm>
               <a:off x="0" y="0"/>
               <a:ext cx="812800" cy="812800"/>
             </a:xfrm>
@@ -3494,9 +3519,9 @@
               <a:gdLst/>
               <a:ahLst/>
               <a:cxnLst/>
-              <a:rect r="r" b="b" t="t" l="l"/>
+              <a:rect l="l" t="t" r="r" b="b"/>
               <a:pathLst>
-                <a:path h="812800" w="812800">
+                <a:path w="812800" h="812800">
                   <a:moveTo>
                     <a:pt x="406400" y="0"/>
                   </a:moveTo>
@@ -3529,11 +3554,18 @@
               <a:srgbClr val="000000"/>
             </a:solidFill>
           </p:spPr>
+          <p:txBody>
+            <a:bodyPr/>
+            <a:lstStyle/>
+            <a:p>
+              <a:endParaRPr lang="en-GB"/>
+            </a:p>
+          </p:txBody>
         </p:sp>
         <p:sp>
           <p:nvSpPr>
-            <p:cNvPr name="TextBox 7" id="7"/>
-            <p:cNvSpPr txBox="true"/>
+            <p:cNvPr id="7" name="TextBox 7"/>
+            <p:cNvSpPr txBox="1"/>
             <p:nvPr/>
           </p:nvSpPr>
           <p:spPr>
@@ -3546,7 +3578,7 @@
             </a:prstGeom>
           </p:spPr>
           <p:txBody>
-            <a:bodyPr anchor="ctr" rtlCol="false" tIns="50800" lIns="50800" bIns="50800" rIns="50800"/>
+            <a:bodyPr lIns="50800" tIns="50800" rIns="50800" bIns="50800" rtlCol="0" anchor="ctr"/>
             <a:lstStyle/>
             <a:p>
               <a:pPr algn="ctr">
@@ -3554,18 +3586,19 @@
                   <a:spcPts val="2300"/>
                 </a:lnSpc>
               </a:pPr>
+              <a:endParaRPr/>
             </a:p>
           </p:txBody>
         </p:sp>
       </p:grpSp>
       <p:sp>
         <p:nvSpPr>
-          <p:cNvPr name="Freeform 8" id="8"/>
+          <p:cNvPr id="8" name="Freeform 8"/>
           <p:cNvSpPr/>
           <p:nvPr/>
         </p:nvSpPr>
         <p:spPr>
-          <a:xfrm flipH="false" flipV="false" rot="0">
+          <a:xfrm>
             <a:off x="11785725" y="7636696"/>
             <a:ext cx="3475391" cy="1506003"/>
           </a:xfrm>
@@ -3574,9 +3607,9 @@
             <a:gdLst/>
             <a:ahLst/>
             <a:cxnLst/>
-            <a:rect r="r" b="b" t="t" l="l"/>
+            <a:rect l="l" t="t" r="r" b="b"/>
             <a:pathLst>
-              <a:path h="1506003" w="3475391">
+              <a:path w="3475391" h="1506003">
                 <a:moveTo>
                   <a:pt x="0" y="0"/>
                 </a:moveTo>
@@ -3599,19 +3632,26 @@
           <a:blipFill>
             <a:blip r:embed="rId5"/>
             <a:stretch>
-              <a:fillRect l="0" t="0" r="0" b="0"/>
+              <a:fillRect/>
             </a:stretch>
           </a:blipFill>
         </p:spPr>
-      </p:sp>
-      <p:sp>
-        <p:nvSpPr>
-          <p:cNvPr name="TextBox 9" id="9"/>
-          <p:cNvSpPr txBox="true"/>
+        <p:txBody>
+          <a:bodyPr/>
+          <a:lstStyle/>
+          <a:p>
+            <a:endParaRPr lang="en-GB"/>
+          </a:p>
+        </p:txBody>
+      </p:sp>
+      <p:sp>
+        <p:nvSpPr>
+          <p:cNvPr id="9" name="TextBox 9"/>
+          <p:cNvSpPr txBox="1"/>
           <p:nvPr/>
         </p:nvSpPr>
         <p:spPr>
-          <a:xfrm rot="0">
+          <a:xfrm>
             <a:off x="1305136" y="3150575"/>
             <a:ext cx="16659739" cy="2647950"/>
           </a:xfrm>
@@ -3620,7 +3660,7 @@
           </a:prstGeom>
         </p:spPr>
         <p:txBody>
-          <a:bodyPr anchor="t" rtlCol="false" tIns="0" lIns="0" bIns="0" rIns="0">
+          <a:bodyPr lIns="0" tIns="0" rIns="0" bIns="0" rtlCol="0" anchor="t">
             <a:spAutoFit/>
           </a:bodyPr>
           <a:lstStyle/>
@@ -3649,6 +3689,15 @@
                 <a:spcPts val="4200"/>
               </a:lnSpc>
             </a:pPr>
+            <a:endParaRPr lang="en-US" sz="3000" spc="-105">
+              <a:solidFill>
+                <a:srgbClr val="222222"/>
+              </a:solidFill>
+              <a:latin typeface="Garet"/>
+              <a:ea typeface="Garet"/>
+              <a:cs typeface="Garet"/>
+              <a:sym typeface="Garet"/>
+            </a:endParaRPr>
           </a:p>
           <a:p>
             <a:pPr algn="just">
@@ -3669,7 +3718,7 @@
               <a:t>=&gt; </a:t>
             </a:r>
             <a:r>
-              <a:rPr lang="en-US" b="true" sz="3000" spc="-105">
+              <a:rPr lang="en-US" sz="3000" b="1" spc="-105">
                 <a:solidFill>
                   <a:srgbClr val="222222"/>
                 </a:solidFill>
@@ -3697,12 +3746,12 @@
       </p:sp>
       <p:sp>
         <p:nvSpPr>
-          <p:cNvPr name="TextBox 10" id="10"/>
-          <p:cNvSpPr txBox="true"/>
+          <p:cNvPr id="10" name="TextBox 10"/>
+          <p:cNvSpPr txBox="1"/>
           <p:nvPr/>
         </p:nvSpPr>
         <p:spPr>
-          <a:xfrm rot="0">
+          <a:xfrm>
             <a:off x="4048231" y="1334153"/>
             <a:ext cx="10191537" cy="800100"/>
           </a:xfrm>
@@ -3711,7 +3760,7 @@
           </a:prstGeom>
         </p:spPr>
         <p:txBody>
-          <a:bodyPr anchor="t" rtlCol="false" tIns="0" lIns="0" bIns="0" rIns="0">
+          <a:bodyPr lIns="0" tIns="0" rIns="0" bIns="0" rtlCol="0" anchor="t">
             <a:spAutoFit/>
           </a:bodyPr>
           <a:lstStyle/>
@@ -3738,12 +3787,12 @@
       </p:sp>
       <p:sp>
         <p:nvSpPr>
-          <p:cNvPr name="TextBox 11" id="11"/>
-          <p:cNvSpPr txBox="true"/>
+          <p:cNvPr id="11" name="TextBox 11"/>
+          <p:cNvSpPr txBox="1"/>
           <p:nvPr/>
         </p:nvSpPr>
         <p:spPr>
-          <a:xfrm rot="0">
+          <a:xfrm>
             <a:off x="1305136" y="6817700"/>
             <a:ext cx="6576418" cy="514350"/>
           </a:xfrm>
@@ -3752,7 +3801,7 @@
           </a:prstGeom>
         </p:spPr>
         <p:txBody>
-          <a:bodyPr anchor="t" rtlCol="false" tIns="0" lIns="0" bIns="0" rIns="0">
+          <a:bodyPr lIns="0" tIns="0" rIns="0" bIns="0" rtlCol="0" anchor="t">
             <a:spAutoFit/>
           </a:bodyPr>
           <a:lstStyle/>
@@ -3763,7 +3812,7 @@
               </a:lnSpc>
             </a:pPr>
             <a:r>
-              <a:rPr lang="en-US" b="true" sz="3000" spc="-105">
+              <a:rPr lang="en-US" sz="3000" b="1" spc="-105">
                 <a:solidFill>
                   <a:srgbClr val="222222"/>
                 </a:solidFill>
@@ -3779,12 +3828,12 @@
       </p:sp>
       <p:sp>
         <p:nvSpPr>
-          <p:cNvPr name="TextBox 12" id="12"/>
-          <p:cNvSpPr txBox="true"/>
+          <p:cNvPr id="12" name="TextBox 12"/>
+          <p:cNvSpPr txBox="1"/>
           <p:nvPr/>
         </p:nvSpPr>
         <p:spPr>
-          <a:xfrm rot="0">
+          <a:xfrm>
             <a:off x="11587091" y="6817700"/>
             <a:ext cx="3872659" cy="514350"/>
           </a:xfrm>
@@ -3793,7 +3842,7 @@
           </a:prstGeom>
         </p:spPr>
         <p:txBody>
-          <a:bodyPr anchor="t" rtlCol="false" tIns="0" lIns="0" bIns="0" rIns="0">
+          <a:bodyPr lIns="0" tIns="0" rIns="0" bIns="0" rtlCol="0" anchor="t">
             <a:spAutoFit/>
           </a:bodyPr>
           <a:lstStyle/>
@@ -3804,7 +3853,7 @@
               </a:lnSpc>
             </a:pPr>
             <a:r>
-              <a:rPr lang="en-US" b="true" sz="3000" spc="-105">
+              <a:rPr lang="en-US" sz="3000" b="1" spc="-105">
                 <a:solidFill>
                   <a:srgbClr val="222222"/>
                 </a:solidFill>
@@ -3830,13 +3879,14 @@
 </file>
 
 <file path=ppt/slides/slide11.xml><?xml version="1.0" encoding="utf-8"?>
-<p:sld xmlns:p="http://schemas.openxmlformats.org/presentationml/2006/main" xmlns:a="http://schemas.openxmlformats.org/drawingml/2006/main" xmlns:r="http://schemas.openxmlformats.org/officeDocument/2006/relationships">
+<p:sld xmlns:a="http://schemas.openxmlformats.org/drawingml/2006/main" xmlns:r="http://schemas.openxmlformats.org/officeDocument/2006/relationships" xmlns:p="http://schemas.openxmlformats.org/presentationml/2006/main">
   <p:cSld>
     <p:bg>
       <p:bgPr>
         <a:solidFill>
           <a:srgbClr val="F1F2F2"/>
         </a:solidFill>
+        <a:effectLst/>
       </p:bgPr>
     </p:bg>
     <p:spTree>
@@ -3855,12 +3905,12 @@
       </p:grpSpPr>
       <p:sp>
         <p:nvSpPr>
-          <p:cNvPr name="Freeform 2" id="2"/>
+          <p:cNvPr id="2" name="Freeform 2"/>
           <p:cNvSpPr/>
           <p:nvPr/>
         </p:nvSpPr>
         <p:spPr>
-          <a:xfrm flipH="false" flipV="false" rot="-10800000">
+          <a:xfrm rot="-10800000">
             <a:off x="1028700" y="1364837"/>
             <a:ext cx="1998184" cy="624432"/>
           </a:xfrm>
@@ -3869,9 +3919,9 @@
             <a:gdLst/>
             <a:ahLst/>
             <a:cxnLst/>
-            <a:rect r="r" b="b" t="t" l="l"/>
+            <a:rect l="l" t="t" r="r" b="b"/>
             <a:pathLst>
-              <a:path h="624432" w="1998184">
+              <a:path w="1998184" h="624432">
                 <a:moveTo>
                   <a:pt x="0" y="0"/>
                 </a:moveTo>
@@ -3900,19 +3950,26 @@
               </a:extLst>
             </a:blip>
             <a:stretch>
-              <a:fillRect l="0" t="0" r="0" b="0"/>
+              <a:fillRect/>
             </a:stretch>
           </a:blipFill>
         </p:spPr>
-      </p:sp>
-      <p:sp>
-        <p:nvSpPr>
-          <p:cNvPr name="Freeform 3" id="3"/>
+        <p:txBody>
+          <a:bodyPr/>
+          <a:lstStyle/>
+          <a:p>
+            <a:endParaRPr lang="en-GB"/>
+          </a:p>
+        </p:txBody>
+      </p:sp>
+      <p:sp>
+        <p:nvSpPr>
+          <p:cNvPr id="3" name="Freeform 3"/>
           <p:cNvSpPr/>
           <p:nvPr/>
         </p:nvSpPr>
         <p:spPr>
-          <a:xfrm flipH="false" flipV="false" rot="-10800000">
+          <a:xfrm rot="-10800000">
             <a:off x="15261116" y="1364837"/>
             <a:ext cx="1998184" cy="624432"/>
           </a:xfrm>
@@ -3921,9 +3978,9 @@
             <a:gdLst/>
             <a:ahLst/>
             <a:cxnLst/>
-            <a:rect r="r" b="b" t="t" l="l"/>
+            <a:rect l="l" t="t" r="r" b="b"/>
             <a:pathLst>
-              <a:path h="624432" w="1998184">
+              <a:path w="1998184" h="624432">
                 <a:moveTo>
                   <a:pt x="0" y="0"/>
                 </a:moveTo>
@@ -3952,19 +4009,26 @@
               </a:extLst>
             </a:blip>
             <a:stretch>
-              <a:fillRect l="0" t="0" r="0" b="0"/>
+              <a:fillRect/>
             </a:stretch>
           </a:blipFill>
         </p:spPr>
-      </p:sp>
-      <p:sp>
-        <p:nvSpPr>
-          <p:cNvPr name="Freeform 4" id="4"/>
+        <p:txBody>
+          <a:bodyPr/>
+          <a:lstStyle/>
+          <a:p>
+            <a:endParaRPr lang="en-GB"/>
+          </a:p>
+        </p:txBody>
+      </p:sp>
+      <p:sp>
+        <p:nvSpPr>
+          <p:cNvPr id="4" name="Freeform 4"/>
           <p:cNvSpPr/>
           <p:nvPr/>
         </p:nvSpPr>
         <p:spPr>
-          <a:xfrm flipH="false" flipV="false" rot="0">
+          <a:xfrm>
             <a:off x="5778931" y="3238009"/>
             <a:ext cx="6401966" cy="1097480"/>
           </a:xfrm>
@@ -3973,9 +4037,9 @@
             <a:gdLst/>
             <a:ahLst/>
             <a:cxnLst/>
-            <a:rect r="r" b="b" t="t" l="l"/>
+            <a:rect l="l" t="t" r="r" b="b"/>
             <a:pathLst>
-              <a:path h="1097480" w="6401966">
+              <a:path w="6401966" h="1097480">
                 <a:moveTo>
                   <a:pt x="0" y="0"/>
                 </a:moveTo>
@@ -3998,19 +4062,26 @@
           <a:blipFill>
             <a:blip r:embed="rId4"/>
             <a:stretch>
-              <a:fillRect l="0" t="0" r="0" b="0"/>
+              <a:fillRect/>
             </a:stretch>
           </a:blipFill>
         </p:spPr>
-      </p:sp>
-      <p:sp>
-        <p:nvSpPr>
-          <p:cNvPr name="Freeform 5" id="5"/>
+        <p:txBody>
+          <a:bodyPr/>
+          <a:lstStyle/>
+          <a:p>
+            <a:endParaRPr lang="en-GB"/>
+          </a:p>
+        </p:txBody>
+      </p:sp>
+      <p:sp>
+        <p:nvSpPr>
+          <p:cNvPr id="5" name="Freeform 5"/>
           <p:cNvSpPr/>
           <p:nvPr/>
         </p:nvSpPr>
         <p:spPr>
-          <a:xfrm flipH="false" flipV="false" rot="0">
+          <a:xfrm>
             <a:off x="5101239" y="8103226"/>
             <a:ext cx="8085521" cy="1155074"/>
           </a:xfrm>
@@ -4019,9 +4090,9 @@
             <a:gdLst/>
             <a:ahLst/>
             <a:cxnLst/>
-            <a:rect r="r" b="b" t="t" l="l"/>
+            <a:rect l="l" t="t" r="r" b="b"/>
             <a:pathLst>
-              <a:path h="1155074" w="8085521">
+              <a:path w="8085521" h="1155074">
                 <a:moveTo>
                   <a:pt x="0" y="0"/>
                 </a:moveTo>
@@ -4044,19 +4115,26 @@
           <a:blipFill>
             <a:blip r:embed="rId5"/>
             <a:stretch>
-              <a:fillRect l="0" t="0" r="0" b="0"/>
+              <a:fillRect/>
             </a:stretch>
           </a:blipFill>
         </p:spPr>
-      </p:sp>
-      <p:sp>
-        <p:nvSpPr>
-          <p:cNvPr name="TextBox 6" id="6"/>
-          <p:cNvSpPr txBox="true"/>
+        <p:txBody>
+          <a:bodyPr/>
+          <a:lstStyle/>
+          <a:p>
+            <a:endParaRPr lang="en-GB"/>
+          </a:p>
+        </p:txBody>
+      </p:sp>
+      <p:sp>
+        <p:nvSpPr>
+          <p:cNvPr id="6" name="TextBox 6"/>
+          <p:cNvSpPr txBox="1"/>
           <p:nvPr/>
         </p:nvSpPr>
         <p:spPr>
-          <a:xfrm rot="0">
+          <a:xfrm>
             <a:off x="1305136" y="2493328"/>
             <a:ext cx="16659739" cy="514350"/>
           </a:xfrm>
@@ -4065,7 +4143,7 @@
           </a:prstGeom>
         </p:spPr>
         <p:txBody>
-          <a:bodyPr anchor="t" rtlCol="false" tIns="0" lIns="0" bIns="0" rIns="0">
+          <a:bodyPr lIns="0" tIns="0" rIns="0" bIns="0" rtlCol="0" anchor="t">
             <a:spAutoFit/>
           </a:bodyPr>
           <a:lstStyle/>
@@ -4092,12 +4170,12 @@
       </p:sp>
       <p:sp>
         <p:nvSpPr>
-          <p:cNvPr name="TextBox 7" id="7"/>
-          <p:cNvSpPr txBox="true"/>
+          <p:cNvPr id="7" name="TextBox 7"/>
+          <p:cNvSpPr txBox="1"/>
           <p:nvPr/>
         </p:nvSpPr>
         <p:spPr>
-          <a:xfrm rot="0">
+          <a:xfrm>
             <a:off x="4048231" y="1334153"/>
             <a:ext cx="10191537" cy="800100"/>
           </a:xfrm>
@@ -4106,7 +4184,7 @@
           </a:prstGeom>
         </p:spPr>
         <p:txBody>
-          <a:bodyPr anchor="t" rtlCol="false" tIns="0" lIns="0" bIns="0" rIns="0">
+          <a:bodyPr lIns="0" tIns="0" rIns="0" bIns="0" rtlCol="0" anchor="t">
             <a:spAutoFit/>
           </a:bodyPr>
           <a:lstStyle/>
@@ -4133,12 +4211,12 @@
       </p:sp>
       <p:sp>
         <p:nvSpPr>
-          <p:cNvPr name="TextBox 8" id="8"/>
-          <p:cNvSpPr txBox="true"/>
+          <p:cNvPr id="8" name="TextBox 8"/>
+          <p:cNvSpPr txBox="1"/>
           <p:nvPr/>
         </p:nvSpPr>
         <p:spPr>
-          <a:xfrm rot="0">
+          <a:xfrm>
             <a:off x="1305136" y="4840314"/>
             <a:ext cx="16659739" cy="2647950"/>
           </a:xfrm>
@@ -4147,7 +4225,7 @@
           </a:prstGeom>
         </p:spPr>
         <p:txBody>
-          <a:bodyPr anchor="t" rtlCol="false" tIns="0" lIns="0" bIns="0" rIns="0">
+          <a:bodyPr lIns="0" tIns="0" rIns="0" bIns="0" rtlCol="0" anchor="t">
             <a:spAutoFit/>
           </a:bodyPr>
           <a:lstStyle/>
@@ -4158,7 +4236,7 @@
               </a:lnSpc>
             </a:pPr>
             <a:r>
-              <a:rPr lang="en-US" sz="3000" spc="-105">
+              <a:rPr lang="en-US" sz="3000" spc="-105" dirty="0">
                 <a:solidFill>
                   <a:srgbClr val="222222"/>
                 </a:solidFill>
@@ -4167,7 +4245,31 @@
                 <a:cs typeface="Garet"/>
                 <a:sym typeface="Garet"/>
               </a:rPr>
-              <a:t>As the g_t becomes very large, noisy, and infrequent, this can lead to the learning rate being minimal =&gt; Consequently, Adam will lose its memory of the historical gradient magnitudes and the model can not converge properly </a:t>
+              <a:t>As the </a:t>
+            </a:r>
+            <a:r>
+              <a:rPr lang="en-US" sz="3000" spc="-105" dirty="0" err="1">
+                <a:solidFill>
+                  <a:srgbClr val="222222"/>
+                </a:solidFill>
+                <a:latin typeface="Garet"/>
+                <a:ea typeface="Garet"/>
+                <a:cs typeface="Garet"/>
+                <a:sym typeface="Garet"/>
+              </a:rPr>
+              <a:t>g_t</a:t>
+            </a:r>
+            <a:r>
+              <a:rPr lang="en-US" sz="3000" spc="-105" dirty="0">
+                <a:solidFill>
+                  <a:srgbClr val="222222"/>
+                </a:solidFill>
+                <a:latin typeface="Garet"/>
+                <a:ea typeface="Garet"/>
+                <a:cs typeface="Garet"/>
+                <a:sym typeface="Garet"/>
+              </a:rPr>
+              <a:t> becomes very large, noisy, and infrequent, this can lead to the learning rate being minimal =&gt; Consequently, Adam will lose its memory of the historical gradient magnitudes, and the model can not converge properly </a:t>
             </a:r>
           </a:p>
           <a:p>
@@ -4176,6 +4278,15 @@
                 <a:spcPts val="4200"/>
               </a:lnSpc>
             </a:pPr>
+            <a:endParaRPr lang="en-US" sz="3000" spc="-105" dirty="0">
+              <a:solidFill>
+                <a:srgbClr val="222222"/>
+              </a:solidFill>
+              <a:latin typeface="Garet"/>
+              <a:ea typeface="Garet"/>
+              <a:cs typeface="Garet"/>
+              <a:sym typeface="Garet"/>
+            </a:endParaRPr>
           </a:p>
           <a:p>
             <a:pPr algn="just">
@@ -4184,7 +4295,7 @@
               </a:lnSpc>
             </a:pPr>
             <a:r>
-              <a:rPr lang="en-US" sz="3000" spc="-105">
+              <a:rPr lang="en-US" sz="3000" spc="-105" dirty="0">
                 <a:solidFill>
                   <a:srgbClr val="222222"/>
                 </a:solidFill>
@@ -4210,13 +4321,14 @@
 </file>
 
 <file path=ppt/slides/slide12.xml><?xml version="1.0" encoding="utf-8"?>
-<p:sld xmlns:p="http://schemas.openxmlformats.org/presentationml/2006/main" xmlns:a="http://schemas.openxmlformats.org/drawingml/2006/main" xmlns:r="http://schemas.openxmlformats.org/officeDocument/2006/relationships">
+<p:sld xmlns:a="http://schemas.openxmlformats.org/drawingml/2006/main" xmlns:r="http://schemas.openxmlformats.org/officeDocument/2006/relationships" xmlns:p="http://schemas.openxmlformats.org/presentationml/2006/main">
   <p:cSld>
     <p:bg>
       <p:bgPr>
         <a:solidFill>
           <a:srgbClr val="F1F2F2"/>
         </a:solidFill>
+        <a:effectLst/>
       </p:bgPr>
     </p:bg>
     <p:spTree>
@@ -4235,12 +4347,12 @@
       </p:grpSpPr>
       <p:sp>
         <p:nvSpPr>
-          <p:cNvPr name="TextBox 2" id="2"/>
-          <p:cNvSpPr txBox="true"/>
+          <p:cNvPr id="2" name="TextBox 2"/>
+          <p:cNvSpPr txBox="1"/>
           <p:nvPr/>
         </p:nvSpPr>
         <p:spPr>
-          <a:xfrm rot="0">
+          <a:xfrm>
             <a:off x="11695178" y="623956"/>
             <a:ext cx="5564122" cy="1095375"/>
           </a:xfrm>
@@ -4249,7 +4361,7 @@
           </a:prstGeom>
         </p:spPr>
         <p:txBody>
-          <a:bodyPr anchor="t" rtlCol="false" tIns="0" lIns="0" bIns="0" rIns="0">
+          <a:bodyPr lIns="0" tIns="0" rIns="0" bIns="0" rtlCol="0" anchor="t">
             <a:spAutoFit/>
           </a:bodyPr>
           <a:lstStyle/>
@@ -4276,12 +4388,12 @@
       </p:sp>
       <p:sp>
         <p:nvSpPr>
-          <p:cNvPr name="Freeform 3" id="3"/>
+          <p:cNvPr id="3" name="Freeform 3"/>
           <p:cNvSpPr/>
           <p:nvPr/>
         </p:nvSpPr>
         <p:spPr>
-          <a:xfrm flipH="false" flipV="false" rot="-10800000">
+          <a:xfrm rot="-10800000">
             <a:off x="9254825" y="859427"/>
             <a:ext cx="1998184" cy="624432"/>
           </a:xfrm>
@@ -4290,9 +4402,9 @@
             <a:gdLst/>
             <a:ahLst/>
             <a:cxnLst/>
-            <a:rect r="r" b="b" t="t" l="l"/>
+            <a:rect l="l" t="t" r="r" b="b"/>
             <a:pathLst>
-              <a:path h="624432" w="1998184">
+              <a:path w="1998184" h="624432">
                 <a:moveTo>
                   <a:pt x="0" y="0"/>
                 </a:moveTo>
@@ -4321,28 +4433,35 @@
               </a:extLst>
             </a:blip>
             <a:stretch>
-              <a:fillRect l="0" t="0" r="0" b="0"/>
+              <a:fillRect/>
             </a:stretch>
           </a:blipFill>
         </p:spPr>
-      </p:sp>
-      <p:sp>
-        <p:nvSpPr>
-          <p:cNvPr name="TextBox 4" id="4"/>
-          <p:cNvSpPr txBox="true"/>
+        <p:txBody>
+          <a:bodyPr/>
+          <a:lstStyle/>
+          <a:p>
+            <a:endParaRPr lang="en-GB"/>
+          </a:p>
+        </p:txBody>
+      </p:sp>
+      <p:sp>
+        <p:nvSpPr>
+          <p:cNvPr id="4" name="TextBox 4"/>
+          <p:cNvSpPr txBox="1"/>
           <p:nvPr/>
         </p:nvSpPr>
         <p:spPr>
-          <a:xfrm rot="0">
-            <a:off x="504939" y="2457867"/>
-            <a:ext cx="17633124" cy="7593219"/>
+          <a:xfrm>
+            <a:off x="327438" y="2843735"/>
+            <a:ext cx="17633124" cy="4599529"/>
           </a:xfrm>
           <a:prstGeom prst="rect">
             <a:avLst/>
           </a:prstGeom>
         </p:spPr>
         <p:txBody>
-          <a:bodyPr anchor="t" rtlCol="false" tIns="0" lIns="0" bIns="0" rIns="0">
+          <a:bodyPr lIns="0" tIns="0" rIns="0" bIns="0" rtlCol="0" anchor="t">
             <a:spAutoFit/>
           </a:bodyPr>
           <a:lstStyle/>
@@ -4352,33 +4471,53 @@
                 <a:spcPts val="3576"/>
               </a:lnSpc>
             </a:pPr>
-            <a:r>
-              <a:rPr lang="en-US" sz="2554" spc="-89">
-                <a:solidFill>
-                  <a:srgbClr val="222222"/>
-                </a:solidFill>
-                <a:latin typeface="Garet"/>
-                <a:ea typeface="Garet"/>
-                <a:cs typeface="Garet"/>
-                <a:sym typeface="Garet"/>
-              </a:rPr>
-              <a:t>ADADelta → </a:t>
-            </a:r>
-            <a:r>
-              <a:rPr lang="en-US" sz="2554" spc="-89">
-                <a:solidFill>
-                  <a:srgbClr val="222222"/>
-                </a:solidFill>
-                <a:latin typeface="Garet"/>
-                <a:ea typeface="Garet"/>
-                <a:cs typeface="Garet"/>
-                <a:sym typeface="Garet"/>
-              </a:rPr>
-              <a:t>No need to set a learning rate manually.</a:t>
-            </a:r>
-          </a:p>
-          <a:p>
-            <a:pPr algn="just" marL="551487" indent="-275744" lvl="1">
+            <a:endParaRPr lang="en-US" sz="2554" spc="-89" dirty="0">
+              <a:solidFill>
+                <a:srgbClr val="222222"/>
+              </a:solidFill>
+              <a:latin typeface="Garet"/>
+              <a:ea typeface="Garet"/>
+              <a:cs typeface="Garet"/>
+              <a:sym typeface="Garet"/>
+            </a:endParaRPr>
+          </a:p>
+          <a:p>
+            <a:pPr algn="just">
+              <a:lnSpc>
+                <a:spcPts val="3576"/>
+              </a:lnSpc>
+            </a:pPr>
+            <a:r>
+              <a:rPr lang="en-US" sz="2554" b="1" spc="-89" dirty="0">
+                <a:solidFill>
+                  <a:srgbClr val="222222"/>
+                </a:solidFill>
+                <a:latin typeface="Garet Bold"/>
+                <a:ea typeface="Garet Bold"/>
+                <a:cs typeface="Garet Bold"/>
+                <a:sym typeface="Garet Bold"/>
+              </a:rPr>
+              <a:t>Key Takeaway</a:t>
+            </a:r>
+          </a:p>
+          <a:p>
+            <a:pPr algn="just">
+              <a:lnSpc>
+                <a:spcPts val="3576"/>
+              </a:lnSpc>
+            </a:pPr>
+            <a:endParaRPr lang="en-US" sz="2554" b="1" spc="-89" dirty="0">
+              <a:solidFill>
+                <a:srgbClr val="222222"/>
+              </a:solidFill>
+              <a:latin typeface="Garet Bold"/>
+              <a:ea typeface="Garet Bold"/>
+              <a:cs typeface="Garet Bold"/>
+              <a:sym typeface="Garet Bold"/>
+            </a:endParaRPr>
+          </a:p>
+          <a:p>
+            <a:pPr marL="551487" lvl="1" indent="-275744" algn="just">
               <a:lnSpc>
                 <a:spcPts val="3576"/>
               </a:lnSpc>
@@ -4386,7 +4525,7 @@
               <a:buChar char="•"/>
             </a:pPr>
             <a:r>
-              <a:rPr lang="en-US" sz="2554" spc="-89">
+              <a:rPr lang="en-US" sz="2554" b="1" spc="-89" dirty="0">
                 <a:solidFill>
                   <a:srgbClr val="222222"/>
                 </a:solidFill>
@@ -4395,19 +4534,10 @@
                 <a:cs typeface="Garet"/>
                 <a:sym typeface="Garet"/>
               </a:rPr>
-              <a:t>Strengths:</a:t>
-            </a:r>
-          </a:p>
-          <a:p>
-            <a:pPr algn="just" marL="1102975" indent="-367658" lvl="2">
-              <a:lnSpc>
-                <a:spcPts val="3576"/>
-              </a:lnSpc>
-              <a:buFont typeface="Arial"/>
-              <a:buChar char="⚬"/>
-            </a:pPr>
-            <a:r>
-              <a:rPr lang="en-US" sz="2554" spc="-89">
+              <a:t>ADAM</a:t>
+            </a:r>
+            <a:r>
+              <a:rPr lang="en-US" sz="2554" spc="-89" dirty="0">
                 <a:solidFill>
                   <a:srgbClr val="222222"/>
                 </a:solidFill>
@@ -4416,32 +4546,11 @@
                 <a:cs typeface="Garet"/>
                 <a:sym typeface="Garet"/>
               </a:rPr>
-              <a:t>Simplifies training with minimal hyperparameter tuning.</a:t>
-            </a:r>
-          </a:p>
-          <a:p>
-            <a:pPr algn="just" marL="1102975" indent="-367658" lvl="2">
-              <a:lnSpc>
-                <a:spcPts val="3576"/>
-              </a:lnSpc>
-              <a:buFont typeface="Arial"/>
-              <a:buChar char="⚬"/>
-            </a:pPr>
-            <a:r>
-              <a:rPr lang="en-US" sz="2554" spc="-89">
-                <a:solidFill>
-                  <a:srgbClr val="222222"/>
-                </a:solidFill>
-                <a:latin typeface="Garet"/>
-                <a:ea typeface="Garet"/>
-                <a:cs typeface="Garet"/>
-                <a:sym typeface="Garet"/>
-              </a:rPr>
-              <a:t>Effective for tasks with sparse gradients.</a:t>
-            </a:r>
-          </a:p>
-          <a:p>
-            <a:pPr algn="just" marL="551487" indent="-275744" lvl="1">
+              <a:t>: Fast &amp; Reliable </a:t>
+            </a:r>
+          </a:p>
+          <a:p>
+            <a:pPr marL="1008687" lvl="2" indent="-275744" algn="just">
               <a:lnSpc>
                 <a:spcPts val="3576"/>
               </a:lnSpc>
@@ -4449,7 +4558,7 @@
               <a:buChar char="•"/>
             </a:pPr>
             <a:r>
-              <a:rPr lang="en-US" sz="2554" spc="-89">
+              <a:rPr lang="en-US" sz="2554" spc="-89" dirty="0">
                 <a:solidFill>
                   <a:srgbClr val="222222"/>
                 </a:solidFill>
@@ -4458,51 +4567,11 @@
                 <a:cs typeface="Garet"/>
                 <a:sym typeface="Garet"/>
               </a:rPr>
-              <a:t>Weaknesses:</a:t>
-            </a:r>
-          </a:p>
-          <a:p>
-            <a:pPr algn="just" marL="1102975" indent="-367658" lvl="2">
-              <a:lnSpc>
-                <a:spcPts val="3576"/>
-              </a:lnSpc>
-              <a:buFont typeface="Arial"/>
-              <a:buChar char="⚬"/>
-            </a:pPr>
-            <a:r>
-              <a:rPr lang="en-US" sz="2554" spc="-89">
-                <a:solidFill>
-                  <a:srgbClr val="222222"/>
-                </a:solidFill>
-                <a:latin typeface="Garet"/>
-                <a:ea typeface="Garet"/>
-                <a:cs typeface="Garet"/>
-                <a:sym typeface="Garet"/>
-              </a:rPr>
-              <a:t>Convergence can be slower and less stable in complex scenarios.</a:t>
-            </a:r>
-          </a:p>
-          <a:p>
-            <a:pPr algn="just">
-              <a:lnSpc>
-                <a:spcPts val="3576"/>
-              </a:lnSpc>
-            </a:pPr>
-            <a:r>
-              <a:rPr lang="en-US" sz="2554" spc="-89">
-                <a:solidFill>
-                  <a:srgbClr val="222222"/>
-                </a:solidFill>
-                <a:latin typeface="Garet"/>
-                <a:ea typeface="Garet"/>
-                <a:cs typeface="Garet"/>
-                <a:sym typeface="Garet"/>
-              </a:rPr>
-              <a:t>ADAM (Adaptive Moment Estimation) →  Combines momentum with adaptive learning rates and includes bias correction.</a:t>
-            </a:r>
-          </a:p>
-          <a:p>
-            <a:pPr algn="just" marL="551487" indent="-275744" lvl="1">
+              <a:t>Combines momentum with adaptive learning rates and includes bias correction </a:t>
+            </a:r>
+          </a:p>
+          <a:p>
+            <a:pPr marL="1008687" lvl="2" indent="-275744" algn="just">
               <a:lnSpc>
                 <a:spcPts val="3576"/>
               </a:lnSpc>
@@ -4510,7 +4579,7 @@
               <a:buChar char="•"/>
             </a:pPr>
             <a:r>
-              <a:rPr lang="en-US" sz="2554" spc="-89">
+              <a:rPr lang="en-US" sz="2554" spc="-89" dirty="0">
                 <a:solidFill>
                   <a:srgbClr val="222222"/>
                 </a:solidFill>
@@ -4519,19 +4588,17 @@
                 <a:cs typeface="Garet"/>
                 <a:sym typeface="Garet"/>
               </a:rPr>
-              <a:t>Strengths:</a:t>
-            </a:r>
-          </a:p>
-          <a:p>
-            <a:pPr algn="just" marL="1102975" indent="-367658" lvl="2">
+              <a:t>Recommended default optimizer for most deep learning applications due to its speed and reliability</a:t>
+            </a:r>
+          </a:p>
+          <a:p>
+            <a:pPr marL="732943" lvl="2" algn="just">
               <a:lnSpc>
                 <a:spcPts val="3576"/>
               </a:lnSpc>
-              <a:buFont typeface="Arial"/>
-              <a:buChar char="⚬"/>
             </a:pPr>
             <a:r>
-              <a:rPr lang="en-US" sz="2554" spc="-89">
+              <a:rPr lang="en-US" sz="2554" spc="-89" dirty="0">
                 <a:solidFill>
                   <a:srgbClr val="222222"/>
                 </a:solidFill>
@@ -4540,58 +4607,11 @@
                 <a:cs typeface="Garet"/>
                 <a:sym typeface="Garet"/>
               </a:rPr>
-              <a:t>Robust, fast, and highly reliable.</a:t>
-            </a:r>
-          </a:p>
-          <a:p>
-            <a:pPr algn="just" marL="1102975" indent="-367658" lvl="2">
-              <a:lnSpc>
-                <a:spcPts val="3576"/>
-              </a:lnSpc>
-              <a:buFont typeface="Arial"/>
-              <a:buChar char="⚬"/>
-            </a:pPr>
-            <a:r>
-              <a:rPr lang="en-US" sz="2554" spc="-89">
-                <a:solidFill>
-                  <a:srgbClr val="222222"/>
-                </a:solidFill>
-                <a:latin typeface="Garet"/>
-                <a:ea typeface="Garet"/>
-                <a:cs typeface="Garet"/>
-                <a:sym typeface="Garet"/>
-              </a:rPr>
-              <a:t>One of the most widely used optimizers today.</a:t>
-            </a:r>
-          </a:p>
-          <a:p>
-            <a:pPr algn="just">
-              <a:lnSpc>
-                <a:spcPts val="3576"/>
-              </a:lnSpc>
-            </a:pPr>
-          </a:p>
-          <a:p>
-            <a:pPr algn="just">
-              <a:lnSpc>
-                <a:spcPts val="3576"/>
-              </a:lnSpc>
-            </a:pPr>
-            <a:r>
-              <a:rPr lang="en-US" b="true" sz="2554" spc="-89">
-                <a:solidFill>
-                  <a:srgbClr val="222222"/>
-                </a:solidFill>
-                <a:latin typeface="Garet Bold"/>
-                <a:ea typeface="Garet Bold"/>
-                <a:cs typeface="Garet Bold"/>
-                <a:sym typeface="Garet Bold"/>
-              </a:rPr>
-              <a:t>Key Takeaway</a:t>
-            </a:r>
-          </a:p>
-          <a:p>
-            <a:pPr algn="just" marL="551487" indent="-275744" lvl="1">
+              <a:t> </a:t>
+            </a:r>
+          </a:p>
+          <a:p>
+            <a:pPr marL="551487" lvl="1" indent="-275744" algn="just">
               <a:lnSpc>
                 <a:spcPts val="3576"/>
               </a:lnSpc>
@@ -4599,7 +4619,7 @@
               <a:buChar char="•"/>
             </a:pPr>
             <a:r>
-              <a:rPr lang="en-US" sz="2554" spc="-89">
+              <a:rPr lang="en-US" sz="2554" b="1" spc="-89" dirty="0" err="1">
                 <a:solidFill>
                   <a:srgbClr val="222222"/>
                 </a:solidFill>
@@ -4608,11 +4628,23 @@
                 <a:cs typeface="Garet"/>
                 <a:sym typeface="Garet"/>
               </a:rPr>
-              <a:t>ADAM is the recommended default optimizer for most deep learning applications due to its speed and reliability.</a:t>
-            </a:r>
-          </a:p>
-          <a:p>
-            <a:pPr algn="just" marL="551487" indent="-275744" lvl="1">
+              <a:t>ADADelta</a:t>
+            </a:r>
+            <a:r>
+              <a:rPr lang="en-US" sz="2554" spc="-89" dirty="0">
+                <a:solidFill>
+                  <a:srgbClr val="222222"/>
+                </a:solidFill>
+                <a:latin typeface="Garet"/>
+                <a:ea typeface="Garet"/>
+                <a:cs typeface="Garet"/>
+                <a:sym typeface="Garet"/>
+              </a:rPr>
+              <a:t>: Simple &amp; Tuneless </a:t>
+            </a:r>
+          </a:p>
+          <a:p>
+            <a:pPr marL="1008687" lvl="2" indent="-275744" algn="just">
               <a:lnSpc>
                 <a:spcPts val="3576"/>
               </a:lnSpc>
@@ -4620,7 +4652,7 @@
               <a:buChar char="•"/>
             </a:pPr>
             <a:r>
-              <a:rPr lang="en-US" sz="2554" spc="-89">
+              <a:rPr lang="en-US" sz="2554" spc="-89" dirty="0">
                 <a:solidFill>
                   <a:srgbClr val="222222"/>
                 </a:solidFill>
@@ -4629,15 +4661,29 @@
                 <a:cs typeface="Garet"/>
                 <a:sym typeface="Garet"/>
               </a:rPr>
-              <a:t>ADADelta remains a valuable option for specific cases where minimal tuning is the highest priority.</a:t>
-            </a:r>
-          </a:p>
-          <a:p>
-            <a:pPr algn="just">
+              <a:t>Simplifies training with adaptive learning rate </a:t>
+            </a:r>
+          </a:p>
+          <a:p>
+            <a:pPr marL="1008687" lvl="2" indent="-275744" algn="just">
               <a:lnSpc>
                 <a:spcPts val="3576"/>
               </a:lnSpc>
+              <a:buFont typeface="Arial"/>
+              <a:buChar char="•"/>
             </a:pPr>
+            <a:r>
+              <a:rPr lang="en-US" sz="2554" spc="-89" dirty="0">
+                <a:solidFill>
+                  <a:srgbClr val="222222"/>
+                </a:solidFill>
+                <a:latin typeface="Garet"/>
+                <a:ea typeface="Garet"/>
+                <a:cs typeface="Garet"/>
+                <a:sym typeface="Garet"/>
+              </a:rPr>
+              <a:t>A good choice when easy setup is essential, but convergence can be slower</a:t>
+            </a:r>
           </a:p>
         </p:txBody>
       </p:sp>
@@ -4653,13 +4699,14 @@
 </file>
 
 <file path=ppt/slides/slide13.xml><?xml version="1.0" encoding="utf-8"?>
-<p:sld xmlns:p="http://schemas.openxmlformats.org/presentationml/2006/main" xmlns:a="http://schemas.openxmlformats.org/drawingml/2006/main" xmlns:r="http://schemas.openxmlformats.org/officeDocument/2006/relationships">
+<p:sld xmlns:a="http://schemas.openxmlformats.org/drawingml/2006/main" xmlns:r="http://schemas.openxmlformats.org/officeDocument/2006/relationships" xmlns:p="http://schemas.openxmlformats.org/presentationml/2006/main">
   <p:cSld>
     <p:bg>
       <p:bgPr>
         <a:solidFill>
           <a:srgbClr val="F1F2F2"/>
         </a:solidFill>
+        <a:effectLst/>
       </p:bgPr>
     </p:bg>
     <p:spTree>
@@ -4678,12 +4725,12 @@
       </p:grpSpPr>
       <p:sp>
         <p:nvSpPr>
-          <p:cNvPr name="TextBox 2" id="2"/>
-          <p:cNvSpPr txBox="true"/>
+          <p:cNvPr id="2" name="TextBox 2"/>
+          <p:cNvSpPr txBox="1"/>
           <p:nvPr/>
         </p:nvSpPr>
         <p:spPr>
-          <a:xfrm rot="0">
+          <a:xfrm>
             <a:off x="2531934" y="2551817"/>
             <a:ext cx="13224131" cy="4543425"/>
           </a:xfrm>
@@ -4692,7 +4739,7 @@
           </a:prstGeom>
         </p:spPr>
         <p:txBody>
-          <a:bodyPr anchor="t" rtlCol="false" tIns="0" lIns="0" bIns="0" rIns="0">
+          <a:bodyPr lIns="0" tIns="0" rIns="0" bIns="0" rtlCol="0" anchor="t">
             <a:spAutoFit/>
           </a:bodyPr>
           <a:lstStyle/>
@@ -4703,7 +4750,7 @@
               </a:lnSpc>
             </a:pPr>
             <a:r>
-              <a:rPr lang="en-US" sz="9999" spc="-349">
+              <a:rPr lang="en-US" sz="9999" spc="-349" dirty="0">
                 <a:solidFill>
                   <a:srgbClr val="222222"/>
                 </a:solidFill>
@@ -4722,7 +4769,7 @@
               </a:lnSpc>
             </a:pPr>
             <a:r>
-              <a:rPr lang="en-US" sz="9999" spc="-349">
+              <a:rPr lang="en-US" sz="9999" spc="-349" dirty="0">
                 <a:solidFill>
                   <a:srgbClr val="222222"/>
                 </a:solidFill>
@@ -4741,7 +4788,7 @@
               </a:lnSpc>
             </a:pPr>
             <a:r>
-              <a:rPr lang="en-US" sz="9999" spc="-349">
+              <a:rPr lang="en-US" sz="9999" spc="-349" dirty="0">
                 <a:solidFill>
                   <a:srgbClr val="222222"/>
                 </a:solidFill>
@@ -4757,12 +4804,12 @@
       </p:sp>
       <p:sp>
         <p:nvSpPr>
-          <p:cNvPr name="Freeform 3" id="3"/>
+          <p:cNvPr id="3" name="Freeform 3"/>
           <p:cNvSpPr/>
           <p:nvPr/>
         </p:nvSpPr>
         <p:spPr>
-          <a:xfrm flipH="false" flipV="false" rot="-10800000">
+          <a:xfrm rot="-10800000">
             <a:off x="1028700" y="1364837"/>
             <a:ext cx="1998184" cy="624432"/>
           </a:xfrm>
@@ -4771,9 +4818,9 @@
             <a:gdLst/>
             <a:ahLst/>
             <a:cxnLst/>
-            <a:rect r="r" b="b" t="t" l="l"/>
+            <a:rect l="l" t="t" r="r" b="b"/>
             <a:pathLst>
-              <a:path h="624432" w="1998184">
+              <a:path w="1998184" h="624432">
                 <a:moveTo>
                   <a:pt x="0" y="0"/>
                 </a:moveTo>
@@ -4802,19 +4849,26 @@
               </a:extLst>
             </a:blip>
             <a:stretch>
-              <a:fillRect l="0" t="0" r="0" b="0"/>
+              <a:fillRect/>
             </a:stretch>
           </a:blipFill>
         </p:spPr>
-      </p:sp>
-      <p:sp>
-        <p:nvSpPr>
-          <p:cNvPr name="Freeform 4" id="4"/>
+        <p:txBody>
+          <a:bodyPr/>
+          <a:lstStyle/>
+          <a:p>
+            <a:endParaRPr lang="en-GB"/>
+          </a:p>
+        </p:txBody>
+      </p:sp>
+      <p:sp>
+        <p:nvSpPr>
+          <p:cNvPr id="4" name="Freeform 4"/>
           <p:cNvSpPr/>
           <p:nvPr/>
         </p:nvSpPr>
         <p:spPr>
-          <a:xfrm flipH="false" flipV="false" rot="-10800000">
+          <a:xfrm rot="-10800000">
             <a:off x="15261116" y="1364837"/>
             <a:ext cx="1998184" cy="624432"/>
           </a:xfrm>
@@ -4823,9 +4877,9 @@
             <a:gdLst/>
             <a:ahLst/>
             <a:cxnLst/>
-            <a:rect r="r" b="b" t="t" l="l"/>
+            <a:rect l="l" t="t" r="r" b="b"/>
             <a:pathLst>
-              <a:path h="624432" w="1998184">
+              <a:path w="1998184" h="624432">
                 <a:moveTo>
                   <a:pt x="0" y="0"/>
                 </a:moveTo>
@@ -4854,20 +4908,27 @@
               </a:extLst>
             </a:blip>
             <a:stretch>
-              <a:fillRect l="0" t="0" r="0" b="0"/>
+              <a:fillRect/>
             </a:stretch>
           </a:blipFill>
         </p:spPr>
-      </p:sp>
-      <p:sp>
-        <p:nvSpPr>
-          <p:cNvPr name="Freeform 5" id="5"/>
+        <p:txBody>
+          <a:bodyPr/>
+          <a:lstStyle/>
+          <a:p>
+            <a:endParaRPr lang="en-GB"/>
+          </a:p>
+        </p:txBody>
+      </p:sp>
+      <p:sp>
+        <p:nvSpPr>
+          <p:cNvPr id="5" name="Freeform 5"/>
           <p:cNvSpPr/>
           <p:nvPr/>
         </p:nvSpPr>
         <p:spPr>
-          <a:xfrm flipH="false" flipV="false" rot="0">
-            <a:off x="5477338" y="7657789"/>
+          <a:xfrm>
+            <a:off x="5477338" y="7726310"/>
             <a:ext cx="7333323" cy="2291664"/>
           </a:xfrm>
           <a:custGeom>
@@ -4875,9 +4936,9 @@
             <a:gdLst/>
             <a:ahLst/>
             <a:cxnLst/>
-            <a:rect r="r" b="b" t="t" l="l"/>
+            <a:rect l="l" t="t" r="r" b="b"/>
             <a:pathLst>
-              <a:path h="2291664" w="7333323">
+              <a:path w="7333323" h="2291664">
                 <a:moveTo>
                   <a:pt x="0" y="0"/>
                 </a:moveTo>
@@ -4906,10 +4967,17 @@
               </a:extLst>
             </a:blip>
             <a:stretch>
-              <a:fillRect l="0" t="0" r="0" b="0"/>
+              <a:fillRect/>
             </a:stretch>
           </a:blipFill>
         </p:spPr>
+        <p:txBody>
+          <a:bodyPr/>
+          <a:lstStyle/>
+          <a:p>
+            <a:endParaRPr lang="en-GB" dirty="0"/>
+          </a:p>
+        </p:txBody>
       </p:sp>
     </p:spTree>
   </p:cSld>
@@ -4920,13 +4988,14 @@
 </file>
 
 <file path=ppt/slides/slide2.xml><?xml version="1.0" encoding="utf-8"?>
-<p:sld xmlns:p="http://schemas.openxmlformats.org/presentationml/2006/main" xmlns:a="http://schemas.openxmlformats.org/drawingml/2006/main" xmlns:r="http://schemas.openxmlformats.org/officeDocument/2006/relationships">
+<p:sld xmlns:a="http://schemas.openxmlformats.org/drawingml/2006/main" xmlns:r="http://schemas.openxmlformats.org/officeDocument/2006/relationships" xmlns:p="http://schemas.openxmlformats.org/presentationml/2006/main">
   <p:cSld>
     <p:bg>
       <p:bgPr>
         <a:solidFill>
           <a:srgbClr val="F1F2F2"/>
         </a:solidFill>
+        <a:effectLst/>
       </p:bgPr>
     </p:bg>
     <p:spTree>
@@ -4945,12 +5014,12 @@
       </p:grpSpPr>
       <p:sp>
         <p:nvSpPr>
-          <p:cNvPr name="TextBox 2" id="2"/>
-          <p:cNvSpPr txBox="true"/>
+          <p:cNvPr id="2" name="TextBox 2"/>
+          <p:cNvSpPr txBox="1"/>
           <p:nvPr/>
         </p:nvSpPr>
         <p:spPr>
-          <a:xfrm rot="0">
+          <a:xfrm>
             <a:off x="1028700" y="8294370"/>
             <a:ext cx="6298649" cy="963930"/>
           </a:xfrm>
@@ -4959,7 +5028,7 @@
           </a:prstGeom>
         </p:spPr>
         <p:txBody>
-          <a:bodyPr anchor="t" rtlCol="false" tIns="0" lIns="0" bIns="0" rIns="0">
+          <a:bodyPr lIns="0" tIns="0" rIns="0" bIns="0" rtlCol="0" anchor="t">
             <a:spAutoFit/>
           </a:bodyPr>
           <a:lstStyle/>
@@ -4986,13 +5055,13 @@
       </p:sp>
       <p:sp>
         <p:nvSpPr>
-          <p:cNvPr name="TextBox 3" id="3"/>
-          <p:cNvSpPr txBox="true"/>
+          <p:cNvPr id="3" name="TextBox 3"/>
+          <p:cNvSpPr txBox="1"/>
           <p:nvPr/>
         </p:nvSpPr>
         <p:spPr>
-          <a:xfrm rot="0">
-            <a:off x="2576914" y="1291922"/>
+          <a:xfrm>
+            <a:off x="2589614" y="1449074"/>
             <a:ext cx="7705026" cy="474345"/>
           </a:xfrm>
           <a:prstGeom prst="rect">
@@ -5000,18 +5069,18 @@
           </a:prstGeom>
         </p:spPr>
         <p:txBody>
-          <a:bodyPr anchor="t" rtlCol="false" tIns="0" lIns="0" bIns="0" rIns="0">
+          <a:bodyPr lIns="0" tIns="0" rIns="0" bIns="0" rtlCol="0" anchor="t">
             <a:spAutoFit/>
           </a:bodyPr>
           <a:lstStyle/>
           <a:p>
-            <a:pPr algn="l" marL="0" indent="0" lvl="0">
+            <a:pPr marL="0" lvl="0" indent="0" algn="l">
               <a:lnSpc>
                 <a:spcPts val="3840"/>
               </a:lnSpc>
             </a:pPr>
             <a:r>
-              <a:rPr lang="en-US" b="true" sz="3000" spc="-171">
+              <a:rPr lang="en-US" sz="3000" b="1" spc="-171" dirty="0">
                 <a:solidFill>
                   <a:srgbClr val="222222"/>
                 </a:solidFill>
@@ -5027,26 +5096,26 @@
       </p:sp>
       <p:sp>
         <p:nvSpPr>
-          <p:cNvPr name="TextBox 4" id="4"/>
-          <p:cNvSpPr txBox="true"/>
+          <p:cNvPr id="4" name="TextBox 4"/>
+          <p:cNvSpPr txBox="1"/>
           <p:nvPr/>
         </p:nvSpPr>
         <p:spPr>
-          <a:xfrm rot="0">
-            <a:off x="2576914" y="1922286"/>
-            <a:ext cx="7705026" cy="371475"/>
+          <a:xfrm>
+            <a:off x="2362200" y="2157578"/>
+            <a:ext cx="7705026" cy="754053"/>
           </a:xfrm>
           <a:prstGeom prst="rect">
             <a:avLst/>
           </a:prstGeom>
         </p:spPr>
         <p:txBody>
-          <a:bodyPr anchor="t" rtlCol="false" tIns="0" lIns="0" bIns="0" rIns="0">
+          <a:bodyPr lIns="0" tIns="0" rIns="0" bIns="0" rtlCol="0" anchor="t">
             <a:spAutoFit/>
           </a:bodyPr>
           <a:lstStyle/>
           <a:p>
-            <a:pPr algn="l" marL="453390" indent="-226695" lvl="1">
+            <a:pPr marL="453390" lvl="1" indent="-226695" algn="l">
               <a:lnSpc>
                 <a:spcPts val="3045"/>
               </a:lnSpc>
@@ -5054,7 +5123,7 @@
               <a:buChar char="•"/>
             </a:pPr>
             <a:r>
-              <a:rPr lang="en-US" sz="2100" spc="90">
+              <a:rPr lang="en-US" sz="2100" spc="90" dirty="0">
                 <a:solidFill>
                   <a:srgbClr val="222222"/>
                 </a:solidFill>
@@ -5063,74 +5132,11 @@
                 <a:cs typeface="Garet"/>
                 <a:sym typeface="Garet"/>
               </a:rPr>
-              <a:t>Why we need AdaDelta &amp; Adam</a:t>
-            </a:r>
-          </a:p>
-        </p:txBody>
-      </p:sp>
-      <p:sp>
-        <p:nvSpPr>
-          <p:cNvPr name="TextBox 5" id="5"/>
-          <p:cNvSpPr txBox="true"/>
-          <p:nvPr/>
-        </p:nvSpPr>
-        <p:spPr>
-          <a:xfrm rot="0">
-            <a:off x="12718666" y="1290789"/>
-            <a:ext cx="4038696" cy="474345"/>
-          </a:xfrm>
-          <a:prstGeom prst="rect">
-            <a:avLst/>
-          </a:prstGeom>
-        </p:spPr>
-        <p:txBody>
-          <a:bodyPr anchor="t" rtlCol="false" tIns="0" lIns="0" bIns="0" rIns="0">
-            <a:spAutoFit/>
-          </a:bodyPr>
-          <a:lstStyle/>
-          <a:p>
-            <a:pPr algn="l" marL="0" indent="0" lvl="0">
-              <a:lnSpc>
-                <a:spcPts val="3840"/>
-              </a:lnSpc>
-            </a:pPr>
-            <a:r>
-              <a:rPr lang="en-US" b="true" sz="3000" spc="-171">
-                <a:solidFill>
-                  <a:srgbClr val="222222"/>
-                </a:solidFill>
-                <a:latin typeface="Garet Bold"/>
-                <a:ea typeface="Garet Bold"/>
-                <a:cs typeface="Garet Bold"/>
-                <a:sym typeface="Garet Bold"/>
-              </a:rPr>
-              <a:t>Pre-requisites</a:t>
-            </a:r>
-          </a:p>
-        </p:txBody>
-      </p:sp>
-      <p:sp>
-        <p:nvSpPr>
-          <p:cNvPr name="TextBox 6" id="6"/>
-          <p:cNvSpPr txBox="true"/>
-          <p:nvPr/>
-        </p:nvSpPr>
-        <p:spPr>
-          <a:xfrm rot="0">
-            <a:off x="12718666" y="1923419"/>
-            <a:ext cx="4540634" cy="752475"/>
-          </a:xfrm>
-          <a:prstGeom prst="rect">
-            <a:avLst/>
-          </a:prstGeom>
-        </p:spPr>
-        <p:txBody>
-          <a:bodyPr anchor="t" rtlCol="false" tIns="0" lIns="0" bIns="0" rIns="0">
-            <a:spAutoFit/>
-          </a:bodyPr>
-          <a:lstStyle/>
-          <a:p>
-            <a:pPr algn="l" marL="453390" indent="-226695" lvl="1">
+              <a:t>Main Problems for Optimization Algorithm</a:t>
+            </a:r>
+          </a:p>
+          <a:p>
+            <a:pPr marL="453390" lvl="1" indent="-226695" algn="l">
               <a:lnSpc>
                 <a:spcPts val="3045"/>
               </a:lnSpc>
@@ -5138,7 +5144,7 @@
               <a:buChar char="•"/>
             </a:pPr>
             <a:r>
-              <a:rPr lang="en-US" sz="2100" spc="90">
+              <a:rPr lang="en-US" sz="2100" spc="90" dirty="0">
                 <a:solidFill>
                   <a:srgbClr val="222222"/>
                 </a:solidFill>
@@ -5147,11 +5153,98 @@
                 <a:cs typeface="Garet"/>
                 <a:sym typeface="Garet"/>
               </a:rPr>
-              <a:t>Introduction to AdaGrad</a:t>
-            </a:r>
-          </a:p>
-          <a:p>
-            <a:pPr algn="l" marL="453390" indent="-226695" lvl="1">
+              <a:t>The purpose of </a:t>
+            </a:r>
+            <a:r>
+              <a:rPr lang="en-US" sz="2100" spc="90" dirty="0" err="1">
+                <a:solidFill>
+                  <a:srgbClr val="222222"/>
+                </a:solidFill>
+                <a:latin typeface="Garet"/>
+                <a:ea typeface="Garet"/>
+                <a:cs typeface="Garet"/>
+                <a:sym typeface="Garet"/>
+              </a:rPr>
+              <a:t>AdaDelta</a:t>
+            </a:r>
+            <a:r>
+              <a:rPr lang="en-US" sz="2100" spc="90" dirty="0">
+                <a:solidFill>
+                  <a:srgbClr val="222222"/>
+                </a:solidFill>
+                <a:latin typeface="Garet"/>
+                <a:ea typeface="Garet"/>
+                <a:cs typeface="Garet"/>
+                <a:sym typeface="Garet"/>
+              </a:rPr>
+              <a:t> and ADAM</a:t>
+            </a:r>
+          </a:p>
+        </p:txBody>
+      </p:sp>
+      <p:sp>
+        <p:nvSpPr>
+          <p:cNvPr id="5" name="TextBox 5"/>
+          <p:cNvSpPr txBox="1"/>
+          <p:nvPr/>
+        </p:nvSpPr>
+        <p:spPr>
+          <a:xfrm>
+            <a:off x="12969778" y="1237301"/>
+            <a:ext cx="4038696" cy="474345"/>
+          </a:xfrm>
+          <a:prstGeom prst="rect">
+            <a:avLst/>
+          </a:prstGeom>
+        </p:spPr>
+        <p:txBody>
+          <a:bodyPr lIns="0" tIns="0" rIns="0" bIns="0" rtlCol="0" anchor="t">
+            <a:spAutoFit/>
+          </a:bodyPr>
+          <a:lstStyle/>
+          <a:p>
+            <a:pPr marL="0" lvl="0" indent="0" algn="l">
+              <a:lnSpc>
+                <a:spcPts val="3840"/>
+              </a:lnSpc>
+            </a:pPr>
+            <a:r>
+              <a:rPr lang="en-US" sz="3000" b="1" spc="-171" dirty="0">
+                <a:solidFill>
+                  <a:srgbClr val="222222"/>
+                </a:solidFill>
+                <a:latin typeface="Garet Bold"/>
+                <a:ea typeface="Garet Bold"/>
+                <a:cs typeface="Garet Bold"/>
+                <a:sym typeface="Garet Bold"/>
+              </a:rPr>
+              <a:t>Pre-requisites</a:t>
+            </a:r>
+          </a:p>
+        </p:txBody>
+      </p:sp>
+      <p:sp>
+        <p:nvSpPr>
+          <p:cNvPr id="6" name="TextBox 6"/>
+          <p:cNvSpPr txBox="1"/>
+          <p:nvPr/>
+        </p:nvSpPr>
+        <p:spPr>
+          <a:xfrm>
+            <a:off x="12718809" y="1888111"/>
+            <a:ext cx="5264534" cy="1138773"/>
+          </a:xfrm>
+          <a:prstGeom prst="rect">
+            <a:avLst/>
+          </a:prstGeom>
+        </p:spPr>
+        <p:txBody>
+          <a:bodyPr wrap="square" lIns="0" tIns="0" rIns="0" bIns="0" rtlCol="0" anchor="t">
+            <a:spAutoFit/>
+          </a:bodyPr>
+          <a:lstStyle/>
+          <a:p>
+            <a:pPr marL="453390" lvl="1" indent="-226695" algn="l">
               <a:lnSpc>
                 <a:spcPts val="3045"/>
               </a:lnSpc>
@@ -5159,7 +5252,7 @@
               <a:buChar char="•"/>
             </a:pPr>
             <a:r>
-              <a:rPr lang="en-US" sz="2100" spc="90">
+              <a:rPr lang="en-US" sz="2100" spc="90" dirty="0" err="1">
                 <a:solidFill>
                   <a:srgbClr val="222222"/>
                 </a:solidFill>
@@ -5168,6 +5261,39 @@
                 <a:cs typeface="Garet"/>
                 <a:sym typeface="Garet"/>
               </a:rPr>
+              <a:t>AdaGrad</a:t>
+            </a:r>
+            <a:r>
+              <a:rPr lang="en-US" sz="2100" spc="90" dirty="0">
+                <a:solidFill>
+                  <a:srgbClr val="222222"/>
+                </a:solidFill>
+                <a:latin typeface="Garet"/>
+                <a:ea typeface="Garet"/>
+                <a:cs typeface="Garet"/>
+                <a:sym typeface="Garet"/>
+              </a:rPr>
+              <a:t> – Dynamic Learning Rate </a:t>
+            </a:r>
+          </a:p>
+          <a:p>
+            <a:pPr marL="453390" lvl="1" indent="-226695" algn="l">
+              <a:lnSpc>
+                <a:spcPts val="3045"/>
+              </a:lnSpc>
+              <a:buFont typeface="Arial"/>
+              <a:buChar char="•"/>
+            </a:pPr>
+            <a:r>
+              <a:rPr lang="en-US" sz="2100" spc="90" dirty="0">
+                <a:solidFill>
+                  <a:srgbClr val="222222"/>
+                </a:solidFill>
+                <a:latin typeface="Garet"/>
+                <a:ea typeface="Garet"/>
+                <a:cs typeface="Garet"/>
+                <a:sym typeface="Garet"/>
+              </a:rPr>
               <a:t>Introduction to EMA</a:t>
             </a:r>
           </a:p>
@@ -5175,32 +5301,32 @@
       </p:sp>
       <p:sp>
         <p:nvSpPr>
-          <p:cNvPr name="TextBox 7" id="7"/>
-          <p:cNvSpPr txBox="true"/>
+          <p:cNvPr id="7" name="TextBox 7"/>
+          <p:cNvSpPr txBox="1"/>
           <p:nvPr/>
         </p:nvSpPr>
         <p:spPr>
-          <a:xfrm rot="0">
+          <a:xfrm>
             <a:off x="2576914" y="4627577"/>
-            <a:ext cx="7705026" cy="474345"/>
+            <a:ext cx="7705026" cy="480901"/>
           </a:xfrm>
           <a:prstGeom prst="rect">
             <a:avLst/>
           </a:prstGeom>
         </p:spPr>
         <p:txBody>
-          <a:bodyPr anchor="t" rtlCol="false" tIns="0" lIns="0" bIns="0" rIns="0">
+          <a:bodyPr lIns="0" tIns="0" rIns="0" bIns="0" rtlCol="0" anchor="t">
             <a:spAutoFit/>
           </a:bodyPr>
           <a:lstStyle/>
           <a:p>
-            <a:pPr algn="l" marL="0" indent="0" lvl="0">
+            <a:pPr marL="0" lvl="0" indent="0" algn="l">
               <a:lnSpc>
                 <a:spcPts val="3840"/>
               </a:lnSpc>
             </a:pPr>
             <a:r>
-              <a:rPr lang="en-US" b="true" sz="3000" spc="-171">
+              <a:rPr lang="en-US" sz="3000" b="1" spc="-171" dirty="0" err="1">
                 <a:solidFill>
                   <a:srgbClr val="222222"/>
                 </a:solidFill>
@@ -5209,19 +5335,28 @@
                 <a:cs typeface="Garet Bold"/>
                 <a:sym typeface="Garet Bold"/>
               </a:rPr>
-              <a:t>AdaDelta - AdaGrad’s Improvement</a:t>
-            </a:r>
-          </a:p>
-        </p:txBody>
-      </p:sp>
-      <p:sp>
-        <p:nvSpPr>
-          <p:cNvPr name="Freeform 8" id="8"/>
+              <a:t>AdaDelta</a:t>
+            </a:r>
+            <a:endParaRPr lang="en-US" sz="3000" b="1" spc="-171" dirty="0">
+              <a:solidFill>
+                <a:srgbClr val="222222"/>
+              </a:solidFill>
+              <a:latin typeface="Garet Bold"/>
+              <a:ea typeface="Garet Bold"/>
+              <a:cs typeface="Garet Bold"/>
+              <a:sym typeface="Garet Bold"/>
+            </a:endParaRPr>
+          </a:p>
+        </p:txBody>
+      </p:sp>
+      <p:sp>
+        <p:nvSpPr>
+          <p:cNvPr id="8" name="Freeform 8"/>
           <p:cNvSpPr/>
           <p:nvPr/>
         </p:nvSpPr>
         <p:spPr>
-          <a:xfrm flipH="false" flipV="false" rot="5400000">
+          <a:xfrm rot="5400000">
             <a:off x="341824" y="1715576"/>
             <a:ext cx="1998184" cy="624432"/>
           </a:xfrm>
@@ -5230,9 +5365,9 @@
             <a:gdLst/>
             <a:ahLst/>
             <a:cxnLst/>
-            <a:rect r="r" b="b" t="t" l="l"/>
+            <a:rect l="l" t="t" r="r" b="b"/>
             <a:pathLst>
-              <a:path h="624432" w="1998184">
+              <a:path w="1998184" h="624432">
                 <a:moveTo>
                   <a:pt x="0" y="0"/>
                 </a:moveTo>
@@ -5261,19 +5396,26 @@
               </a:extLst>
             </a:blip>
             <a:stretch>
-              <a:fillRect l="0" t="0" r="0" b="0"/>
+              <a:fillRect/>
             </a:stretch>
           </a:blipFill>
         </p:spPr>
-      </p:sp>
-      <p:sp>
-        <p:nvSpPr>
-          <p:cNvPr name="Freeform 9" id="9"/>
+        <p:txBody>
+          <a:bodyPr/>
+          <a:lstStyle/>
+          <a:p>
+            <a:endParaRPr lang="en-GB"/>
+          </a:p>
+        </p:txBody>
+      </p:sp>
+      <p:sp>
+        <p:nvSpPr>
+          <p:cNvPr id="9" name="Freeform 9"/>
           <p:cNvSpPr/>
           <p:nvPr/>
         </p:nvSpPr>
         <p:spPr>
-          <a:xfrm flipH="false" flipV="false" rot="5400000">
+          <a:xfrm rot="5400000">
             <a:off x="10483576" y="1715576"/>
             <a:ext cx="1998184" cy="624432"/>
           </a:xfrm>
@@ -5282,9 +5424,9 @@
             <a:gdLst/>
             <a:ahLst/>
             <a:cxnLst/>
-            <a:rect r="r" b="b" t="t" l="l"/>
+            <a:rect l="l" t="t" r="r" b="b"/>
             <a:pathLst>
-              <a:path h="624432" w="1998184">
+              <a:path w="1998184" h="624432">
                 <a:moveTo>
                   <a:pt x="0" y="0"/>
                 </a:moveTo>
@@ -5313,19 +5455,26 @@
               </a:extLst>
             </a:blip>
             <a:stretch>
-              <a:fillRect l="0" t="0" r="0" b="0"/>
+              <a:fillRect/>
             </a:stretch>
           </a:blipFill>
         </p:spPr>
-      </p:sp>
-      <p:sp>
-        <p:nvSpPr>
-          <p:cNvPr name="Freeform 10" id="10"/>
+        <p:txBody>
+          <a:bodyPr/>
+          <a:lstStyle/>
+          <a:p>
+            <a:endParaRPr lang="en-GB"/>
+          </a:p>
+        </p:txBody>
+      </p:sp>
+      <p:sp>
+        <p:nvSpPr>
+          <p:cNvPr id="10" name="Freeform 10"/>
           <p:cNvSpPr/>
           <p:nvPr/>
         </p:nvSpPr>
         <p:spPr>
-          <a:xfrm flipH="false" flipV="false" rot="5400000">
+          <a:xfrm rot="5400000">
             <a:off x="341824" y="5259987"/>
             <a:ext cx="1998184" cy="624432"/>
           </a:xfrm>
@@ -5334,9 +5483,9 @@
             <a:gdLst/>
             <a:ahLst/>
             <a:cxnLst/>
-            <a:rect r="r" b="b" t="t" l="l"/>
+            <a:rect l="l" t="t" r="r" b="b"/>
             <a:pathLst>
-              <a:path h="624432" w="1998184">
+              <a:path w="1998184" h="624432">
                 <a:moveTo>
                   <a:pt x="0" y="0"/>
                 </a:moveTo>
@@ -5365,19 +5514,26 @@
               </a:extLst>
             </a:blip>
             <a:stretch>
-              <a:fillRect l="0" t="0" r="0" b="0"/>
+              <a:fillRect/>
             </a:stretch>
           </a:blipFill>
         </p:spPr>
-      </p:sp>
-      <p:sp>
-        <p:nvSpPr>
-          <p:cNvPr name="TextBox 11" id="11"/>
-          <p:cNvSpPr txBox="true"/>
+        <p:txBody>
+          <a:bodyPr/>
+          <a:lstStyle/>
+          <a:p>
+            <a:endParaRPr lang="en-GB"/>
+          </a:p>
+        </p:txBody>
+      </p:sp>
+      <p:sp>
+        <p:nvSpPr>
+          <p:cNvPr id="11" name="TextBox 11"/>
+          <p:cNvSpPr txBox="1"/>
           <p:nvPr/>
         </p:nvSpPr>
         <p:spPr>
-          <a:xfrm rot="0">
+          <a:xfrm>
             <a:off x="2576914" y="5263847"/>
             <a:ext cx="7705026" cy="1133475"/>
           </a:xfrm>
@@ -5386,12 +5542,12 @@
           </a:prstGeom>
         </p:spPr>
         <p:txBody>
-          <a:bodyPr anchor="t" rtlCol="false" tIns="0" lIns="0" bIns="0" rIns="0">
+          <a:bodyPr lIns="0" tIns="0" rIns="0" bIns="0" rtlCol="0" anchor="t">
             <a:spAutoFit/>
           </a:bodyPr>
           <a:lstStyle/>
           <a:p>
-            <a:pPr algn="l" marL="453390" indent="-226695" lvl="1">
+            <a:pPr marL="453390" lvl="1" indent="-226695" algn="l">
               <a:lnSpc>
                 <a:spcPts val="3045"/>
               </a:lnSpc>
@@ -5399,7 +5555,7 @@
               <a:buChar char="•"/>
             </a:pPr>
             <a:r>
-              <a:rPr lang="en-US" sz="2100" spc="90">
+              <a:rPr lang="en-US" sz="2100" spc="90" dirty="0">
                 <a:solidFill>
                   <a:srgbClr val="222222"/>
                 </a:solidFill>
@@ -5412,7 +5568,7 @@
             </a:r>
           </a:p>
           <a:p>
-            <a:pPr algn="l" marL="453390" indent="-226695" lvl="1">
+            <a:pPr marL="453390" lvl="1" indent="-226695" algn="l">
               <a:lnSpc>
                 <a:spcPts val="3045"/>
               </a:lnSpc>
@@ -5420,7 +5576,7 @@
               <a:buChar char="•"/>
             </a:pPr>
             <a:r>
-              <a:rPr lang="en-US" sz="2100" spc="90">
+              <a:rPr lang="en-US" sz="2100" spc="90" dirty="0">
                 <a:solidFill>
                   <a:srgbClr val="222222"/>
                 </a:solidFill>
@@ -5433,7 +5589,7 @@
             </a:r>
           </a:p>
           <a:p>
-            <a:pPr algn="l" marL="453390" indent="-226695" lvl="1">
+            <a:pPr marL="453390" lvl="1" indent="-226695" algn="l">
               <a:lnSpc>
                 <a:spcPts val="3045"/>
               </a:lnSpc>
@@ -5441,7 +5597,7 @@
               <a:buChar char="•"/>
             </a:pPr>
             <a:r>
-              <a:rPr lang="en-US" sz="2100" spc="90">
+              <a:rPr lang="en-US" sz="2100" spc="90" dirty="0">
                 <a:solidFill>
                   <a:srgbClr val="222222"/>
                 </a:solidFill>
@@ -5457,12 +5613,12 @@
       </p:sp>
       <p:sp>
         <p:nvSpPr>
-          <p:cNvPr name="TextBox 12" id="12"/>
-          <p:cNvSpPr txBox="true"/>
+          <p:cNvPr id="12" name="TextBox 12"/>
+          <p:cNvSpPr txBox="1"/>
           <p:nvPr/>
         </p:nvSpPr>
         <p:spPr>
-          <a:xfrm rot="0">
+          <a:xfrm>
             <a:off x="12718809" y="4627577"/>
             <a:ext cx="4540634" cy="474345"/>
           </a:xfrm>
@@ -5471,18 +5627,18 @@
           </a:prstGeom>
         </p:spPr>
         <p:txBody>
-          <a:bodyPr anchor="t" rtlCol="false" tIns="0" lIns="0" bIns="0" rIns="0">
+          <a:bodyPr lIns="0" tIns="0" rIns="0" bIns="0" rtlCol="0" anchor="t">
             <a:spAutoFit/>
           </a:bodyPr>
           <a:lstStyle/>
           <a:p>
-            <a:pPr algn="l" marL="0" indent="0" lvl="0">
+            <a:pPr marL="0" lvl="0" indent="0" algn="l">
               <a:lnSpc>
                 <a:spcPts val="3840"/>
               </a:lnSpc>
             </a:pPr>
             <a:r>
-              <a:rPr lang="en-US" b="true" sz="3000" spc="-171">
+              <a:rPr lang="en-US" sz="3000" b="1" spc="-171">
                 <a:solidFill>
                   <a:srgbClr val="222222"/>
                 </a:solidFill>
@@ -5498,12 +5654,12 @@
       </p:sp>
       <p:sp>
         <p:nvSpPr>
-          <p:cNvPr name="Freeform 13" id="13"/>
+          <p:cNvPr id="13" name="Freeform 13"/>
           <p:cNvSpPr/>
           <p:nvPr/>
         </p:nvSpPr>
         <p:spPr>
-          <a:xfrm flipH="false" flipV="false" rot="5400000">
+          <a:xfrm rot="5400000">
             <a:off x="10483576" y="5086014"/>
             <a:ext cx="1998184" cy="624432"/>
           </a:xfrm>
@@ -5512,9 +5668,9 @@
             <a:gdLst/>
             <a:ahLst/>
             <a:cxnLst/>
-            <a:rect r="r" b="b" t="t" l="l"/>
+            <a:rect l="l" t="t" r="r" b="b"/>
             <a:pathLst>
-              <a:path h="624432" w="1998184">
+              <a:path w="1998184" h="624432">
                 <a:moveTo>
                   <a:pt x="0" y="0"/>
                 </a:moveTo>
@@ -5543,19 +5699,26 @@
               </a:extLst>
             </a:blip>
             <a:stretch>
-              <a:fillRect l="0" t="0" r="0" b="0"/>
+              <a:fillRect/>
             </a:stretch>
           </a:blipFill>
         </p:spPr>
-      </p:sp>
-      <p:sp>
-        <p:nvSpPr>
-          <p:cNvPr name="TextBox 14" id="14"/>
-          <p:cNvSpPr txBox="true"/>
+        <p:txBody>
+          <a:bodyPr/>
+          <a:lstStyle/>
+          <a:p>
+            <a:endParaRPr lang="en-GB"/>
+          </a:p>
+        </p:txBody>
+      </p:sp>
+      <p:sp>
+        <p:nvSpPr>
+          <p:cNvPr id="14" name="TextBox 14"/>
+          <p:cNvSpPr txBox="1"/>
           <p:nvPr/>
         </p:nvSpPr>
         <p:spPr>
-          <a:xfrm rot="0">
+          <a:xfrm>
             <a:off x="12680709" y="5263847"/>
             <a:ext cx="7705026" cy="1133475"/>
           </a:xfrm>
@@ -5564,12 +5727,12 @@
           </a:prstGeom>
         </p:spPr>
         <p:txBody>
-          <a:bodyPr anchor="t" rtlCol="false" tIns="0" lIns="0" bIns="0" rIns="0">
+          <a:bodyPr lIns="0" tIns="0" rIns="0" bIns="0" rtlCol="0" anchor="t">
             <a:spAutoFit/>
           </a:bodyPr>
           <a:lstStyle/>
           <a:p>
-            <a:pPr algn="l" marL="453390" indent="-226695" lvl="1">
+            <a:pPr marL="453390" lvl="1" indent="-226695" algn="l">
               <a:lnSpc>
                 <a:spcPts val="3045"/>
               </a:lnSpc>
@@ -5590,7 +5753,7 @@
             </a:r>
           </a:p>
           <a:p>
-            <a:pPr algn="l" marL="453390" indent="-226695" lvl="1">
+            <a:pPr marL="453390" lvl="1" indent="-226695" algn="l">
               <a:lnSpc>
                 <a:spcPts val="3045"/>
               </a:lnSpc>
@@ -5611,7 +5774,7 @@
             </a:r>
           </a:p>
           <a:p>
-            <a:pPr algn="l" marL="453390" indent="-226695" lvl="1">
+            <a:pPr marL="453390" lvl="1" indent="-226695" algn="l">
               <a:lnSpc>
                 <a:spcPts val="3045"/>
               </a:lnSpc>
@@ -5635,12 +5798,12 @@
       </p:sp>
       <p:sp>
         <p:nvSpPr>
-          <p:cNvPr name="TextBox 15" id="15"/>
-          <p:cNvSpPr txBox="true"/>
+          <p:cNvPr id="15" name="TextBox 15"/>
+          <p:cNvSpPr txBox="1"/>
           <p:nvPr/>
         </p:nvSpPr>
         <p:spPr>
-          <a:xfrm rot="0">
+          <a:xfrm>
             <a:off x="8494499" y="8185011"/>
             <a:ext cx="7705026" cy="474345"/>
           </a:xfrm>
@@ -5649,18 +5812,18 @@
           </a:prstGeom>
         </p:spPr>
         <p:txBody>
-          <a:bodyPr anchor="t" rtlCol="false" tIns="0" lIns="0" bIns="0" rIns="0">
+          <a:bodyPr lIns="0" tIns="0" rIns="0" bIns="0" rtlCol="0" anchor="t">
             <a:spAutoFit/>
           </a:bodyPr>
           <a:lstStyle/>
           <a:p>
-            <a:pPr algn="l" marL="0" indent="0" lvl="0">
+            <a:pPr marL="0" lvl="0" indent="0" algn="l">
               <a:lnSpc>
                 <a:spcPts val="3840"/>
               </a:lnSpc>
             </a:pPr>
             <a:r>
-              <a:rPr lang="en-US" b="true" sz="3000" spc="-171">
+              <a:rPr lang="en-US" sz="3000" b="1" spc="-171" dirty="0">
                 <a:solidFill>
                   <a:srgbClr val="222222"/>
                 </a:solidFill>
@@ -5676,12 +5839,12 @@
       </p:sp>
       <p:sp>
         <p:nvSpPr>
-          <p:cNvPr name="Freeform 16" id="16"/>
+          <p:cNvPr id="16" name="Freeform 16"/>
           <p:cNvSpPr/>
           <p:nvPr/>
         </p:nvSpPr>
         <p:spPr>
-          <a:xfrm flipH="false" flipV="false" rot="5400000">
+          <a:xfrm rot="5400000">
             <a:off x="6169172" y="8119492"/>
             <a:ext cx="1998184" cy="624432"/>
           </a:xfrm>
@@ -5690,9 +5853,9 @@
             <a:gdLst/>
             <a:ahLst/>
             <a:cxnLst/>
-            <a:rect r="r" b="b" t="t" l="l"/>
+            <a:rect l="l" t="t" r="r" b="b"/>
             <a:pathLst>
-              <a:path h="624432" w="1998184">
+              <a:path w="1998184" h="624432">
                 <a:moveTo>
                   <a:pt x="0" y="0"/>
                 </a:moveTo>
@@ -5721,10 +5884,17 @@
               </a:extLst>
             </a:blip>
             <a:stretch>
-              <a:fillRect l="0" t="0" r="0" b="0"/>
+              <a:fillRect/>
             </a:stretch>
           </a:blipFill>
         </p:spPr>
+        <p:txBody>
+          <a:bodyPr/>
+          <a:lstStyle/>
+          <a:p>
+            <a:endParaRPr lang="en-GB"/>
+          </a:p>
+        </p:txBody>
       </p:sp>
     </p:spTree>
   </p:cSld>
@@ -5738,13 +5908,14 @@
 </file>
 
 <file path=ppt/slides/slide3.xml><?xml version="1.0" encoding="utf-8"?>
-<p:sld xmlns:p="http://schemas.openxmlformats.org/presentationml/2006/main" xmlns:a="http://schemas.openxmlformats.org/drawingml/2006/main" xmlns:r="http://schemas.openxmlformats.org/officeDocument/2006/relationships">
+<p:sld xmlns:a="http://schemas.openxmlformats.org/drawingml/2006/main" xmlns:r="http://schemas.openxmlformats.org/officeDocument/2006/relationships" xmlns:p="http://schemas.openxmlformats.org/presentationml/2006/main">
   <p:cSld>
     <p:bg>
       <p:bgPr>
         <a:solidFill>
           <a:srgbClr val="F1F2F2"/>
         </a:solidFill>
+        <a:effectLst/>
       </p:bgPr>
     </p:bg>
     <p:spTree>
@@ -5763,12 +5934,12 @@
       </p:grpSpPr>
       <p:sp>
         <p:nvSpPr>
-          <p:cNvPr name="TextBox 2" id="2"/>
-          <p:cNvSpPr txBox="true"/>
+          <p:cNvPr id="2" name="TextBox 2"/>
+          <p:cNvSpPr txBox="1"/>
           <p:nvPr/>
         </p:nvSpPr>
         <p:spPr>
-          <a:xfrm rot="0">
+          <a:xfrm>
             <a:off x="1028700" y="1162050"/>
             <a:ext cx="10103378" cy="963930"/>
           </a:xfrm>
@@ -5777,7 +5948,7 @@
           </a:prstGeom>
         </p:spPr>
         <p:txBody>
-          <a:bodyPr anchor="t" rtlCol="false" tIns="0" lIns="0" bIns="0" rIns="0">
+          <a:bodyPr lIns="0" tIns="0" rIns="0" bIns="0" rtlCol="0" anchor="t">
             <a:spAutoFit/>
           </a:bodyPr>
           <a:lstStyle/>
@@ -5804,26 +5975,26 @@
       </p:sp>
       <p:sp>
         <p:nvSpPr>
-          <p:cNvPr name="TextBox 3" id="3"/>
-          <p:cNvSpPr txBox="true"/>
+          <p:cNvPr id="3" name="TextBox 3"/>
+          <p:cNvSpPr txBox="1"/>
           <p:nvPr/>
         </p:nvSpPr>
         <p:spPr>
-          <a:xfrm rot="0">
+          <a:xfrm>
             <a:off x="814131" y="3460882"/>
-            <a:ext cx="16659739" cy="3714750"/>
+            <a:ext cx="16659739" cy="3751027"/>
           </a:xfrm>
           <a:prstGeom prst="rect">
             <a:avLst/>
           </a:prstGeom>
         </p:spPr>
         <p:txBody>
-          <a:bodyPr anchor="t" rtlCol="false" tIns="0" lIns="0" bIns="0" rIns="0">
+          <a:bodyPr lIns="0" tIns="0" rIns="0" bIns="0" rtlCol="0" anchor="t">
             <a:spAutoFit/>
           </a:bodyPr>
           <a:lstStyle/>
           <a:p>
-            <a:pPr algn="just" marL="647700" indent="-323850" lvl="1">
+            <a:pPr marL="647700" lvl="1" indent="-323850" algn="just">
               <a:lnSpc>
                 <a:spcPts val="4200"/>
               </a:lnSpc>
@@ -5831,7 +6002,7 @@
               <a:buChar char="•"/>
             </a:pPr>
             <a:r>
-              <a:rPr lang="en-US" sz="3000" spc="-105">
+              <a:rPr lang="en-US" sz="3000" spc="-105" dirty="0">
                 <a:solidFill>
                   <a:srgbClr val="222222"/>
                 </a:solidFill>
@@ -5840,11 +6011,11 @@
                 <a:cs typeface="Garet"/>
                 <a:sym typeface="Garet"/>
               </a:rPr>
-              <a:t>Challenges with normal gradient algorithms such as Stochastic Gradient Descent (SGD):</a:t>
-            </a:r>
-          </a:p>
-          <a:p>
-            <a:pPr algn="just" marL="1295400" indent="-431800" lvl="2">
+              <a:t>Challenges with normal gradient algorithms such as Gradient Descent, Stochastic Gradient Descent,..:</a:t>
+            </a:r>
+          </a:p>
+          <a:p>
+            <a:pPr marL="1295400" lvl="2" indent="-431800" algn="just">
               <a:lnSpc>
                 <a:spcPts val="4200"/>
               </a:lnSpc>
@@ -5852,7 +6023,7 @@
               <a:buChar char="⚬"/>
             </a:pPr>
             <a:r>
-              <a:rPr lang="en-US" b="true" sz="3000" spc="-105">
+              <a:rPr lang="en-US" sz="3000" b="1" spc="-105" dirty="0">
                 <a:solidFill>
                   <a:srgbClr val="222222"/>
                 </a:solidFill>
@@ -5864,7 +6035,7 @@
               <a:t>Difficult Navigation</a:t>
             </a:r>
             <a:r>
-              <a:rPr lang="en-US" sz="3000" spc="-105">
+              <a:rPr lang="en-US" sz="3000" spc="-105" dirty="0">
                 <a:solidFill>
                   <a:srgbClr val="222222"/>
                 </a:solidFill>
@@ -5877,7 +6048,7 @@
             </a:r>
           </a:p>
           <a:p>
-            <a:pPr algn="just" marL="1295400" indent="-431800" lvl="2">
+            <a:pPr marL="1295400" lvl="2" indent="-431800" algn="just">
               <a:lnSpc>
                 <a:spcPts val="4200"/>
               </a:lnSpc>
@@ -5885,7 +6056,7 @@
               <a:buChar char="⚬"/>
             </a:pPr>
             <a:r>
-              <a:rPr lang="en-US" b="true" sz="3000" spc="-105">
+              <a:rPr lang="en-US" sz="3000" b="1" spc="-105" dirty="0">
                 <a:solidFill>
                   <a:srgbClr val="222222"/>
                 </a:solidFill>
@@ -5897,7 +6068,7 @@
               <a:t>Gradient Scaling Issues</a:t>
             </a:r>
             <a:r>
-              <a:rPr lang="en-US" sz="3000" spc="-105">
+              <a:rPr lang="en-US" sz="3000" spc="-105" dirty="0">
                 <a:solidFill>
                   <a:srgbClr val="222222"/>
                 </a:solidFill>
@@ -5910,7 +6081,7 @@
             </a:r>
           </a:p>
           <a:p>
-            <a:pPr algn="just" marL="1295400" indent="-431800" lvl="2">
+            <a:pPr marL="1295400" lvl="2" indent="-431800" algn="just">
               <a:lnSpc>
                 <a:spcPts val="4200"/>
               </a:lnSpc>
@@ -5918,7 +6089,7 @@
               <a:buChar char="⚬"/>
             </a:pPr>
             <a:r>
-              <a:rPr lang="en-US" b="true" sz="3000" spc="-105">
+              <a:rPr lang="en-US" sz="3000" b="1" spc="-105" dirty="0">
                 <a:solidFill>
                   <a:srgbClr val="222222"/>
                 </a:solidFill>
@@ -5930,7 +6101,7 @@
               <a:t>Inflexible Learning Rate</a:t>
             </a:r>
             <a:r>
-              <a:rPr lang="en-US" sz="3000" spc="-105">
+              <a:rPr lang="en-US" sz="3000" spc="-105" dirty="0">
                 <a:solidFill>
                   <a:srgbClr val="222222"/>
                 </a:solidFill>
@@ -5948,17 +6119,26 @@
                 <a:spcPts val="4200"/>
               </a:lnSpc>
             </a:pPr>
-          </a:p>
-        </p:txBody>
-      </p:sp>
-      <p:sp>
-        <p:nvSpPr>
-          <p:cNvPr name="Freeform 4" id="4"/>
+            <a:endParaRPr lang="en-US" sz="3000" spc="-105" dirty="0">
+              <a:solidFill>
+                <a:srgbClr val="222222"/>
+              </a:solidFill>
+              <a:latin typeface="Garet"/>
+              <a:ea typeface="Garet"/>
+              <a:cs typeface="Garet"/>
+              <a:sym typeface="Garet"/>
+            </a:endParaRPr>
+          </a:p>
+        </p:txBody>
+      </p:sp>
+      <p:sp>
+        <p:nvSpPr>
+          <p:cNvPr id="4" name="Freeform 4"/>
           <p:cNvSpPr/>
           <p:nvPr/>
         </p:nvSpPr>
         <p:spPr>
-          <a:xfrm flipH="false" flipV="false" rot="-10800000">
+          <a:xfrm rot="-10800000">
             <a:off x="7693085" y="1265124"/>
             <a:ext cx="1998184" cy="624432"/>
           </a:xfrm>
@@ -5967,9 +6147,9 @@
             <a:gdLst/>
             <a:ahLst/>
             <a:cxnLst/>
-            <a:rect r="r" b="b" t="t" l="l"/>
+            <a:rect l="l" t="t" r="r" b="b"/>
             <a:pathLst>
-              <a:path h="624432" w="1998184">
+              <a:path w="1998184" h="624432">
                 <a:moveTo>
                   <a:pt x="0" y="0"/>
                 </a:moveTo>
@@ -5998,20 +6178,27 @@
               </a:extLst>
             </a:blip>
             <a:stretch>
-              <a:fillRect l="0" t="0" r="0" b="0"/>
+              <a:fillRect/>
             </a:stretch>
           </a:blipFill>
         </p:spPr>
+        <p:txBody>
+          <a:bodyPr/>
+          <a:lstStyle/>
+          <a:p>
+            <a:endParaRPr lang="en-GB"/>
+          </a:p>
+        </p:txBody>
       </p:sp>
       <p:grpSp>
         <p:nvGrpSpPr>
-          <p:cNvPr name="Group 5" id="5"/>
+          <p:cNvPr id="5" name="Group 5"/>
           <p:cNvGrpSpPr/>
           <p:nvPr/>
         </p:nvGrpSpPr>
         <p:grpSpPr>
-          <a:xfrm rot="0">
-            <a:off x="2036345" y="8804108"/>
+          <a:xfrm>
+            <a:off x="1981200" y="7849786"/>
             <a:ext cx="634666" cy="634666"/>
             <a:chOff x="0" y="0"/>
             <a:chExt cx="812800" cy="812800"/>
@@ -6019,12 +6206,12 @@
         </p:grpSpPr>
         <p:sp>
           <p:nvSpPr>
-            <p:cNvPr name="Freeform 6" id="6"/>
+            <p:cNvPr id="6" name="Freeform 6"/>
             <p:cNvSpPr/>
             <p:nvPr/>
           </p:nvSpPr>
           <p:spPr>
-            <a:xfrm flipH="false" flipV="false" rot="0">
+            <a:xfrm>
               <a:off x="0" y="0"/>
               <a:ext cx="812800" cy="812800"/>
             </a:xfrm>
@@ -6033,9 +6220,9 @@
               <a:gdLst/>
               <a:ahLst/>
               <a:cxnLst/>
-              <a:rect r="r" b="b" t="t" l="l"/>
+              <a:rect l="l" t="t" r="r" b="b"/>
               <a:pathLst>
-                <a:path h="812800" w="812800">
+                <a:path w="812800" h="812800">
                   <a:moveTo>
                     <a:pt x="812800" y="406400"/>
                   </a:moveTo>
@@ -6068,11 +6255,18 @@
               <a:srgbClr val="000000"/>
             </a:solidFill>
           </p:spPr>
+          <p:txBody>
+            <a:bodyPr/>
+            <a:lstStyle/>
+            <a:p>
+              <a:endParaRPr lang="en-GB" dirty="0"/>
+            </a:p>
+          </p:txBody>
         </p:sp>
         <p:sp>
           <p:nvSpPr>
-            <p:cNvPr name="TextBox 7" id="7"/>
-            <p:cNvSpPr txBox="true"/>
+            <p:cNvPr id="7" name="TextBox 7"/>
+            <p:cNvSpPr txBox="1"/>
             <p:nvPr/>
           </p:nvSpPr>
           <p:spPr>
@@ -6085,7 +6279,7 @@
             </a:prstGeom>
           </p:spPr>
           <p:txBody>
-            <a:bodyPr anchor="ctr" rtlCol="false" tIns="50800" lIns="50800" bIns="50800" rIns="50800"/>
+            <a:bodyPr lIns="50800" tIns="50800" rIns="50800" bIns="50800" rtlCol="0" anchor="ctr"/>
             <a:lstStyle/>
             <a:p>
               <a:pPr algn="ctr">
@@ -6093,19 +6287,20 @@
                   <a:spcPts val="3045"/>
                 </a:lnSpc>
               </a:pPr>
+              <a:endParaRPr/>
             </a:p>
           </p:txBody>
         </p:sp>
       </p:grpSp>
       <p:sp>
         <p:nvSpPr>
-          <p:cNvPr name="TextBox 8" id="8"/>
-          <p:cNvSpPr txBox="true"/>
+          <p:cNvPr id="8" name="TextBox 8"/>
+          <p:cNvSpPr txBox="1"/>
           <p:nvPr/>
         </p:nvSpPr>
         <p:spPr>
-          <a:xfrm rot="0">
-            <a:off x="3686670" y="8835691"/>
+          <a:xfrm>
+            <a:off x="3557163" y="7909944"/>
             <a:ext cx="12268212" cy="514350"/>
           </a:xfrm>
           <a:prstGeom prst="rect">
@@ -6113,7 +6308,7 @@
           </a:prstGeom>
         </p:spPr>
         <p:txBody>
-          <a:bodyPr anchor="t" rtlCol="false" tIns="0" lIns="0" bIns="0" rIns="0">
+          <a:bodyPr lIns="0" tIns="0" rIns="0" bIns="0" rtlCol="0" anchor="t">
             <a:spAutoFit/>
           </a:bodyPr>
           <a:lstStyle/>
@@ -6124,7 +6319,7 @@
               </a:lnSpc>
             </a:pPr>
             <a:r>
-              <a:rPr lang="en-US" sz="3000" spc="-105">
+              <a:rPr lang="en-US" sz="3000" spc="-105" dirty="0">
                 <a:solidFill>
                   <a:srgbClr val="222222"/>
                 </a:solidFill>
@@ -6136,7 +6331,7 @@
               <a:t>The adaptive methods like </a:t>
             </a:r>
             <a:r>
-              <a:rPr lang="en-US" b="true" sz="3000" spc="-105">
+              <a:rPr lang="en-US" sz="3000" b="1" spc="-105" dirty="0" err="1">
                 <a:solidFill>
                   <a:srgbClr val="222222"/>
                 </a:solidFill>
@@ -6145,10 +6340,22 @@
                 <a:cs typeface="Garet Bold"/>
                 <a:sym typeface="Garet Bold"/>
               </a:rPr>
-              <a:t>AdaDelta &amp; ADAM</a:t>
-            </a:r>
-            <a:r>
-              <a:rPr lang="en-US" sz="3000" spc="-105">
+              <a:t>AdaDelta</a:t>
+            </a:r>
+            <a:r>
+              <a:rPr lang="en-US" sz="3000" b="1" spc="-105" dirty="0">
+                <a:solidFill>
+                  <a:srgbClr val="222222"/>
+                </a:solidFill>
+                <a:latin typeface="Garet Bold"/>
+                <a:ea typeface="Garet Bold"/>
+                <a:cs typeface="Garet Bold"/>
+                <a:sym typeface="Garet Bold"/>
+              </a:rPr>
+              <a:t> &amp; ADAM</a:t>
+            </a:r>
+            <a:r>
+              <a:rPr lang="en-US" sz="3000" spc="-105" dirty="0">
                 <a:solidFill>
                   <a:srgbClr val="222222"/>
                 </a:solidFill>
@@ -6174,13 +6381,14 @@
 </file>
 
 <file path=ppt/slides/slide4.xml><?xml version="1.0" encoding="utf-8"?>
-<p:sld xmlns:p="http://schemas.openxmlformats.org/presentationml/2006/main" xmlns:a="http://schemas.openxmlformats.org/drawingml/2006/main" xmlns:r="http://schemas.openxmlformats.org/officeDocument/2006/relationships">
+<p:sld xmlns:a="http://schemas.openxmlformats.org/drawingml/2006/main" xmlns:r="http://schemas.openxmlformats.org/officeDocument/2006/relationships" xmlns:p="http://schemas.openxmlformats.org/presentationml/2006/main">
   <p:cSld>
     <p:bg>
       <p:bgPr>
         <a:solidFill>
           <a:srgbClr val="F1F2F2"/>
         </a:solidFill>
+        <a:effectLst/>
       </p:bgPr>
     </p:bg>
     <p:spTree>
@@ -6199,12 +6407,12 @@
       </p:grpSpPr>
       <p:sp>
         <p:nvSpPr>
-          <p:cNvPr name="Freeform 2" id="2"/>
+          <p:cNvPr id="2" name="Freeform 2"/>
           <p:cNvSpPr/>
           <p:nvPr/>
         </p:nvSpPr>
         <p:spPr>
-          <a:xfrm flipH="false" flipV="false" rot="-10800000">
+          <a:xfrm rot="-10800000">
             <a:off x="1028700" y="1364837"/>
             <a:ext cx="1998184" cy="624432"/>
           </a:xfrm>
@@ -6213,9 +6421,9 @@
             <a:gdLst/>
             <a:ahLst/>
             <a:cxnLst/>
-            <a:rect r="r" b="b" t="t" l="l"/>
+            <a:rect l="l" t="t" r="r" b="b"/>
             <a:pathLst>
-              <a:path h="624432" w="1998184">
+              <a:path w="1998184" h="624432">
                 <a:moveTo>
                   <a:pt x="0" y="0"/>
                 </a:moveTo>
@@ -6244,19 +6452,26 @@
               </a:extLst>
             </a:blip>
             <a:stretch>
-              <a:fillRect l="0" t="0" r="0" b="0"/>
+              <a:fillRect/>
             </a:stretch>
           </a:blipFill>
         </p:spPr>
-      </p:sp>
-      <p:sp>
-        <p:nvSpPr>
-          <p:cNvPr name="Freeform 3" id="3"/>
+        <p:txBody>
+          <a:bodyPr/>
+          <a:lstStyle/>
+          <a:p>
+            <a:endParaRPr lang="en-GB"/>
+          </a:p>
+        </p:txBody>
+      </p:sp>
+      <p:sp>
+        <p:nvSpPr>
+          <p:cNvPr id="3" name="Freeform 3"/>
           <p:cNvSpPr/>
           <p:nvPr/>
         </p:nvSpPr>
         <p:spPr>
-          <a:xfrm flipH="false" flipV="false" rot="-10800000">
+          <a:xfrm rot="-10800000">
             <a:off x="15261116" y="1364837"/>
             <a:ext cx="1998184" cy="624432"/>
           </a:xfrm>
@@ -6265,9 +6480,9 @@
             <a:gdLst/>
             <a:ahLst/>
             <a:cxnLst/>
-            <a:rect r="r" b="b" t="t" l="l"/>
+            <a:rect l="l" t="t" r="r" b="b"/>
             <a:pathLst>
-              <a:path h="624432" w="1998184">
+              <a:path w="1998184" h="624432">
                 <a:moveTo>
                   <a:pt x="0" y="0"/>
                 </a:moveTo>
@@ -6296,19 +6511,26 @@
               </a:extLst>
             </a:blip>
             <a:stretch>
-              <a:fillRect l="0" t="0" r="0" b="0"/>
+              <a:fillRect/>
             </a:stretch>
           </a:blipFill>
         </p:spPr>
-      </p:sp>
-      <p:sp>
-        <p:nvSpPr>
-          <p:cNvPr name="Freeform 4" id="4"/>
+        <p:txBody>
+          <a:bodyPr/>
+          <a:lstStyle/>
+          <a:p>
+            <a:endParaRPr lang="en-GB"/>
+          </a:p>
+        </p:txBody>
+      </p:sp>
+      <p:sp>
+        <p:nvSpPr>
+          <p:cNvPr id="4" name="Freeform 4"/>
           <p:cNvSpPr/>
           <p:nvPr/>
         </p:nvSpPr>
         <p:spPr>
-          <a:xfrm flipH="false" flipV="false" rot="0">
+          <a:xfrm>
             <a:off x="1190118" y="4884619"/>
             <a:ext cx="6680014" cy="1020963"/>
           </a:xfrm>
@@ -6317,9 +6539,9 @@
             <a:gdLst/>
             <a:ahLst/>
             <a:cxnLst/>
-            <a:rect r="r" b="b" t="t" l="l"/>
+            <a:rect l="l" t="t" r="r" b="b"/>
             <a:pathLst>
-              <a:path h="1020963" w="6680014">
+              <a:path w="6680014" h="1020963">
                 <a:moveTo>
                   <a:pt x="0" y="0"/>
                 </a:moveTo>
@@ -6342,19 +6564,26 @@
           <a:blipFill>
             <a:blip r:embed="rId4"/>
             <a:stretch>
-              <a:fillRect l="0" t="0" r="0" b="0"/>
+              <a:fillRect/>
             </a:stretch>
           </a:blipFill>
         </p:spPr>
-      </p:sp>
-      <p:sp>
-        <p:nvSpPr>
-          <p:cNvPr name="Freeform 5" id="5"/>
+        <p:txBody>
+          <a:bodyPr/>
+          <a:lstStyle/>
+          <a:p>
+            <a:endParaRPr lang="en-GB"/>
+          </a:p>
+        </p:txBody>
+      </p:sp>
+      <p:sp>
+        <p:nvSpPr>
+          <p:cNvPr id="5" name="Freeform 5"/>
           <p:cNvSpPr/>
           <p:nvPr/>
         </p:nvSpPr>
         <p:spPr>
-          <a:xfrm flipH="false" flipV="false" rot="0">
+          <a:xfrm>
             <a:off x="1190118" y="7762389"/>
             <a:ext cx="6680014" cy="1495911"/>
           </a:xfrm>
@@ -6363,9 +6592,9 @@
             <a:gdLst/>
             <a:ahLst/>
             <a:cxnLst/>
-            <a:rect r="r" b="b" t="t" l="l"/>
+            <a:rect l="l" t="t" r="r" b="b"/>
             <a:pathLst>
-              <a:path h="1495911" w="6680014">
+              <a:path w="6680014" h="1495911">
                 <a:moveTo>
                   <a:pt x="0" y="0"/>
                 </a:moveTo>
@@ -6388,20 +6617,27 @@
           <a:blipFill>
             <a:blip r:embed="rId5"/>
             <a:stretch>
-              <a:fillRect l="0" t="0" r="0" b="0"/>
+              <a:fillRect/>
             </a:stretch>
           </a:blipFill>
         </p:spPr>
-      </p:sp>
-      <p:sp>
-        <p:nvSpPr>
-          <p:cNvPr name="Freeform 6" id="6"/>
+        <p:txBody>
+          <a:bodyPr/>
+          <a:lstStyle/>
+          <a:p>
+            <a:endParaRPr lang="en-GB"/>
+          </a:p>
+        </p:txBody>
+      </p:sp>
+      <p:sp>
+        <p:nvSpPr>
+          <p:cNvPr id="6" name="Freeform 6"/>
           <p:cNvSpPr/>
           <p:nvPr/>
         </p:nvSpPr>
         <p:spPr>
-          <a:xfrm flipH="false" flipV="false" rot="0">
-            <a:off x="9144000" y="4198819"/>
+          <a:xfrm>
+            <a:off x="9144000" y="4152900"/>
             <a:ext cx="8385594" cy="5140819"/>
           </a:xfrm>
           <a:custGeom>
@@ -6409,9 +6645,9 @@
             <a:gdLst/>
             <a:ahLst/>
             <a:cxnLst/>
-            <a:rect r="r" b="b" t="t" l="l"/>
+            <a:rect l="l" t="t" r="r" b="b"/>
             <a:pathLst>
-              <a:path h="5140819" w="8385594">
+              <a:path w="8385594" h="5140819">
                 <a:moveTo>
                   <a:pt x="0" y="0"/>
                 </a:moveTo>
@@ -6434,19 +6670,26 @@
           <a:blipFill>
             <a:blip r:embed="rId6"/>
             <a:stretch>
-              <a:fillRect l="0" t="0" r="0" b="0"/>
+              <a:fillRect/>
             </a:stretch>
           </a:blipFill>
         </p:spPr>
-      </p:sp>
-      <p:sp>
-        <p:nvSpPr>
-          <p:cNvPr name="TextBox 7" id="7"/>
-          <p:cNvSpPr txBox="true"/>
+        <p:txBody>
+          <a:bodyPr/>
+          <a:lstStyle/>
+          <a:p>
+            <a:endParaRPr lang="en-GB"/>
+          </a:p>
+        </p:txBody>
+      </p:sp>
+      <p:sp>
+        <p:nvSpPr>
+          <p:cNvPr id="7" name="TextBox 7"/>
+          <p:cNvSpPr txBox="1"/>
           <p:nvPr/>
         </p:nvSpPr>
         <p:spPr>
-          <a:xfrm rot="0">
+          <a:xfrm>
             <a:off x="4048231" y="1334153"/>
             <a:ext cx="10191537" cy="800100"/>
           </a:xfrm>
@@ -6455,7 +6698,7 @@
           </a:prstGeom>
         </p:spPr>
         <p:txBody>
-          <a:bodyPr anchor="t" rtlCol="false" tIns="0" lIns="0" bIns="0" rIns="0">
+          <a:bodyPr lIns="0" tIns="0" rIns="0" bIns="0" rtlCol="0" anchor="t">
             <a:spAutoFit/>
           </a:bodyPr>
           <a:lstStyle/>
@@ -6482,12 +6725,12 @@
       </p:sp>
       <p:sp>
         <p:nvSpPr>
-          <p:cNvPr name="TextBox 8" id="8"/>
-          <p:cNvSpPr txBox="true"/>
+          <p:cNvPr id="8" name="TextBox 8"/>
+          <p:cNvSpPr txBox="1"/>
           <p:nvPr/>
         </p:nvSpPr>
         <p:spPr>
-          <a:xfrm rot="0">
+          <a:xfrm>
             <a:off x="1190118" y="2617669"/>
             <a:ext cx="16659739" cy="1581150"/>
           </a:xfrm>
@@ -6496,7 +6739,7 @@
           </a:prstGeom>
         </p:spPr>
         <p:txBody>
-          <a:bodyPr anchor="t" rtlCol="false" tIns="0" lIns="0" bIns="0" rIns="0">
+          <a:bodyPr lIns="0" tIns="0" rIns="0" bIns="0" rtlCol="0" anchor="t">
             <a:spAutoFit/>
           </a:bodyPr>
           <a:lstStyle/>
@@ -6507,7 +6750,7 @@
               </a:lnSpc>
             </a:pPr>
             <a:r>
-              <a:rPr lang="en-US" b="true" sz="3000" spc="-105">
+              <a:rPr lang="en-US" sz="3000" b="1" spc="-105" dirty="0" err="1">
                 <a:solidFill>
                   <a:srgbClr val="222222"/>
                 </a:solidFill>
@@ -6519,7 +6762,7 @@
               <a:t>AdaGrad</a:t>
             </a:r>
             <a:r>
-              <a:rPr lang="en-US" sz="3000" spc="-105">
+              <a:rPr lang="en-US" sz="3000" spc="-105" dirty="0">
                 <a:solidFill>
                   <a:srgbClr val="222222"/>
                 </a:solidFill>
@@ -6537,17 +6780,26 @@
                 <a:spcPts val="4200"/>
               </a:lnSpc>
             </a:pPr>
-          </a:p>
-        </p:txBody>
-      </p:sp>
-      <p:sp>
-        <p:nvSpPr>
-          <p:cNvPr name="TextBox 9" id="9"/>
-          <p:cNvSpPr txBox="true"/>
+            <a:endParaRPr lang="en-US" sz="3000" spc="-105" dirty="0">
+              <a:solidFill>
+                <a:srgbClr val="222222"/>
+              </a:solidFill>
+              <a:latin typeface="Garet"/>
+              <a:ea typeface="Garet"/>
+              <a:cs typeface="Garet"/>
+              <a:sym typeface="Garet"/>
+            </a:endParaRPr>
+          </a:p>
+        </p:txBody>
+      </p:sp>
+      <p:sp>
+        <p:nvSpPr>
+          <p:cNvPr id="9" name="TextBox 9"/>
+          <p:cNvSpPr txBox="1"/>
           <p:nvPr/>
         </p:nvSpPr>
         <p:spPr>
-          <a:xfrm rot="0">
+          <a:xfrm>
             <a:off x="1190118" y="4141669"/>
             <a:ext cx="5311210" cy="514350"/>
           </a:xfrm>
@@ -6556,7 +6808,7 @@
           </a:prstGeom>
         </p:spPr>
         <p:txBody>
-          <a:bodyPr anchor="t" rtlCol="false" tIns="0" lIns="0" bIns="0" rIns="0">
+          <a:bodyPr lIns="0" tIns="0" rIns="0" bIns="0" rtlCol="0" anchor="t">
             <a:spAutoFit/>
           </a:bodyPr>
           <a:lstStyle/>
@@ -6583,12 +6835,12 @@
       </p:sp>
       <p:sp>
         <p:nvSpPr>
-          <p:cNvPr name="TextBox 10" id="10"/>
-          <p:cNvSpPr txBox="true"/>
+          <p:cNvPr id="10" name="TextBox 10"/>
+          <p:cNvSpPr txBox="1"/>
           <p:nvPr/>
         </p:nvSpPr>
         <p:spPr>
-          <a:xfrm rot="0">
+          <a:xfrm>
             <a:off x="1190118" y="6969971"/>
             <a:ext cx="5311210" cy="514350"/>
           </a:xfrm>
@@ -6597,7 +6849,7 @@
           </a:prstGeom>
         </p:spPr>
         <p:txBody>
-          <a:bodyPr anchor="t" rtlCol="false" tIns="0" lIns="0" bIns="0" rIns="0">
+          <a:bodyPr lIns="0" tIns="0" rIns="0" bIns="0" rtlCol="0" anchor="t">
             <a:spAutoFit/>
           </a:bodyPr>
           <a:lstStyle/>
@@ -6634,13 +6886,14 @@
 </file>
 
 <file path=ppt/slides/slide5.xml><?xml version="1.0" encoding="utf-8"?>
-<p:sld xmlns:p="http://schemas.openxmlformats.org/presentationml/2006/main" xmlns:a="http://schemas.openxmlformats.org/drawingml/2006/main" xmlns:r="http://schemas.openxmlformats.org/officeDocument/2006/relationships">
+<p:sld xmlns:a="http://schemas.openxmlformats.org/drawingml/2006/main" xmlns:r="http://schemas.openxmlformats.org/officeDocument/2006/relationships" xmlns:p="http://schemas.openxmlformats.org/presentationml/2006/main">
   <p:cSld>
     <p:bg>
       <p:bgPr>
         <a:solidFill>
           <a:srgbClr val="F1F2F2"/>
         </a:solidFill>
+        <a:effectLst/>
       </p:bgPr>
     </p:bg>
     <p:spTree>
@@ -6659,12 +6912,12 @@
       </p:grpSpPr>
       <p:sp>
         <p:nvSpPr>
-          <p:cNvPr name="Freeform 2" id="2"/>
+          <p:cNvPr id="2" name="Freeform 2"/>
           <p:cNvSpPr/>
           <p:nvPr/>
         </p:nvSpPr>
         <p:spPr>
-          <a:xfrm flipH="false" flipV="false" rot="-10800000">
+          <a:xfrm rot="-10800000">
             <a:off x="1028700" y="1364837"/>
             <a:ext cx="1998184" cy="624432"/>
           </a:xfrm>
@@ -6673,9 +6926,9 @@
             <a:gdLst/>
             <a:ahLst/>
             <a:cxnLst/>
-            <a:rect r="r" b="b" t="t" l="l"/>
+            <a:rect l="l" t="t" r="r" b="b"/>
             <a:pathLst>
-              <a:path h="624432" w="1998184">
+              <a:path w="1998184" h="624432">
                 <a:moveTo>
                   <a:pt x="0" y="0"/>
                 </a:moveTo>
@@ -6704,19 +6957,26 @@
               </a:extLst>
             </a:blip>
             <a:stretch>
-              <a:fillRect l="0" t="0" r="0" b="0"/>
+              <a:fillRect/>
             </a:stretch>
           </a:blipFill>
         </p:spPr>
-      </p:sp>
-      <p:sp>
-        <p:nvSpPr>
-          <p:cNvPr name="Freeform 3" id="3"/>
+        <p:txBody>
+          <a:bodyPr/>
+          <a:lstStyle/>
+          <a:p>
+            <a:endParaRPr lang="en-GB"/>
+          </a:p>
+        </p:txBody>
+      </p:sp>
+      <p:sp>
+        <p:nvSpPr>
+          <p:cNvPr id="3" name="Freeform 3"/>
           <p:cNvSpPr/>
           <p:nvPr/>
         </p:nvSpPr>
         <p:spPr>
-          <a:xfrm flipH="false" flipV="false" rot="-10800000">
+          <a:xfrm rot="-10800000">
             <a:off x="15261116" y="1364837"/>
             <a:ext cx="1998184" cy="624432"/>
           </a:xfrm>
@@ -6725,9 +6985,9 @@
             <a:gdLst/>
             <a:ahLst/>
             <a:cxnLst/>
-            <a:rect r="r" b="b" t="t" l="l"/>
+            <a:rect l="l" t="t" r="r" b="b"/>
             <a:pathLst>
-              <a:path h="624432" w="1998184">
+              <a:path w="1998184" h="624432">
                 <a:moveTo>
                   <a:pt x="0" y="0"/>
                 </a:moveTo>
@@ -6756,19 +7016,26 @@
               </a:extLst>
             </a:blip>
             <a:stretch>
-              <a:fillRect l="0" t="0" r="0" b="0"/>
+              <a:fillRect/>
             </a:stretch>
           </a:blipFill>
         </p:spPr>
-      </p:sp>
-      <p:sp>
-        <p:nvSpPr>
-          <p:cNvPr name="Freeform 4" id="4"/>
+        <p:txBody>
+          <a:bodyPr/>
+          <a:lstStyle/>
+          <a:p>
+            <a:endParaRPr lang="en-GB"/>
+          </a:p>
+        </p:txBody>
+      </p:sp>
+      <p:sp>
+        <p:nvSpPr>
+          <p:cNvPr id="4" name="Freeform 4"/>
           <p:cNvSpPr/>
           <p:nvPr/>
         </p:nvSpPr>
         <p:spPr>
-          <a:xfrm flipH="false" flipV="false" rot="0">
+          <a:xfrm>
             <a:off x="5186475" y="2771401"/>
             <a:ext cx="7674419" cy="1208570"/>
           </a:xfrm>
@@ -6777,9 +7044,9 @@
             <a:gdLst/>
             <a:ahLst/>
             <a:cxnLst/>
-            <a:rect r="r" b="b" t="t" l="l"/>
+            <a:rect l="l" t="t" r="r" b="b"/>
             <a:pathLst>
-              <a:path h="1208570" w="7674419">
+              <a:path w="7674419" h="1208570">
                 <a:moveTo>
                   <a:pt x="0" y="0"/>
                 </a:moveTo>
@@ -6802,19 +7069,26 @@
           <a:blipFill>
             <a:blip r:embed="rId4"/>
             <a:stretch>
-              <a:fillRect l="0" t="0" r="0" b="0"/>
+              <a:fillRect/>
             </a:stretch>
           </a:blipFill>
         </p:spPr>
-      </p:sp>
-      <p:sp>
-        <p:nvSpPr>
-          <p:cNvPr name="Freeform 5" id="5"/>
+        <p:txBody>
+          <a:bodyPr/>
+          <a:lstStyle/>
+          <a:p>
+            <a:endParaRPr lang="en-GB"/>
+          </a:p>
+        </p:txBody>
+      </p:sp>
+      <p:sp>
+        <p:nvSpPr>
+          <p:cNvPr id="5" name="Freeform 5"/>
           <p:cNvSpPr/>
           <p:nvPr/>
         </p:nvSpPr>
         <p:spPr>
-          <a:xfrm flipH="false" flipV="false" rot="0">
+          <a:xfrm>
             <a:off x="1847318" y="4617118"/>
             <a:ext cx="15231508" cy="4874083"/>
           </a:xfrm>
@@ -6823,9 +7097,9 @@
             <a:gdLst/>
             <a:ahLst/>
             <a:cxnLst/>
-            <a:rect r="r" b="b" t="t" l="l"/>
+            <a:rect l="l" t="t" r="r" b="b"/>
             <a:pathLst>
-              <a:path h="4874083" w="15231508">
+              <a:path w="15231508" h="4874083">
                 <a:moveTo>
                   <a:pt x="0" y="0"/>
                 </a:moveTo>
@@ -6848,19 +7122,26 @@
           <a:blipFill>
             <a:blip r:embed="rId5"/>
             <a:stretch>
-              <a:fillRect l="0" t="0" r="0" b="0"/>
+              <a:fillRect/>
             </a:stretch>
           </a:blipFill>
         </p:spPr>
-      </p:sp>
-      <p:sp>
-        <p:nvSpPr>
-          <p:cNvPr name="TextBox 6" id="6"/>
-          <p:cNvSpPr txBox="true"/>
+        <p:txBody>
+          <a:bodyPr/>
+          <a:lstStyle/>
+          <a:p>
+            <a:endParaRPr lang="en-GB"/>
+          </a:p>
+        </p:txBody>
+      </p:sp>
+      <p:sp>
+        <p:nvSpPr>
+          <p:cNvPr id="6" name="TextBox 6"/>
+          <p:cNvSpPr txBox="1"/>
           <p:nvPr/>
         </p:nvSpPr>
         <p:spPr>
-          <a:xfrm rot="0">
+          <a:xfrm>
             <a:off x="4048231" y="1334153"/>
             <a:ext cx="10191537" cy="800100"/>
           </a:xfrm>
@@ -6869,7 +7150,7 @@
           </a:prstGeom>
         </p:spPr>
         <p:txBody>
-          <a:bodyPr anchor="t" rtlCol="false" tIns="0" lIns="0" bIns="0" rIns="0">
+          <a:bodyPr lIns="0" tIns="0" rIns="0" bIns="0" rtlCol="0" anchor="t">
             <a:spAutoFit/>
           </a:bodyPr>
           <a:lstStyle/>
@@ -6906,13 +7187,14 @@
 </file>
 
 <file path=ppt/slides/slide6.xml><?xml version="1.0" encoding="utf-8"?>
-<p:sld xmlns:p="http://schemas.openxmlformats.org/presentationml/2006/main" xmlns:a="http://schemas.openxmlformats.org/drawingml/2006/main" xmlns:r="http://schemas.openxmlformats.org/officeDocument/2006/relationships">
+<p:sld xmlns:a="http://schemas.openxmlformats.org/drawingml/2006/main" xmlns:r="http://schemas.openxmlformats.org/officeDocument/2006/relationships" xmlns:p="http://schemas.openxmlformats.org/presentationml/2006/main">
   <p:cSld>
     <p:bg>
       <p:bgPr>
         <a:solidFill>
           <a:srgbClr val="F1F2F2"/>
         </a:solidFill>
+        <a:effectLst/>
       </p:bgPr>
     </p:bg>
     <p:spTree>
@@ -6931,12 +7213,12 @@
       </p:grpSpPr>
       <p:sp>
         <p:nvSpPr>
-          <p:cNvPr name="Freeform 2" id="2"/>
+          <p:cNvPr id="2" name="Freeform 2"/>
           <p:cNvSpPr/>
           <p:nvPr/>
         </p:nvSpPr>
         <p:spPr>
-          <a:xfrm flipH="false" flipV="false" rot="-10800000">
+          <a:xfrm rot="-10800000">
             <a:off x="1028700" y="1364837"/>
             <a:ext cx="1998184" cy="624432"/>
           </a:xfrm>
@@ -6945,9 +7227,9 @@
             <a:gdLst/>
             <a:ahLst/>
             <a:cxnLst/>
-            <a:rect r="r" b="b" t="t" l="l"/>
+            <a:rect l="l" t="t" r="r" b="b"/>
             <a:pathLst>
-              <a:path h="624432" w="1998184">
+              <a:path w="1998184" h="624432">
                 <a:moveTo>
                   <a:pt x="0" y="0"/>
                 </a:moveTo>
@@ -6976,19 +7258,26 @@
               </a:extLst>
             </a:blip>
             <a:stretch>
-              <a:fillRect l="0" t="0" r="0" b="0"/>
+              <a:fillRect/>
             </a:stretch>
           </a:blipFill>
         </p:spPr>
-      </p:sp>
-      <p:sp>
-        <p:nvSpPr>
-          <p:cNvPr name="Freeform 3" id="3"/>
+        <p:txBody>
+          <a:bodyPr/>
+          <a:lstStyle/>
+          <a:p>
+            <a:endParaRPr lang="en-GB"/>
+          </a:p>
+        </p:txBody>
+      </p:sp>
+      <p:sp>
+        <p:nvSpPr>
+          <p:cNvPr id="3" name="Freeform 3"/>
           <p:cNvSpPr/>
           <p:nvPr/>
         </p:nvSpPr>
         <p:spPr>
-          <a:xfrm flipH="false" flipV="false" rot="-10800000">
+          <a:xfrm rot="-10800000">
             <a:off x="15261116" y="1364837"/>
             <a:ext cx="1998184" cy="624432"/>
           </a:xfrm>
@@ -6997,9 +7286,9 @@
             <a:gdLst/>
             <a:ahLst/>
             <a:cxnLst/>
-            <a:rect r="r" b="b" t="t" l="l"/>
+            <a:rect l="l" t="t" r="r" b="b"/>
             <a:pathLst>
-              <a:path h="624432" w="1998184">
+              <a:path w="1998184" h="624432">
                 <a:moveTo>
                   <a:pt x="0" y="0"/>
                 </a:moveTo>
@@ -7028,19 +7317,26 @@
               </a:extLst>
             </a:blip>
             <a:stretch>
-              <a:fillRect l="0" t="0" r="0" b="0"/>
+              <a:fillRect/>
             </a:stretch>
           </a:blipFill>
         </p:spPr>
-      </p:sp>
-      <p:sp>
-        <p:nvSpPr>
-          <p:cNvPr name="TextBox 4" id="4"/>
-          <p:cNvSpPr txBox="true"/>
+        <p:txBody>
+          <a:bodyPr/>
+          <a:lstStyle/>
+          <a:p>
+            <a:endParaRPr lang="en-GB"/>
+          </a:p>
+        </p:txBody>
+      </p:sp>
+      <p:sp>
+        <p:nvSpPr>
+          <p:cNvPr id="4" name="TextBox 4"/>
+          <p:cNvSpPr txBox="1"/>
           <p:nvPr/>
         </p:nvSpPr>
         <p:spPr>
-          <a:xfrm rot="0">
+          <a:xfrm>
             <a:off x="1343476" y="3257550"/>
             <a:ext cx="16659739" cy="3714750"/>
           </a:xfrm>
@@ -7049,7 +7345,7 @@
           </a:prstGeom>
         </p:spPr>
         <p:txBody>
-          <a:bodyPr anchor="t" rtlCol="false" tIns="0" lIns="0" bIns="0" rIns="0">
+          <a:bodyPr lIns="0" tIns="0" rIns="0" bIns="0" rtlCol="0" anchor="t">
             <a:spAutoFit/>
           </a:bodyPr>
           <a:lstStyle/>
@@ -7060,7 +7356,7 @@
               </a:lnSpc>
             </a:pPr>
             <a:r>
-              <a:rPr lang="en-US" sz="3000" spc="-105">
+              <a:rPr lang="en-US" sz="3000" spc="-105" dirty="0">
                 <a:solidFill>
                   <a:srgbClr val="222222"/>
                 </a:solidFill>
@@ -7072,7 +7368,7 @@
               <a:t>EMA stands for </a:t>
             </a:r>
             <a:r>
-              <a:rPr lang="en-US" b="true" sz="3000" spc="-105">
+              <a:rPr lang="en-US" sz="3000" b="1" spc="-105" dirty="0">
                 <a:solidFill>
                   <a:srgbClr val="222222"/>
                 </a:solidFill>
@@ -7085,7 +7381,7 @@
             </a:r>
           </a:p>
           <a:p>
-            <a:pPr algn="just" marL="647700" indent="-323850" lvl="1">
+            <a:pPr marL="647700" lvl="1" indent="-323850" algn="just">
               <a:lnSpc>
                 <a:spcPts val="4200"/>
               </a:lnSpc>
@@ -7093,7 +7389,7 @@
               <a:buChar char="•"/>
             </a:pPr>
             <a:r>
-              <a:rPr lang="en-US" sz="3000" spc="-105">
+              <a:rPr lang="en-US" sz="3000" spc="-105" dirty="0">
                 <a:solidFill>
                   <a:srgbClr val="222222"/>
                 </a:solidFill>
@@ -7102,23 +7398,11 @@
                 <a:cs typeface="Garet"/>
                 <a:sym typeface="Garet"/>
               </a:rPr>
-              <a:t>It i</a:t>
-            </a:r>
-            <a:r>
-              <a:rPr lang="en-US" sz="3000" spc="-105">
-                <a:solidFill>
-                  <a:srgbClr val="222222"/>
-                </a:solidFill>
-                <a:latin typeface="Garet"/>
-                <a:ea typeface="Garet"/>
-                <a:cs typeface="Garet"/>
-                <a:sym typeface="Garet"/>
-              </a:rPr>
-              <a:t>s a statistical method used to create a smoothed average of a sequence of data</a:t>
-            </a:r>
-          </a:p>
-          <a:p>
-            <a:pPr algn="just" marL="647700" indent="-323850" lvl="1">
+              <a:t>It is a statistical method used to create a smoothed average of a sequence of data</a:t>
+            </a:r>
+          </a:p>
+          <a:p>
+            <a:pPr marL="647700" lvl="1" indent="-323850" algn="just">
               <a:lnSpc>
                 <a:spcPts val="4200"/>
               </a:lnSpc>
@@ -7126,7 +7410,7 @@
               <a:buChar char="•"/>
             </a:pPr>
             <a:r>
-              <a:rPr lang="en-US" sz="3000" spc="-105">
+              <a:rPr lang="en-US" sz="3000" spc="-105" dirty="0">
                 <a:solidFill>
                   <a:srgbClr val="222222"/>
                 </a:solidFill>
@@ -7138,7 +7422,7 @@
               <a:t>EMA is used to </a:t>
             </a:r>
             <a:r>
-              <a:rPr lang="en-US" b="true" sz="3000" spc="-105">
+              <a:rPr lang="en-US" sz="3000" b="1" spc="-105" dirty="0">
                 <a:solidFill>
                   <a:srgbClr val="222222"/>
                 </a:solidFill>
@@ -7150,7 +7434,7 @@
               <a:t>stabilize training </a:t>
             </a:r>
             <a:r>
-              <a:rPr lang="en-US" sz="3000" spc="-105">
+              <a:rPr lang="en-US" sz="3000" spc="-105" dirty="0">
                 <a:solidFill>
                   <a:srgbClr val="222222"/>
                 </a:solidFill>
@@ -7168,6 +7452,15 @@
                 <a:spcPts val="4200"/>
               </a:lnSpc>
             </a:pPr>
+            <a:endParaRPr lang="en-US" sz="3000" spc="-105" dirty="0">
+              <a:solidFill>
+                <a:srgbClr val="222222"/>
+              </a:solidFill>
+              <a:latin typeface="Garet"/>
+              <a:ea typeface="Garet"/>
+              <a:cs typeface="Garet"/>
+              <a:sym typeface="Garet"/>
+            </a:endParaRPr>
           </a:p>
           <a:p>
             <a:pPr algn="just">
@@ -7175,6 +7468,15 @@
                 <a:spcPts val="4200"/>
               </a:lnSpc>
             </a:pPr>
+            <a:endParaRPr lang="en-US" sz="3000" spc="-105" dirty="0">
+              <a:solidFill>
+                <a:srgbClr val="222222"/>
+              </a:solidFill>
+              <a:latin typeface="Garet"/>
+              <a:ea typeface="Garet"/>
+              <a:cs typeface="Garet"/>
+              <a:sym typeface="Garet"/>
+            </a:endParaRPr>
           </a:p>
           <a:p>
             <a:pPr algn="just">
@@ -7183,7 +7485,7 @@
               </a:lnSpc>
             </a:pPr>
             <a:r>
-              <a:rPr lang="en-US" sz="3000" spc="-105">
+              <a:rPr lang="en-US" sz="3000" spc="-105" dirty="0">
                 <a:solidFill>
                   <a:srgbClr val="222222"/>
                 </a:solidFill>
@@ -7199,13 +7501,13 @@
       </p:sp>
       <p:sp>
         <p:nvSpPr>
-          <p:cNvPr name="Freeform 5" id="5"/>
+          <p:cNvPr id="5" name="Freeform 5"/>
           <p:cNvSpPr/>
           <p:nvPr/>
         </p:nvSpPr>
         <p:spPr>
-          <a:xfrm flipH="false" flipV="false" rot="0">
-            <a:off x="4953542" y="7560442"/>
+          <a:xfrm>
+            <a:off x="5257800" y="7613547"/>
             <a:ext cx="8380917" cy="1697858"/>
           </a:xfrm>
           <a:custGeom>
@@ -7213,9 +7515,9 @@
             <a:gdLst/>
             <a:ahLst/>
             <a:cxnLst/>
-            <a:rect r="r" b="b" t="t" l="l"/>
+            <a:rect l="l" t="t" r="r" b="b"/>
             <a:pathLst>
-              <a:path h="1697858" w="8380917">
+              <a:path w="8380917" h="1697858">
                 <a:moveTo>
                   <a:pt x="0" y="0"/>
                 </a:moveTo>
@@ -7238,19 +7540,26 @@
           <a:blipFill>
             <a:blip r:embed="rId4"/>
             <a:stretch>
-              <a:fillRect l="0" t="0" r="0" b="0"/>
+              <a:fillRect/>
             </a:stretch>
           </a:blipFill>
         </p:spPr>
-      </p:sp>
-      <p:sp>
-        <p:nvSpPr>
-          <p:cNvPr name="TextBox 6" id="6"/>
-          <p:cNvSpPr txBox="true"/>
+        <p:txBody>
+          <a:bodyPr/>
+          <a:lstStyle/>
+          <a:p>
+            <a:endParaRPr lang="en-GB"/>
+          </a:p>
+        </p:txBody>
+      </p:sp>
+      <p:sp>
+        <p:nvSpPr>
+          <p:cNvPr id="6" name="TextBox 6"/>
+          <p:cNvSpPr txBox="1"/>
           <p:nvPr/>
         </p:nvSpPr>
         <p:spPr>
-          <a:xfrm rot="0">
+          <a:xfrm>
             <a:off x="4048231" y="953153"/>
             <a:ext cx="10191537" cy="1562100"/>
           </a:xfrm>
@@ -7259,7 +7568,7 @@
           </a:prstGeom>
         </p:spPr>
         <p:txBody>
-          <a:bodyPr anchor="t" rtlCol="false" tIns="0" lIns="0" bIns="0" rIns="0">
+          <a:bodyPr lIns="0" tIns="0" rIns="0" bIns="0" rtlCol="0" anchor="t">
             <a:spAutoFit/>
           </a:bodyPr>
           <a:lstStyle/>
@@ -7270,7 +7579,7 @@
               </a:lnSpc>
             </a:pPr>
             <a:r>
-              <a:rPr lang="en-US" sz="6000" spc="-240">
+              <a:rPr lang="en-US" sz="6000" spc="-240" dirty="0">
                 <a:solidFill>
                   <a:srgbClr val="222222"/>
                 </a:solidFill>
@@ -7279,7 +7588,7 @@
                 <a:cs typeface="Garet"/>
                 <a:sym typeface="Garet"/>
               </a:rPr>
-              <a:t>Exponential Moving Avevage (EMA)</a:t>
+              <a:t>Exponential Moving Average (EMA)</a:t>
             </a:r>
           </a:p>
         </p:txBody>
@@ -7296,13 +7605,14 @@
 </file>
 
 <file path=ppt/slides/slide7.xml><?xml version="1.0" encoding="utf-8"?>
-<p:sld xmlns:p="http://schemas.openxmlformats.org/presentationml/2006/main" xmlns:a="http://schemas.openxmlformats.org/drawingml/2006/main" xmlns:r="http://schemas.openxmlformats.org/officeDocument/2006/relationships">
+<p:sld xmlns:a="http://schemas.openxmlformats.org/drawingml/2006/main" xmlns:r="http://schemas.openxmlformats.org/officeDocument/2006/relationships" xmlns:p="http://schemas.openxmlformats.org/presentationml/2006/main">
   <p:cSld>
     <p:bg>
       <p:bgPr>
         <a:solidFill>
           <a:srgbClr val="F1F2F2"/>
         </a:solidFill>
+        <a:effectLst/>
       </p:bgPr>
     </p:bg>
     <p:spTree>
@@ -7321,12 +7631,12 @@
       </p:grpSpPr>
       <p:sp>
         <p:nvSpPr>
-          <p:cNvPr name="Freeform 2" id="2"/>
+          <p:cNvPr id="2" name="Freeform 2"/>
           <p:cNvSpPr/>
           <p:nvPr/>
         </p:nvSpPr>
         <p:spPr>
-          <a:xfrm flipH="false" flipV="false" rot="-10800000">
+          <a:xfrm rot="-10800000">
             <a:off x="1028700" y="1364837"/>
             <a:ext cx="1998184" cy="624432"/>
           </a:xfrm>
@@ -7335,9 +7645,9 @@
             <a:gdLst/>
             <a:ahLst/>
             <a:cxnLst/>
-            <a:rect r="r" b="b" t="t" l="l"/>
+            <a:rect l="l" t="t" r="r" b="b"/>
             <a:pathLst>
-              <a:path h="624432" w="1998184">
+              <a:path w="1998184" h="624432">
                 <a:moveTo>
                   <a:pt x="0" y="0"/>
                 </a:moveTo>
@@ -7366,19 +7676,26 @@
               </a:extLst>
             </a:blip>
             <a:stretch>
-              <a:fillRect l="0" t="0" r="0" b="0"/>
+              <a:fillRect/>
             </a:stretch>
           </a:blipFill>
         </p:spPr>
-      </p:sp>
-      <p:sp>
-        <p:nvSpPr>
-          <p:cNvPr name="Freeform 3" id="3"/>
+        <p:txBody>
+          <a:bodyPr/>
+          <a:lstStyle/>
+          <a:p>
+            <a:endParaRPr lang="en-GB"/>
+          </a:p>
+        </p:txBody>
+      </p:sp>
+      <p:sp>
+        <p:nvSpPr>
+          <p:cNvPr id="3" name="Freeform 3"/>
           <p:cNvSpPr/>
           <p:nvPr/>
         </p:nvSpPr>
         <p:spPr>
-          <a:xfrm flipH="false" flipV="false" rot="-10800000">
+          <a:xfrm rot="-10800000">
             <a:off x="15261116" y="1364837"/>
             <a:ext cx="1998184" cy="624432"/>
           </a:xfrm>
@@ -7387,9 +7704,9 @@
             <a:gdLst/>
             <a:ahLst/>
             <a:cxnLst/>
-            <a:rect r="r" b="b" t="t" l="l"/>
+            <a:rect l="l" t="t" r="r" b="b"/>
             <a:pathLst>
-              <a:path h="624432" w="1998184">
+              <a:path w="1998184" h="624432">
                 <a:moveTo>
                   <a:pt x="0" y="0"/>
                 </a:moveTo>
@@ -7418,19 +7735,26 @@
               </a:extLst>
             </a:blip>
             <a:stretch>
-              <a:fillRect l="0" t="0" r="0" b="0"/>
+              <a:fillRect/>
             </a:stretch>
           </a:blipFill>
         </p:spPr>
-      </p:sp>
-      <p:sp>
-        <p:nvSpPr>
-          <p:cNvPr name="Freeform 4" id="4"/>
+        <p:txBody>
+          <a:bodyPr/>
+          <a:lstStyle/>
+          <a:p>
+            <a:endParaRPr lang="en-GB"/>
+          </a:p>
+        </p:txBody>
+      </p:sp>
+      <p:sp>
+        <p:nvSpPr>
+          <p:cNvPr id="4" name="Freeform 4"/>
           <p:cNvSpPr/>
           <p:nvPr/>
         </p:nvSpPr>
         <p:spPr>
-          <a:xfrm flipH="false" flipV="false" rot="0">
+          <a:xfrm>
             <a:off x="1305136" y="5956180"/>
             <a:ext cx="6263444" cy="1093148"/>
           </a:xfrm>
@@ -7439,9 +7763,9 @@
             <a:gdLst/>
             <a:ahLst/>
             <a:cxnLst/>
-            <a:rect r="r" b="b" t="t" l="l"/>
+            <a:rect l="l" t="t" r="r" b="b"/>
             <a:pathLst>
-              <a:path h="1093148" w="6263444">
+              <a:path w="6263444" h="1093148">
                 <a:moveTo>
                   <a:pt x="0" y="0"/>
                 </a:moveTo>
@@ -7464,19 +7788,26 @@
           <a:blipFill>
             <a:blip r:embed="rId4"/>
             <a:stretch>
-              <a:fillRect l="0" t="0" r="0" b="0"/>
+              <a:fillRect/>
             </a:stretch>
           </a:blipFill>
         </p:spPr>
-      </p:sp>
-      <p:sp>
-        <p:nvSpPr>
-          <p:cNvPr name="Freeform 5" id="5"/>
+        <p:txBody>
+          <a:bodyPr/>
+          <a:lstStyle/>
+          <a:p>
+            <a:endParaRPr lang="en-GB"/>
+          </a:p>
+        </p:txBody>
+      </p:sp>
+      <p:sp>
+        <p:nvSpPr>
+          <p:cNvPr id="5" name="Freeform 5"/>
           <p:cNvSpPr/>
           <p:nvPr/>
         </p:nvSpPr>
         <p:spPr>
-          <a:xfrm flipH="false" flipV="false" rot="0">
+          <a:xfrm>
             <a:off x="11266119" y="5876925"/>
             <a:ext cx="6698756" cy="1170921"/>
           </a:xfrm>
@@ -7485,9 +7816,9 @@
             <a:gdLst/>
             <a:ahLst/>
             <a:cxnLst/>
-            <a:rect r="r" b="b" t="t" l="l"/>
+            <a:rect l="l" t="t" r="r" b="b"/>
             <a:pathLst>
-              <a:path h="1170921" w="6698756">
+              <a:path w="6698756" h="1170921">
                 <a:moveTo>
                   <a:pt x="0" y="0"/>
                 </a:moveTo>
@@ -7510,19 +7841,26 @@
           <a:blipFill>
             <a:blip r:embed="rId5"/>
             <a:stretch>
-              <a:fillRect l="0" t="0" r="0" b="0"/>
+              <a:fillRect/>
             </a:stretch>
           </a:blipFill>
         </p:spPr>
-      </p:sp>
-      <p:sp>
-        <p:nvSpPr>
-          <p:cNvPr name="Freeform 6" id="6"/>
+        <p:txBody>
+          <a:bodyPr/>
+          <a:lstStyle/>
+          <a:p>
+            <a:endParaRPr lang="en-GB"/>
+          </a:p>
+        </p:txBody>
+      </p:sp>
+      <p:sp>
+        <p:nvSpPr>
+          <p:cNvPr id="6" name="Freeform 6"/>
           <p:cNvSpPr/>
           <p:nvPr/>
         </p:nvSpPr>
         <p:spPr>
-          <a:xfrm flipH="false" flipV="false" rot="0">
+          <a:xfrm>
             <a:off x="6995683" y="8135178"/>
             <a:ext cx="5278646" cy="1567098"/>
           </a:xfrm>
@@ -7531,9 +7869,9 @@
             <a:gdLst/>
             <a:ahLst/>
             <a:cxnLst/>
-            <a:rect r="r" b="b" t="t" l="l"/>
+            <a:rect l="l" t="t" r="r" b="b"/>
             <a:pathLst>
-              <a:path h="1567098" w="5278646">
+              <a:path w="5278646" h="1567098">
                 <a:moveTo>
                   <a:pt x="0" y="0"/>
                 </a:moveTo>
@@ -7556,19 +7894,26 @@
           <a:blipFill>
             <a:blip r:embed="rId6"/>
             <a:stretch>
-              <a:fillRect l="0" t="0" r="0" b="0"/>
+              <a:fillRect/>
             </a:stretch>
           </a:blipFill>
         </p:spPr>
-      </p:sp>
-      <p:sp>
-        <p:nvSpPr>
-          <p:cNvPr name="TextBox 7" id="7"/>
-          <p:cNvSpPr txBox="true"/>
+        <p:txBody>
+          <a:bodyPr/>
+          <a:lstStyle/>
+          <a:p>
+            <a:endParaRPr lang="en-GB"/>
+          </a:p>
+        </p:txBody>
+      </p:sp>
+      <p:sp>
+        <p:nvSpPr>
+          <p:cNvPr id="7" name="TextBox 7"/>
+          <p:cNvSpPr txBox="1"/>
           <p:nvPr/>
         </p:nvSpPr>
         <p:spPr>
-          <a:xfrm rot="0">
+          <a:xfrm>
             <a:off x="1305136" y="2754103"/>
             <a:ext cx="16659739" cy="2114550"/>
           </a:xfrm>
@@ -7577,7 +7922,7 @@
           </a:prstGeom>
         </p:spPr>
         <p:txBody>
-          <a:bodyPr anchor="t" rtlCol="false" tIns="0" lIns="0" bIns="0" rIns="0">
+          <a:bodyPr lIns="0" tIns="0" rIns="0" bIns="0" rtlCol="0" anchor="t">
             <a:spAutoFit/>
           </a:bodyPr>
           <a:lstStyle/>
@@ -7588,7 +7933,7 @@
               </a:lnSpc>
             </a:pPr>
             <a:r>
-              <a:rPr lang="en-US" sz="3000" spc="-105">
+              <a:rPr lang="en-US" sz="3000" spc="-105" dirty="0" err="1">
                 <a:solidFill>
                   <a:srgbClr val="222222"/>
                 </a:solidFill>
@@ -7597,7 +7942,43 @@
                 <a:cs typeface="Garet"/>
                 <a:sym typeface="Garet"/>
               </a:rPr>
-              <a:t>AdaDelta addresses AdaGrad’s decaying learning rate by using an  Exponential Moving Average (EMA) of gradients </a:t>
+              <a:t>AdaDelta</a:t>
+            </a:r>
+            <a:r>
+              <a:rPr lang="en-US" sz="3000" spc="-105" dirty="0">
+                <a:solidFill>
+                  <a:srgbClr val="222222"/>
+                </a:solidFill>
+                <a:latin typeface="Garet"/>
+                <a:ea typeface="Garet"/>
+                <a:cs typeface="Garet"/>
+                <a:sym typeface="Garet"/>
+              </a:rPr>
+              <a:t> addresses </a:t>
+            </a:r>
+            <a:r>
+              <a:rPr lang="en-US" sz="3000" spc="-105" dirty="0" err="1">
+                <a:solidFill>
+                  <a:srgbClr val="222222"/>
+                </a:solidFill>
+                <a:latin typeface="Garet"/>
+                <a:ea typeface="Garet"/>
+                <a:cs typeface="Garet"/>
+                <a:sym typeface="Garet"/>
+              </a:rPr>
+              <a:t>AdaGrad’s</a:t>
+            </a:r>
+            <a:r>
+              <a:rPr lang="en-US" sz="3000" spc="-105" dirty="0">
+                <a:solidFill>
+                  <a:srgbClr val="222222"/>
+                </a:solidFill>
+                <a:latin typeface="Garet"/>
+                <a:ea typeface="Garet"/>
+                <a:cs typeface="Garet"/>
+                <a:sym typeface="Garet"/>
+              </a:rPr>
+              <a:t> decaying learning rate by using an  Exponential Moving Average (EMA) of gradients </a:t>
             </a:r>
           </a:p>
           <a:p>
@@ -7606,6 +7987,15 @@
                 <a:spcPts val="4200"/>
               </a:lnSpc>
             </a:pPr>
+            <a:endParaRPr lang="en-US" sz="3000" spc="-105" dirty="0">
+              <a:solidFill>
+                <a:srgbClr val="222222"/>
+              </a:solidFill>
+              <a:latin typeface="Garet"/>
+              <a:ea typeface="Garet"/>
+              <a:cs typeface="Garet"/>
+              <a:sym typeface="Garet"/>
+            </a:endParaRPr>
           </a:p>
           <a:p>
             <a:pPr algn="just">
@@ -7614,7 +8004,7 @@
               </a:lnSpc>
             </a:pPr>
             <a:r>
-              <a:rPr lang="en-US" sz="3000" spc="-105">
+              <a:rPr lang="en-US" sz="3000" spc="-105" dirty="0">
                 <a:solidFill>
                   <a:srgbClr val="222222"/>
                 </a:solidFill>
@@ -7630,12 +8020,12 @@
       </p:sp>
       <p:sp>
         <p:nvSpPr>
-          <p:cNvPr name="TextBox 8" id="8"/>
-          <p:cNvSpPr txBox="true"/>
+          <p:cNvPr id="8" name="TextBox 8"/>
+          <p:cNvSpPr txBox="1"/>
           <p:nvPr/>
         </p:nvSpPr>
         <p:spPr>
-          <a:xfrm rot="0">
+          <a:xfrm>
             <a:off x="4048231" y="1334153"/>
             <a:ext cx="10191537" cy="800100"/>
           </a:xfrm>
@@ -7644,7 +8034,7 @@
           </a:prstGeom>
         </p:spPr>
         <p:txBody>
-          <a:bodyPr anchor="t" rtlCol="false" tIns="0" lIns="0" bIns="0" rIns="0">
+          <a:bodyPr lIns="0" tIns="0" rIns="0" bIns="0" rtlCol="0" anchor="t">
             <a:spAutoFit/>
           </a:bodyPr>
           <a:lstStyle/>
@@ -7671,12 +8061,12 @@
       </p:sp>
       <p:sp>
         <p:nvSpPr>
-          <p:cNvPr name="TextBox 9" id="9"/>
-          <p:cNvSpPr txBox="true"/>
+          <p:cNvPr id="9" name="TextBox 9"/>
+          <p:cNvSpPr txBox="1"/>
           <p:nvPr/>
         </p:nvSpPr>
         <p:spPr>
-          <a:xfrm rot="0">
+          <a:xfrm>
             <a:off x="1305136" y="5126667"/>
             <a:ext cx="6576418" cy="514350"/>
           </a:xfrm>
@@ -7685,7 +8075,7 @@
           </a:prstGeom>
         </p:spPr>
         <p:txBody>
-          <a:bodyPr anchor="t" rtlCol="false" tIns="0" lIns="0" bIns="0" rIns="0">
+          <a:bodyPr lIns="0" tIns="0" rIns="0" bIns="0" rtlCol="0" anchor="t">
             <a:spAutoFit/>
           </a:bodyPr>
           <a:lstStyle/>
@@ -7696,7 +8086,7 @@
               </a:lnSpc>
             </a:pPr>
             <a:r>
-              <a:rPr lang="en-US" b="true" sz="3000" spc="-105">
+              <a:rPr lang="en-US" sz="3000" b="1" spc="-105">
                 <a:solidFill>
                   <a:srgbClr val="222222"/>
                 </a:solidFill>
@@ -7712,12 +8102,12 @@
       </p:sp>
       <p:sp>
         <p:nvSpPr>
-          <p:cNvPr name="TextBox 10" id="10"/>
-          <p:cNvSpPr txBox="true"/>
+          <p:cNvPr id="10" name="TextBox 10"/>
+          <p:cNvSpPr txBox="1"/>
           <p:nvPr/>
         </p:nvSpPr>
         <p:spPr>
-          <a:xfrm rot="0">
+          <a:xfrm>
             <a:off x="11266119" y="5086350"/>
             <a:ext cx="6576418" cy="514350"/>
           </a:xfrm>
@@ -7726,7 +8116,7 @@
           </a:prstGeom>
         </p:spPr>
         <p:txBody>
-          <a:bodyPr anchor="t" rtlCol="false" tIns="0" lIns="0" bIns="0" rIns="0">
+          <a:bodyPr lIns="0" tIns="0" rIns="0" bIns="0" rtlCol="0" anchor="t">
             <a:spAutoFit/>
           </a:bodyPr>
           <a:lstStyle/>
@@ -7737,7 +8127,7 @@
               </a:lnSpc>
             </a:pPr>
             <a:r>
-              <a:rPr lang="en-US" b="true" sz="3000" spc="-105">
+              <a:rPr lang="en-US" sz="3000" b="1" spc="-105">
                 <a:solidFill>
                   <a:srgbClr val="222222"/>
                 </a:solidFill>
@@ -7753,12 +8143,12 @@
       </p:sp>
       <p:sp>
         <p:nvSpPr>
-          <p:cNvPr name="TextBox 11" id="11"/>
-          <p:cNvSpPr txBox="true"/>
+          <p:cNvPr id="11" name="TextBox 11"/>
+          <p:cNvSpPr txBox="1"/>
           <p:nvPr/>
         </p:nvSpPr>
         <p:spPr>
-          <a:xfrm rot="0">
+          <a:xfrm>
             <a:off x="4593345" y="8743950"/>
             <a:ext cx="1721747" cy="514350"/>
           </a:xfrm>
@@ -7767,7 +8157,7 @@
           </a:prstGeom>
         </p:spPr>
         <p:txBody>
-          <a:bodyPr anchor="t" rtlCol="false" tIns="0" lIns="0" bIns="0" rIns="0">
+          <a:bodyPr lIns="0" tIns="0" rIns="0" bIns="0" rtlCol="0" anchor="t">
             <a:spAutoFit/>
           </a:bodyPr>
           <a:lstStyle/>
@@ -7804,13 +8194,14 @@
 </file>
 
 <file path=ppt/slides/slide8.xml><?xml version="1.0" encoding="utf-8"?>
-<p:sld xmlns:p="http://schemas.openxmlformats.org/presentationml/2006/main" xmlns:a="http://schemas.openxmlformats.org/drawingml/2006/main" xmlns:r="http://schemas.openxmlformats.org/officeDocument/2006/relationships">
+<p:sld xmlns:a="http://schemas.openxmlformats.org/drawingml/2006/main" xmlns:r="http://schemas.openxmlformats.org/officeDocument/2006/relationships" xmlns:p="http://schemas.openxmlformats.org/presentationml/2006/main">
   <p:cSld>
     <p:bg>
       <p:bgPr>
         <a:solidFill>
           <a:srgbClr val="F1F2F2"/>
         </a:solidFill>
+        <a:effectLst/>
       </p:bgPr>
     </p:bg>
     <p:spTree>
@@ -7829,12 +8220,12 @@
       </p:grpSpPr>
       <p:sp>
         <p:nvSpPr>
-          <p:cNvPr name="Freeform 2" id="2"/>
+          <p:cNvPr id="2" name="Freeform 2"/>
           <p:cNvSpPr/>
           <p:nvPr/>
         </p:nvSpPr>
         <p:spPr>
-          <a:xfrm flipH="false" flipV="false" rot="-10800000">
+          <a:xfrm rot="-10800000">
             <a:off x="1028700" y="1364837"/>
             <a:ext cx="1998184" cy="624432"/>
           </a:xfrm>
@@ -7843,9 +8234,9 @@
             <a:gdLst/>
             <a:ahLst/>
             <a:cxnLst/>
-            <a:rect r="r" b="b" t="t" l="l"/>
+            <a:rect l="l" t="t" r="r" b="b"/>
             <a:pathLst>
-              <a:path h="624432" w="1998184">
+              <a:path w="1998184" h="624432">
                 <a:moveTo>
                   <a:pt x="0" y="0"/>
                 </a:moveTo>
@@ -7874,19 +8265,26 @@
               </a:extLst>
             </a:blip>
             <a:stretch>
-              <a:fillRect l="0" t="0" r="0" b="0"/>
+              <a:fillRect/>
             </a:stretch>
           </a:blipFill>
         </p:spPr>
-      </p:sp>
-      <p:sp>
-        <p:nvSpPr>
-          <p:cNvPr name="Freeform 3" id="3"/>
+        <p:txBody>
+          <a:bodyPr/>
+          <a:lstStyle/>
+          <a:p>
+            <a:endParaRPr lang="en-GB"/>
+          </a:p>
+        </p:txBody>
+      </p:sp>
+      <p:sp>
+        <p:nvSpPr>
+          <p:cNvPr id="3" name="Freeform 3"/>
           <p:cNvSpPr/>
           <p:nvPr/>
         </p:nvSpPr>
         <p:spPr>
-          <a:xfrm flipH="false" flipV="false" rot="-10800000">
+          <a:xfrm rot="-10800000">
             <a:off x="15261116" y="1364837"/>
             <a:ext cx="1998184" cy="624432"/>
           </a:xfrm>
@@ -7895,9 +8293,9 @@
             <a:gdLst/>
             <a:ahLst/>
             <a:cxnLst/>
-            <a:rect r="r" b="b" t="t" l="l"/>
+            <a:rect l="l" t="t" r="r" b="b"/>
             <a:pathLst>
-              <a:path h="624432" w="1998184">
+              <a:path w="1998184" h="624432">
                 <a:moveTo>
                   <a:pt x="0" y="0"/>
                 </a:moveTo>
@@ -7926,19 +8324,26 @@
               </a:extLst>
             </a:blip>
             <a:stretch>
-              <a:fillRect l="0" t="0" r="0" b="0"/>
+              <a:fillRect/>
             </a:stretch>
           </a:blipFill>
         </p:spPr>
-      </p:sp>
-      <p:sp>
-        <p:nvSpPr>
-          <p:cNvPr name="Freeform 4" id="4"/>
+        <p:txBody>
+          <a:bodyPr/>
+          <a:lstStyle/>
+          <a:p>
+            <a:endParaRPr lang="en-GB"/>
+          </a:p>
+        </p:txBody>
+      </p:sp>
+      <p:sp>
+        <p:nvSpPr>
+          <p:cNvPr id="4" name="Freeform 4"/>
           <p:cNvSpPr/>
           <p:nvPr/>
         </p:nvSpPr>
         <p:spPr>
-          <a:xfrm flipH="false" flipV="false" rot="0">
+          <a:xfrm>
             <a:off x="6710393" y="2670805"/>
             <a:ext cx="4867214" cy="1112506"/>
           </a:xfrm>
@@ -7947,9 +8352,9 @@
             <a:gdLst/>
             <a:ahLst/>
             <a:cxnLst/>
-            <a:rect r="r" b="b" t="t" l="l"/>
+            <a:rect l="l" t="t" r="r" b="b"/>
             <a:pathLst>
-              <a:path h="1112506" w="4867214">
+              <a:path w="4867214" h="1112506">
                 <a:moveTo>
                   <a:pt x="0" y="0"/>
                 </a:moveTo>
@@ -7972,19 +8377,26 @@
           <a:blipFill>
             <a:blip r:embed="rId4"/>
             <a:stretch>
-              <a:fillRect l="0" t="0" r="0" b="0"/>
+              <a:fillRect/>
             </a:stretch>
           </a:blipFill>
         </p:spPr>
-      </p:sp>
-      <p:sp>
-        <p:nvSpPr>
-          <p:cNvPr name="Freeform 5" id="5"/>
+        <p:txBody>
+          <a:bodyPr/>
+          <a:lstStyle/>
+          <a:p>
+            <a:endParaRPr lang="en-GB"/>
+          </a:p>
+        </p:txBody>
+      </p:sp>
+      <p:sp>
+        <p:nvSpPr>
+          <p:cNvPr id="5" name="Freeform 5"/>
           <p:cNvSpPr/>
           <p:nvPr/>
         </p:nvSpPr>
         <p:spPr>
-          <a:xfrm flipH="false" flipV="false" rot="0">
+          <a:xfrm>
             <a:off x="1846422" y="4875123"/>
             <a:ext cx="4403619" cy="4978005"/>
           </a:xfrm>
@@ -7993,9 +8405,9 @@
             <a:gdLst/>
             <a:ahLst/>
             <a:cxnLst/>
-            <a:rect r="r" b="b" t="t" l="l"/>
+            <a:rect l="l" t="t" r="r" b="b"/>
             <a:pathLst>
-              <a:path h="4978005" w="4403619">
+              <a:path w="4403619" h="4978005">
                 <a:moveTo>
                   <a:pt x="0" y="0"/>
                 </a:moveTo>
@@ -8018,19 +8430,26 @@
           <a:blipFill>
             <a:blip r:embed="rId5"/>
             <a:stretch>
-              <a:fillRect l="0" t="0" r="0" b="0"/>
+              <a:fillRect/>
             </a:stretch>
           </a:blipFill>
         </p:spPr>
-      </p:sp>
-      <p:sp>
-        <p:nvSpPr>
-          <p:cNvPr name="Freeform 6" id="6"/>
+        <p:txBody>
+          <a:bodyPr/>
+          <a:lstStyle/>
+          <a:p>
+            <a:endParaRPr lang="en-GB"/>
+          </a:p>
+        </p:txBody>
+      </p:sp>
+      <p:sp>
+        <p:nvSpPr>
+          <p:cNvPr id="6" name="Freeform 6"/>
           <p:cNvSpPr/>
           <p:nvPr/>
         </p:nvSpPr>
         <p:spPr>
-          <a:xfrm flipH="false" flipV="false" rot="0">
+          <a:xfrm>
             <a:off x="12498454" y="4887329"/>
             <a:ext cx="4332902" cy="4965798"/>
           </a:xfrm>
@@ -8039,9 +8458,9 @@
             <a:gdLst/>
             <a:ahLst/>
             <a:cxnLst/>
-            <a:rect r="r" b="b" t="t" l="l"/>
+            <a:rect l="l" t="t" r="r" b="b"/>
             <a:pathLst>
-              <a:path h="4965798" w="4332902">
+              <a:path w="4332902" h="4965798">
                 <a:moveTo>
                   <a:pt x="0" y="0"/>
                 </a:moveTo>
@@ -8064,19 +8483,26 @@
           <a:blipFill>
             <a:blip r:embed="rId6"/>
             <a:stretch>
-              <a:fillRect l="0" t="0" r="0" b="0"/>
+              <a:fillRect/>
             </a:stretch>
           </a:blipFill>
         </p:spPr>
-      </p:sp>
-      <p:sp>
-        <p:nvSpPr>
-          <p:cNvPr name="TextBox 7" id="7"/>
-          <p:cNvSpPr txBox="true"/>
+        <p:txBody>
+          <a:bodyPr/>
+          <a:lstStyle/>
+          <a:p>
+            <a:endParaRPr lang="en-GB"/>
+          </a:p>
+        </p:txBody>
+      </p:sp>
+      <p:sp>
+        <p:nvSpPr>
+          <p:cNvPr id="7" name="TextBox 7"/>
+          <p:cNvSpPr txBox="1"/>
           <p:nvPr/>
         </p:nvSpPr>
         <p:spPr>
-          <a:xfrm rot="0">
+          <a:xfrm>
             <a:off x="4048231" y="1334153"/>
             <a:ext cx="10191537" cy="800100"/>
           </a:xfrm>
@@ -8085,7 +8511,7 @@
           </a:prstGeom>
         </p:spPr>
         <p:txBody>
-          <a:bodyPr anchor="t" rtlCol="false" tIns="0" lIns="0" bIns="0" rIns="0">
+          <a:bodyPr lIns="0" tIns="0" rIns="0" bIns="0" rtlCol="0" anchor="t">
             <a:spAutoFit/>
           </a:bodyPr>
           <a:lstStyle/>
@@ -8112,12 +8538,12 @@
       </p:sp>
       <p:sp>
         <p:nvSpPr>
-          <p:cNvPr name="TextBox 8" id="8"/>
-          <p:cNvSpPr txBox="true"/>
+          <p:cNvPr id="8" name="TextBox 8"/>
+          <p:cNvSpPr txBox="1"/>
           <p:nvPr/>
         </p:nvSpPr>
         <p:spPr>
-          <a:xfrm rot="0">
+          <a:xfrm>
             <a:off x="4497383" y="2941308"/>
             <a:ext cx="1933132" cy="514350"/>
           </a:xfrm>
@@ -8126,7 +8552,7 @@
           </a:prstGeom>
         </p:spPr>
         <p:txBody>
-          <a:bodyPr anchor="t" rtlCol="false" tIns="0" lIns="0" bIns="0" rIns="0">
+          <a:bodyPr lIns="0" tIns="0" rIns="0" bIns="0" rtlCol="0" anchor="t">
             <a:spAutoFit/>
           </a:bodyPr>
           <a:lstStyle/>
@@ -8137,7 +8563,7 @@
               </a:lnSpc>
             </a:pPr>
             <a:r>
-              <a:rPr lang="en-US" b="true" sz="3000" spc="-105">
+              <a:rPr lang="en-US" sz="3000" b="1" spc="-105">
                 <a:solidFill>
                   <a:srgbClr val="222222"/>
                 </a:solidFill>
@@ -8153,12 +8579,12 @@
       </p:sp>
       <p:sp>
         <p:nvSpPr>
-          <p:cNvPr name="TextBox 9" id="9"/>
-          <p:cNvSpPr txBox="true"/>
+          <p:cNvPr id="9" name="TextBox 9"/>
+          <p:cNvSpPr txBox="1"/>
           <p:nvPr/>
         </p:nvSpPr>
         <p:spPr>
-          <a:xfrm rot="0">
+          <a:xfrm>
             <a:off x="1846422" y="4133704"/>
             <a:ext cx="6576418" cy="514350"/>
           </a:xfrm>
@@ -8167,7 +8593,7 @@
           </a:prstGeom>
         </p:spPr>
         <p:txBody>
-          <a:bodyPr anchor="t" rtlCol="false" tIns="0" lIns="0" bIns="0" rIns="0">
+          <a:bodyPr lIns="0" tIns="0" rIns="0" bIns="0" rtlCol="0" anchor="t">
             <a:spAutoFit/>
           </a:bodyPr>
           <a:lstStyle/>
@@ -8194,12 +8620,12 @@
       </p:sp>
       <p:sp>
         <p:nvSpPr>
-          <p:cNvPr name="TextBox 10" id="10"/>
-          <p:cNvSpPr txBox="true"/>
+          <p:cNvPr id="10" name="TextBox 10"/>
+          <p:cNvSpPr txBox="1"/>
           <p:nvPr/>
         </p:nvSpPr>
         <p:spPr>
-          <a:xfrm rot="0">
+          <a:xfrm>
             <a:off x="12498454" y="4133704"/>
             <a:ext cx="6576418" cy="514350"/>
           </a:xfrm>
@@ -8208,7 +8634,7 @@
           </a:prstGeom>
         </p:spPr>
         <p:txBody>
-          <a:bodyPr anchor="t" rtlCol="false" tIns="0" lIns="0" bIns="0" rIns="0">
+          <a:bodyPr lIns="0" tIns="0" rIns="0" bIns="0" rtlCol="0" anchor="t">
             <a:spAutoFit/>
           </a:bodyPr>
           <a:lstStyle/>
@@ -8245,13 +8671,14 @@
 </file>
 
 <file path=ppt/slides/slide9.xml><?xml version="1.0" encoding="utf-8"?>
-<p:sld xmlns:p="http://schemas.openxmlformats.org/presentationml/2006/main" xmlns:a="http://schemas.openxmlformats.org/drawingml/2006/main" xmlns:r="http://schemas.openxmlformats.org/officeDocument/2006/relationships">
+<p:sld xmlns:a="http://schemas.openxmlformats.org/drawingml/2006/main" xmlns:r="http://schemas.openxmlformats.org/officeDocument/2006/relationships" xmlns:p="http://schemas.openxmlformats.org/presentationml/2006/main">
   <p:cSld>
     <p:bg>
       <p:bgPr>
         <a:solidFill>
           <a:srgbClr val="F1F2F2"/>
         </a:solidFill>
+        <a:effectLst/>
       </p:bgPr>
     </p:bg>
     <p:spTree>
@@ -8270,12 +8697,12 @@
       </p:grpSpPr>
       <p:sp>
         <p:nvSpPr>
-          <p:cNvPr name="Freeform 2" id="2"/>
+          <p:cNvPr id="2" name="Freeform 2"/>
           <p:cNvSpPr/>
           <p:nvPr/>
         </p:nvSpPr>
         <p:spPr>
-          <a:xfrm flipH="false" flipV="false" rot="-10800000">
+          <a:xfrm rot="-10800000">
             <a:off x="1028700" y="1364837"/>
             <a:ext cx="1998184" cy="624432"/>
           </a:xfrm>
@@ -8284,9 +8711,9 @@
             <a:gdLst/>
             <a:ahLst/>
             <a:cxnLst/>
-            <a:rect r="r" b="b" t="t" l="l"/>
+            <a:rect l="l" t="t" r="r" b="b"/>
             <a:pathLst>
-              <a:path h="624432" w="1998184">
+              <a:path w="1998184" h="624432">
                 <a:moveTo>
                   <a:pt x="0" y="0"/>
                 </a:moveTo>
@@ -8315,19 +8742,26 @@
               </a:extLst>
             </a:blip>
             <a:stretch>
-              <a:fillRect l="0" t="0" r="0" b="0"/>
+              <a:fillRect/>
             </a:stretch>
           </a:blipFill>
         </p:spPr>
-      </p:sp>
-      <p:sp>
-        <p:nvSpPr>
-          <p:cNvPr name="Freeform 3" id="3"/>
+        <p:txBody>
+          <a:bodyPr/>
+          <a:lstStyle/>
+          <a:p>
+            <a:endParaRPr lang="en-GB"/>
+          </a:p>
+        </p:txBody>
+      </p:sp>
+      <p:sp>
+        <p:nvSpPr>
+          <p:cNvPr id="3" name="Freeform 3"/>
           <p:cNvSpPr/>
           <p:nvPr/>
         </p:nvSpPr>
         <p:spPr>
-          <a:xfrm flipH="false" flipV="false" rot="-10800000">
+          <a:xfrm rot="-10800000">
             <a:off x="15261116" y="1364837"/>
             <a:ext cx="1998184" cy="624432"/>
           </a:xfrm>
@@ -8336,9 +8770,9 @@
             <a:gdLst/>
             <a:ahLst/>
             <a:cxnLst/>
-            <a:rect r="r" b="b" t="t" l="l"/>
+            <a:rect l="l" t="t" r="r" b="b"/>
             <a:pathLst>
-              <a:path h="624432" w="1998184">
+              <a:path w="1998184" h="624432">
                 <a:moveTo>
                   <a:pt x="0" y="0"/>
                 </a:moveTo>
@@ -8367,19 +8801,26 @@
               </a:extLst>
             </a:blip>
             <a:stretch>
-              <a:fillRect l="0" t="0" r="0" b="0"/>
+              <a:fillRect/>
             </a:stretch>
           </a:blipFill>
         </p:spPr>
-      </p:sp>
-      <p:sp>
-        <p:nvSpPr>
-          <p:cNvPr name="TextBox 4" id="4"/>
-          <p:cNvSpPr txBox="true"/>
+        <p:txBody>
+          <a:bodyPr/>
+          <a:lstStyle/>
+          <a:p>
+            <a:endParaRPr lang="en-GB"/>
+          </a:p>
+        </p:txBody>
+      </p:sp>
+      <p:sp>
+        <p:nvSpPr>
+          <p:cNvPr id="4" name="TextBox 4"/>
+          <p:cNvSpPr txBox="1"/>
           <p:nvPr/>
         </p:nvSpPr>
         <p:spPr>
-          <a:xfrm rot="0">
+          <a:xfrm>
             <a:off x="1305136" y="2617175"/>
             <a:ext cx="16659739" cy="3714750"/>
           </a:xfrm>
@@ -8388,7 +8829,7 @@
           </a:prstGeom>
         </p:spPr>
         <p:txBody>
-          <a:bodyPr anchor="t" rtlCol="false" tIns="0" lIns="0" bIns="0" rIns="0">
+          <a:bodyPr lIns="0" tIns="0" rIns="0" bIns="0" rtlCol="0" anchor="t">
             <a:spAutoFit/>
           </a:bodyPr>
           <a:lstStyle/>
@@ -8412,7 +8853,7 @@
             </a:r>
           </a:p>
           <a:p>
-            <a:pPr algn="just" marL="647700" indent="-323850" lvl="1">
+            <a:pPr marL="647700" lvl="1" indent="-323850" algn="just">
               <a:lnSpc>
                 <a:spcPts val="4200"/>
               </a:lnSpc>
@@ -8432,7 +8873,7 @@
               <a:t>It use </a:t>
             </a:r>
             <a:r>
-              <a:rPr lang="en-US" b="true" sz="3000" spc="-105">
+              <a:rPr lang="en-US" sz="3000" b="1" spc="-105">
                 <a:solidFill>
                   <a:srgbClr val="222222"/>
                 </a:solidFill>
@@ -8457,7 +8898,7 @@
             </a:r>
           </a:p>
           <a:p>
-            <a:pPr algn="just" marL="647700" indent="-323850" lvl="1">
+            <a:pPr marL="647700" lvl="1" indent="-323850" algn="just">
               <a:lnSpc>
                 <a:spcPts val="4200"/>
               </a:lnSpc>
@@ -8465,7 +8906,7 @@
               <a:buChar char="•"/>
             </a:pPr>
             <a:r>
-              <a:rPr lang="en-US" b="true" sz="3000" spc="-105">
+              <a:rPr lang="en-US" sz="3000" b="1" spc="-105">
                 <a:solidFill>
                   <a:srgbClr val="222222"/>
                 </a:solidFill>
@@ -8490,7 +8931,7 @@
             </a:r>
           </a:p>
           <a:p>
-            <a:pPr algn="just" marL="647700" indent="-323850" lvl="1">
+            <a:pPr marL="647700" lvl="1" indent="-323850" algn="just">
               <a:lnSpc>
                 <a:spcPts val="4200"/>
               </a:lnSpc>
@@ -8498,7 +8939,7 @@
               <a:buChar char="•"/>
             </a:pPr>
             <a:r>
-              <a:rPr lang="en-US" b="true" sz="3000" spc="-105">
+              <a:rPr lang="en-US" sz="3000" b="1" spc="-105">
                 <a:solidFill>
                   <a:srgbClr val="222222"/>
                 </a:solidFill>
@@ -8528,6 +8969,15 @@
                 <a:spcPts val="4200"/>
               </a:lnSpc>
             </a:pPr>
+            <a:endParaRPr lang="en-US" sz="3000" spc="-105">
+              <a:solidFill>
+                <a:srgbClr val="222222"/>
+              </a:solidFill>
+              <a:latin typeface="Garet"/>
+              <a:ea typeface="Garet"/>
+              <a:cs typeface="Garet"/>
+              <a:sym typeface="Garet"/>
+            </a:endParaRPr>
           </a:p>
           <a:p>
             <a:pPr algn="just">
@@ -8552,12 +9002,12 @@
       </p:sp>
       <p:sp>
         <p:nvSpPr>
-          <p:cNvPr name="Freeform 5" id="5"/>
+          <p:cNvPr id="5" name="Freeform 5"/>
           <p:cNvSpPr/>
           <p:nvPr/>
         </p:nvSpPr>
         <p:spPr>
-          <a:xfrm flipH="false" flipV="false" rot="0">
+          <a:xfrm>
             <a:off x="1305136" y="8148271"/>
             <a:ext cx="6401966" cy="1097480"/>
           </a:xfrm>
@@ -8566,9 +9016,9 @@
             <a:gdLst/>
             <a:ahLst/>
             <a:cxnLst/>
-            <a:rect r="r" b="b" t="t" l="l"/>
+            <a:rect l="l" t="t" r="r" b="b"/>
             <a:pathLst>
-              <a:path h="1097480" w="6401966">
+              <a:path w="6401966" h="1097480">
                 <a:moveTo>
                   <a:pt x="0" y="0"/>
                 </a:moveTo>
@@ -8591,19 +9041,26 @@
           <a:blipFill>
             <a:blip r:embed="rId4"/>
             <a:stretch>
-              <a:fillRect l="0" t="0" r="0" b="0"/>
+              <a:fillRect/>
             </a:stretch>
           </a:blipFill>
         </p:spPr>
-      </p:sp>
-      <p:sp>
-        <p:nvSpPr>
-          <p:cNvPr name="Freeform 6" id="6"/>
+        <p:txBody>
+          <a:bodyPr/>
+          <a:lstStyle/>
+          <a:p>
+            <a:endParaRPr lang="en-GB"/>
+          </a:p>
+        </p:txBody>
+      </p:sp>
+      <p:sp>
+        <p:nvSpPr>
+          <p:cNvPr id="6" name="Freeform 6"/>
           <p:cNvSpPr/>
           <p:nvPr/>
         </p:nvSpPr>
         <p:spPr>
-          <a:xfrm flipH="false" flipV="false" rot="0">
+          <a:xfrm>
             <a:off x="11341860" y="8160820"/>
             <a:ext cx="5553396" cy="1039552"/>
           </a:xfrm>
@@ -8612,9 +9069,9 @@
             <a:gdLst/>
             <a:ahLst/>
             <a:cxnLst/>
-            <a:rect r="r" b="b" t="t" l="l"/>
+            <a:rect l="l" t="t" r="r" b="b"/>
             <a:pathLst>
-              <a:path h="1039552" w="5553396">
+              <a:path w="5553396" h="1039552">
                 <a:moveTo>
                   <a:pt x="0" y="0"/>
                 </a:moveTo>
@@ -8637,19 +9094,26 @@
           <a:blipFill>
             <a:blip r:embed="rId5"/>
             <a:stretch>
-              <a:fillRect l="0" t="0" r="0" b="0"/>
+              <a:fillRect/>
             </a:stretch>
           </a:blipFill>
         </p:spPr>
-      </p:sp>
-      <p:sp>
-        <p:nvSpPr>
-          <p:cNvPr name="TextBox 7" id="7"/>
-          <p:cNvSpPr txBox="true"/>
+        <p:txBody>
+          <a:bodyPr/>
+          <a:lstStyle/>
+          <a:p>
+            <a:endParaRPr lang="en-GB"/>
+          </a:p>
+        </p:txBody>
+      </p:sp>
+      <p:sp>
+        <p:nvSpPr>
+          <p:cNvPr id="7" name="TextBox 7"/>
+          <p:cNvSpPr txBox="1"/>
           <p:nvPr/>
         </p:nvSpPr>
         <p:spPr>
-          <a:xfrm rot="0">
+          <a:xfrm>
             <a:off x="4048231" y="1334153"/>
             <a:ext cx="10191537" cy="800100"/>
           </a:xfrm>
@@ -8658,7 +9122,7 @@
           </a:prstGeom>
         </p:spPr>
         <p:txBody>
-          <a:bodyPr anchor="t" rtlCol="false" tIns="0" lIns="0" bIns="0" rIns="0">
+          <a:bodyPr lIns="0" tIns="0" rIns="0" bIns="0" rtlCol="0" anchor="t">
             <a:spAutoFit/>
           </a:bodyPr>
           <a:lstStyle/>
@@ -8685,12 +9149,12 @@
       </p:sp>
       <p:sp>
         <p:nvSpPr>
-          <p:cNvPr name="TextBox 8" id="8"/>
-          <p:cNvSpPr txBox="true"/>
+          <p:cNvPr id="8" name="TextBox 8"/>
+          <p:cNvSpPr txBox="1"/>
           <p:nvPr/>
         </p:nvSpPr>
         <p:spPr>
-          <a:xfrm rot="0">
+          <a:xfrm>
             <a:off x="1305136" y="7335638"/>
             <a:ext cx="6576418" cy="514350"/>
           </a:xfrm>
@@ -8699,7 +9163,7 @@
           </a:prstGeom>
         </p:spPr>
         <p:txBody>
-          <a:bodyPr anchor="t" rtlCol="false" tIns="0" lIns="0" bIns="0" rIns="0">
+          <a:bodyPr lIns="0" tIns="0" rIns="0" bIns="0" rtlCol="0" anchor="t">
             <a:spAutoFit/>
           </a:bodyPr>
           <a:lstStyle/>
@@ -8710,7 +9174,7 @@
               </a:lnSpc>
             </a:pPr>
             <a:r>
-              <a:rPr lang="en-US" b="true" sz="3000" spc="-105">
+              <a:rPr lang="en-US" sz="3000" b="1" spc="-105">
                 <a:solidFill>
                   <a:srgbClr val="222222"/>
                 </a:solidFill>
@@ -8726,12 +9190,12 @@
       </p:sp>
       <p:sp>
         <p:nvSpPr>
-          <p:cNvPr name="TextBox 9" id="9"/>
-          <p:cNvSpPr txBox="true"/>
+          <p:cNvPr id="9" name="TextBox 9"/>
+          <p:cNvSpPr txBox="1"/>
           <p:nvPr/>
         </p:nvSpPr>
         <p:spPr>
-          <a:xfrm rot="0">
+          <a:xfrm>
             <a:off x="11266119" y="7335638"/>
             <a:ext cx="6881945" cy="514350"/>
           </a:xfrm>
@@ -8740,7 +9204,7 @@
           </a:prstGeom>
         </p:spPr>
         <p:txBody>
-          <a:bodyPr anchor="t" rtlCol="false" tIns="0" lIns="0" bIns="0" rIns="0">
+          <a:bodyPr lIns="0" tIns="0" rIns="0" bIns="0" rtlCol="0" anchor="t">
             <a:spAutoFit/>
           </a:bodyPr>
           <a:lstStyle/>
@@ -8751,7 +9215,7 @@
               </a:lnSpc>
             </a:pPr>
             <a:r>
-              <a:rPr lang="en-US" b="true" sz="3000" spc="-105">
+              <a:rPr lang="en-US" sz="3000" b="1" spc="-105">
                 <a:solidFill>
                   <a:srgbClr val="222222"/>
                 </a:solidFill>

--- a/AdaDelta & Adam Algorithm.pptx
+++ b/AdaDelta & Adam Algorithm.pptx
@@ -3170,7 +3170,7 @@
               </a:lnSpc>
             </a:pPr>
             <a:r>
-              <a:rPr lang="en-US" sz="8000" spc="-320">
+              <a:rPr lang="en-US" sz="8000" spc="-320" dirty="0">
                 <a:solidFill>
                   <a:srgbClr val="222222"/>
                 </a:solidFill>
@@ -3189,7 +3189,7 @@
               </a:lnSpc>
             </a:pPr>
             <a:r>
-              <a:rPr lang="en-US" sz="6000" spc="-240">
+              <a:rPr lang="en-US" sz="6000" spc="-240" dirty="0">
                 <a:solidFill>
                   <a:srgbClr val="222222"/>
                 </a:solidFill>
@@ -4082,7 +4082,7 @@
         </p:nvSpPr>
         <p:spPr>
           <a:xfrm>
-            <a:off x="5101239" y="8103226"/>
+            <a:off x="1305136" y="8344627"/>
             <a:ext cx="8085521" cy="1155074"/>
           </a:xfrm>
           <a:custGeom>
@@ -4309,6 +4309,112 @@
           </a:p>
         </p:txBody>
       </p:sp>
+      <p:sp>
+        <p:nvSpPr>
+          <p:cNvPr id="9" name="Arrow: Right 8">
+            <a:extLst>
+              <a:ext uri="{FF2B5EF4-FFF2-40B4-BE49-F238E27FC236}">
+                <a16:creationId xmlns:a16="http://schemas.microsoft.com/office/drawing/2014/main" id="{0B9F07E2-1564-BCE2-873A-A82B282EC5D0}"/>
+              </a:ext>
+            </a:extLst>
+          </p:cNvPr>
+          <p:cNvSpPr/>
+          <p:nvPr/>
+        </p:nvSpPr>
+        <p:spPr>
+          <a:xfrm>
+            <a:off x="9903912" y="8648700"/>
+            <a:ext cx="1295400" cy="533400"/>
+          </a:xfrm>
+          <a:prstGeom prst="rightArrow">
+            <a:avLst/>
+          </a:prstGeom>
+        </p:spPr>
+        <p:style>
+          <a:lnRef idx="2">
+            <a:schemeClr val="dk1">
+              <a:shade val="15000"/>
+            </a:schemeClr>
+          </a:lnRef>
+          <a:fillRef idx="1">
+            <a:schemeClr val="dk1"/>
+          </a:fillRef>
+          <a:effectRef idx="0">
+            <a:schemeClr val="dk1"/>
+          </a:effectRef>
+          <a:fontRef idx="minor">
+            <a:schemeClr val="lt1"/>
+          </a:fontRef>
+        </p:style>
+        <p:txBody>
+          <a:bodyPr rtlCol="0" anchor="ctr"/>
+          <a:lstStyle/>
+          <a:p>
+            <a:pPr algn="ctr"/>
+            <a:endParaRPr lang="en-GB"/>
+          </a:p>
+        </p:txBody>
+      </p:sp>
+      <p:pic>
+        <p:nvPicPr>
+          <p:cNvPr id="11" name="Picture 10">
+            <a:extLst>
+              <a:ext uri="{FF2B5EF4-FFF2-40B4-BE49-F238E27FC236}">
+                <a16:creationId xmlns:a16="http://schemas.microsoft.com/office/drawing/2014/main" id="{8C34577D-13FE-3EB4-62AF-EDCAA9E690BA}"/>
+              </a:ext>
+            </a:extLst>
+          </p:cNvPr>
+          <p:cNvPicPr>
+            <a:picLocks noChangeAspect="1"/>
+          </p:cNvPicPr>
+          <p:nvPr/>
+        </p:nvPicPr>
+        <p:blipFill>
+          <a:blip r:embed="rId6"/>
+          <a:stretch>
+            <a:fillRect/>
+          </a:stretch>
+        </p:blipFill>
+        <p:spPr>
+          <a:xfrm>
+            <a:off x="12016400" y="7692234"/>
+            <a:ext cx="4966464" cy="752495"/>
+          </a:xfrm>
+          <a:prstGeom prst="rect">
+            <a:avLst/>
+          </a:prstGeom>
+        </p:spPr>
+      </p:pic>
+      <p:pic>
+        <p:nvPicPr>
+          <p:cNvPr id="13" name="Picture 12">
+            <a:extLst>
+              <a:ext uri="{FF2B5EF4-FFF2-40B4-BE49-F238E27FC236}">
+                <a16:creationId xmlns:a16="http://schemas.microsoft.com/office/drawing/2014/main" id="{70D13446-007A-9991-B00C-2C2AB6BF4CA5}"/>
+              </a:ext>
+            </a:extLst>
+          </p:cNvPr>
+          <p:cNvPicPr>
+            <a:picLocks noChangeAspect="1"/>
+          </p:cNvPicPr>
+          <p:nvPr/>
+        </p:nvPicPr>
+        <p:blipFill>
+          <a:blip r:embed="rId7"/>
+          <a:stretch>
+            <a:fillRect/>
+          </a:stretch>
+        </p:blipFill>
+        <p:spPr>
+          <a:xfrm>
+            <a:off x="12066564" y="9123453"/>
+            <a:ext cx="4916300" cy="752495"/>
+          </a:xfrm>
+          <a:prstGeom prst="rect">
+            <a:avLst/>
+          </a:prstGeom>
+        </p:spPr>
+      </p:pic>
     </p:spTree>
   </p:cSld>
   <p:clrMapOvr>
@@ -5153,31 +5259,7 @@
                 <a:cs typeface="Garet"/>
                 <a:sym typeface="Garet"/>
               </a:rPr>
-              <a:t>The purpose of </a:t>
-            </a:r>
-            <a:r>
-              <a:rPr lang="en-US" sz="2100" spc="90" dirty="0" err="1">
-                <a:solidFill>
-                  <a:srgbClr val="222222"/>
-                </a:solidFill>
-                <a:latin typeface="Garet"/>
-                <a:ea typeface="Garet"/>
-                <a:cs typeface="Garet"/>
-                <a:sym typeface="Garet"/>
-              </a:rPr>
-              <a:t>AdaDelta</a:t>
-            </a:r>
-            <a:r>
-              <a:rPr lang="en-US" sz="2100" spc="90" dirty="0">
-                <a:solidFill>
-                  <a:srgbClr val="222222"/>
-                </a:solidFill>
-                <a:latin typeface="Garet"/>
-                <a:ea typeface="Garet"/>
-                <a:cs typeface="Garet"/>
-                <a:sym typeface="Garet"/>
-              </a:rPr>
-              <a:t> and ADAM</a:t>
+              <a:t>The purpose of AdaDelta and ADAM</a:t>
             </a:r>
           </a:p>
         </p:txBody>
@@ -5252,7 +5334,7 @@
               <a:buChar char="•"/>
             </a:pPr>
             <a:r>
-              <a:rPr lang="en-US" sz="2100" spc="90" dirty="0" err="1">
+              <a:rPr lang="en-US" sz="2100" spc="90" dirty="0">
                 <a:solidFill>
                   <a:srgbClr val="222222"/>
                 </a:solidFill>
@@ -5261,19 +5343,7 @@
                 <a:cs typeface="Garet"/>
                 <a:sym typeface="Garet"/>
               </a:rPr>
-              <a:t>AdaGrad</a:t>
-            </a:r>
-            <a:r>
-              <a:rPr lang="en-US" sz="2100" spc="90" dirty="0">
-                <a:solidFill>
-                  <a:srgbClr val="222222"/>
-                </a:solidFill>
-                <a:latin typeface="Garet"/>
-                <a:ea typeface="Garet"/>
-                <a:cs typeface="Garet"/>
-                <a:sym typeface="Garet"/>
-              </a:rPr>
-              <a:t> – Dynamic Learning Rate </a:t>
+              <a:t>AdaGrad – Dynamic Learning Rate </a:t>
             </a:r>
           </a:p>
           <a:p>
@@ -5326,7 +5396,7 @@
               </a:lnSpc>
             </a:pPr>
             <a:r>
-              <a:rPr lang="en-US" sz="3000" b="1" spc="-171" dirty="0" err="1">
+              <a:rPr lang="en-US" sz="3000" b="1" spc="-171" dirty="0">
                 <a:solidFill>
                   <a:srgbClr val="222222"/>
                 </a:solidFill>
@@ -5337,15 +5407,6 @@
               </a:rPr>
               <a:t>AdaDelta</a:t>
             </a:r>
-            <a:endParaRPr lang="en-US" sz="3000" b="1" spc="-171" dirty="0">
-              <a:solidFill>
-                <a:srgbClr val="222222"/>
-              </a:solidFill>
-              <a:latin typeface="Garet Bold"/>
-              <a:ea typeface="Garet Bold"/>
-              <a:cs typeface="Garet Bold"/>
-              <a:sym typeface="Garet Bold"/>
-            </a:endParaRPr>
           </a:p>
         </p:txBody>
       </p:sp>
@@ -6331,7 +6392,7 @@
               <a:t>The adaptive methods like </a:t>
             </a:r>
             <a:r>
-              <a:rPr lang="en-US" sz="3000" b="1" spc="-105" dirty="0" err="1">
+              <a:rPr lang="en-US" sz="3000" b="1" spc="-105" dirty="0">
                 <a:solidFill>
                   <a:srgbClr val="222222"/>
                 </a:solidFill>
@@ -6340,19 +6401,7 @@
                 <a:cs typeface="Garet Bold"/>
                 <a:sym typeface="Garet Bold"/>
               </a:rPr>
-              <a:t>AdaDelta</a:t>
-            </a:r>
-            <a:r>
-              <a:rPr lang="en-US" sz="3000" b="1" spc="-105" dirty="0">
-                <a:solidFill>
-                  <a:srgbClr val="222222"/>
-                </a:solidFill>
-                <a:latin typeface="Garet Bold"/>
-                <a:ea typeface="Garet Bold"/>
-                <a:cs typeface="Garet Bold"/>
-                <a:sym typeface="Garet Bold"/>
-              </a:rPr>
-              <a:t> &amp; ADAM</a:t>
+              <a:t>AdaDelta &amp; ADAM</a:t>
             </a:r>
             <a:r>
               <a:rPr lang="en-US" sz="3000" spc="-105" dirty="0">
@@ -6709,7 +6758,7 @@
               </a:lnSpc>
             </a:pPr>
             <a:r>
-              <a:rPr lang="en-US" sz="6000" spc="-240">
+              <a:rPr lang="en-US" sz="6000" spc="-240" dirty="0">
                 <a:solidFill>
                   <a:srgbClr val="222222"/>
                 </a:solidFill>
@@ -6750,7 +6799,7 @@
               </a:lnSpc>
             </a:pPr>
             <a:r>
-              <a:rPr lang="en-US" sz="3000" b="1" spc="-105" dirty="0" err="1">
+              <a:rPr lang="en-US" sz="3000" b="1" spc="-105" dirty="0">
                 <a:solidFill>
                   <a:srgbClr val="222222"/>
                 </a:solidFill>
@@ -7161,7 +7210,7 @@
               </a:lnSpc>
             </a:pPr>
             <a:r>
-              <a:rPr lang="en-US" sz="6000" spc="-240">
+              <a:rPr lang="en-US" sz="6000" spc="-240" dirty="0">
                 <a:solidFill>
                   <a:srgbClr val="222222"/>
                 </a:solidFill>
@@ -7902,7 +7951,7 @@
           <a:bodyPr/>
           <a:lstStyle/>
           <a:p>
-            <a:endParaRPr lang="en-GB"/>
+            <a:endParaRPr lang="en-GB" dirty="0"/>
           </a:p>
         </p:txBody>
       </p:sp>
@@ -7933,7 +7982,7 @@
               </a:lnSpc>
             </a:pPr>
             <a:r>
-              <a:rPr lang="en-US" sz="3000" spc="-105" dirty="0" err="1">
+              <a:rPr lang="en-US" sz="3000" spc="-105" dirty="0">
                 <a:solidFill>
                   <a:srgbClr val="222222"/>
                 </a:solidFill>
@@ -7942,19 +7991,7 @@
                 <a:cs typeface="Garet"/>
                 <a:sym typeface="Garet"/>
               </a:rPr>
-              <a:t>AdaDelta</a:t>
-            </a:r>
-            <a:r>
-              <a:rPr lang="en-US" sz="3000" spc="-105" dirty="0">
-                <a:solidFill>
-                  <a:srgbClr val="222222"/>
-                </a:solidFill>
-                <a:latin typeface="Garet"/>
-                <a:ea typeface="Garet"/>
-                <a:cs typeface="Garet"/>
-                <a:sym typeface="Garet"/>
-              </a:rPr>
-              <a:t> addresses </a:t>
+              <a:t>AdaDelta addresses </a:t>
             </a:r>
             <a:r>
               <a:rPr lang="en-US" sz="3000" spc="-105" dirty="0" err="1">
@@ -8045,7 +8082,7 @@
               </a:lnSpc>
             </a:pPr>
             <a:r>
-              <a:rPr lang="en-US" sz="6000" spc="-240">
+              <a:rPr lang="en-US" sz="6000" spc="-240" dirty="0">
                 <a:solidFill>
                   <a:srgbClr val="222222"/>
                 </a:solidFill>
@@ -8522,7 +8559,7 @@
               </a:lnSpc>
             </a:pPr>
             <a:r>
-              <a:rPr lang="en-US" sz="6000" spc="-240">
+              <a:rPr lang="en-US" sz="6000" spc="-240" dirty="0">
                 <a:solidFill>
                   <a:srgbClr val="222222"/>
                 </a:solidFill>
@@ -8604,7 +8641,7 @@
               </a:lnSpc>
             </a:pPr>
             <a:r>
-              <a:rPr lang="en-US" sz="3000" spc="-105">
+              <a:rPr lang="en-US" sz="3000" spc="-105" dirty="0">
                 <a:solidFill>
                   <a:srgbClr val="222222"/>
                 </a:solidFill>
@@ -8645,7 +8682,7 @@
               </a:lnSpc>
             </a:pPr>
             <a:r>
-              <a:rPr lang="en-US" sz="3000" spc="-105">
+              <a:rPr lang="en-US" sz="3000" spc="-105" dirty="0">
                 <a:solidFill>
                   <a:srgbClr val="222222"/>
                 </a:solidFill>
@@ -8840,7 +8877,7 @@
               </a:lnSpc>
             </a:pPr>
             <a:r>
-              <a:rPr lang="en-US" sz="3000" spc="-105">
+              <a:rPr lang="en-US" sz="3000" spc="-105" dirty="0">
                 <a:solidFill>
                   <a:srgbClr val="222222"/>
                 </a:solidFill>
@@ -8861,7 +8898,7 @@
               <a:buChar char="•"/>
             </a:pPr>
             <a:r>
-              <a:rPr lang="en-US" sz="3000" spc="-105">
+              <a:rPr lang="en-US" sz="3000" spc="-105" dirty="0">
                 <a:solidFill>
                   <a:srgbClr val="222222"/>
                 </a:solidFill>
@@ -8873,7 +8910,7 @@
               <a:t>It use </a:t>
             </a:r>
             <a:r>
-              <a:rPr lang="en-US" sz="3000" b="1" spc="-105">
+              <a:rPr lang="en-US" sz="3000" b="1" spc="-105" dirty="0">
                 <a:solidFill>
                   <a:srgbClr val="222222"/>
                 </a:solidFill>
@@ -8885,7 +8922,7 @@
               <a:t>mini-batching</a:t>
             </a:r>
             <a:r>
-              <a:rPr lang="en-US" sz="3000" spc="-105">
+              <a:rPr lang="en-US" sz="3000" spc="-105" dirty="0">
                 <a:solidFill>
                   <a:srgbClr val="222222"/>
                 </a:solidFill>
@@ -8906,7 +8943,7 @@
               <a:buChar char="•"/>
             </a:pPr>
             <a:r>
-              <a:rPr lang="en-US" sz="3000" b="1" spc="-105">
+              <a:rPr lang="en-US" sz="3000" b="1" spc="-105" dirty="0">
                 <a:solidFill>
                   <a:srgbClr val="222222"/>
                 </a:solidFill>
@@ -8918,7 +8955,7 @@
               <a:t>Momentum </a:t>
             </a:r>
             <a:r>
-              <a:rPr lang="en-US" sz="3000" spc="-105">
+              <a:rPr lang="en-US" sz="3000" spc="-105" dirty="0">
                 <a:solidFill>
                   <a:srgbClr val="222222"/>
                 </a:solidFill>
@@ -8939,7 +8976,7 @@
               <a:buChar char="•"/>
             </a:pPr>
             <a:r>
-              <a:rPr lang="en-US" sz="3000" b="1" spc="-105">
+              <a:rPr lang="en-US" sz="3000" b="1" spc="-105" dirty="0">
                 <a:solidFill>
                   <a:srgbClr val="222222"/>
                 </a:solidFill>
@@ -8951,7 +8988,7 @@
               <a:t>per-parameter scaling</a:t>
             </a:r>
             <a:r>
-              <a:rPr lang="en-US" sz="3000" spc="-105">
+              <a:rPr lang="en-US" sz="3000" spc="-105" dirty="0">
                 <a:solidFill>
                   <a:srgbClr val="222222"/>
                 </a:solidFill>
@@ -8969,7 +9006,7 @@
                 <a:spcPts val="4200"/>
               </a:lnSpc>
             </a:pPr>
-            <a:endParaRPr lang="en-US" sz="3000" spc="-105">
+            <a:endParaRPr lang="en-US" sz="3000" spc="-105" dirty="0">
               <a:solidFill>
                 <a:srgbClr val="222222"/>
               </a:solidFill>
@@ -8986,7 +9023,7 @@
               </a:lnSpc>
             </a:pPr>
             <a:r>
-              <a:rPr lang="en-US" sz="3000" spc="-105">
+              <a:rPr lang="en-US" sz="3000" spc="-105" dirty="0">
                 <a:solidFill>
                   <a:srgbClr val="222222"/>
                 </a:solidFill>
@@ -9155,7 +9192,7 @@
         </p:nvSpPr>
         <p:spPr>
           <a:xfrm>
-            <a:off x="1305136" y="7335638"/>
+            <a:off x="11201400" y="7505700"/>
             <a:ext cx="6576418" cy="514350"/>
           </a:xfrm>
           <a:prstGeom prst="rect">
@@ -9174,7 +9211,7 @@
               </a:lnSpc>
             </a:pPr>
             <a:r>
-              <a:rPr lang="en-US" sz="3000" b="1" spc="-105">
+              <a:rPr lang="en-US" sz="3000" b="1" spc="-105" dirty="0">
                 <a:solidFill>
                   <a:srgbClr val="222222"/>
                 </a:solidFill>
@@ -9196,7 +9233,7 @@
         </p:nvSpPr>
         <p:spPr>
           <a:xfrm>
-            <a:off x="11266119" y="7335638"/>
+            <a:off x="1305136" y="7505700"/>
             <a:ext cx="6881945" cy="514350"/>
           </a:xfrm>
           <a:prstGeom prst="rect">
@@ -9215,7 +9252,7 @@
               </a:lnSpc>
             </a:pPr>
             <a:r>
-              <a:rPr lang="en-US" sz="3000" b="1" spc="-105">
+              <a:rPr lang="en-US" sz="3000" b="1" spc="-105" dirty="0">
                 <a:solidFill>
                   <a:srgbClr val="222222"/>
                 </a:solidFill>

--- a/AdaDelta & Adam Algorithm.pptx
+++ b/AdaDelta & Adam Algorithm.pptx
@@ -325,7 +325,7 @@
             <a:fld id="{1D8BD707-D9CF-40AE-B4C6-C98DA3205C09}" type="datetimeFigureOut">
               <a:rPr lang="en-US" smtClean="0"/>
               <a:pPr/>
-              <a:t>8/1/2025</a:t>
+              <a:t>8/2/2025</a:t>
             </a:fld>
             <a:endParaRPr lang="en-US"/>
           </a:p>
@@ -490,7 +490,7 @@
             <a:fld id="{1D8BD707-D9CF-40AE-B4C6-C98DA3205C09}" type="datetimeFigureOut">
               <a:rPr lang="en-US" smtClean="0"/>
               <a:pPr/>
-              <a:t>8/1/2025</a:t>
+              <a:t>8/2/2025</a:t>
             </a:fld>
             <a:endParaRPr lang="en-US"/>
           </a:p>
@@ -665,7 +665,7 @@
             <a:fld id="{1D8BD707-D9CF-40AE-B4C6-C98DA3205C09}" type="datetimeFigureOut">
               <a:rPr lang="en-US" smtClean="0"/>
               <a:pPr/>
-              <a:t>8/1/2025</a:t>
+              <a:t>8/2/2025</a:t>
             </a:fld>
             <a:endParaRPr lang="en-US"/>
           </a:p>
@@ -830,7 +830,7 @@
             <a:fld id="{1D8BD707-D9CF-40AE-B4C6-C98DA3205C09}" type="datetimeFigureOut">
               <a:rPr lang="en-US" smtClean="0"/>
               <a:pPr/>
-              <a:t>8/1/2025</a:t>
+              <a:t>8/2/2025</a:t>
             </a:fld>
             <a:endParaRPr lang="en-US"/>
           </a:p>
@@ -1072,7 +1072,7 @@
             <a:fld id="{1D8BD707-D9CF-40AE-B4C6-C98DA3205C09}" type="datetimeFigureOut">
               <a:rPr lang="en-US" smtClean="0"/>
               <a:pPr/>
-              <a:t>8/1/2025</a:t>
+              <a:t>8/2/2025</a:t>
             </a:fld>
             <a:endParaRPr lang="en-US"/>
           </a:p>
@@ -1354,7 +1354,7 @@
             <a:fld id="{1D8BD707-D9CF-40AE-B4C6-C98DA3205C09}" type="datetimeFigureOut">
               <a:rPr lang="en-US" smtClean="0"/>
               <a:pPr/>
-              <a:t>8/1/2025</a:t>
+              <a:t>8/2/2025</a:t>
             </a:fld>
             <a:endParaRPr lang="en-US"/>
           </a:p>
@@ -1770,7 +1770,7 @@
             <a:fld id="{1D8BD707-D9CF-40AE-B4C6-C98DA3205C09}" type="datetimeFigureOut">
               <a:rPr lang="en-US" smtClean="0"/>
               <a:pPr/>
-              <a:t>8/1/2025</a:t>
+              <a:t>8/2/2025</a:t>
             </a:fld>
             <a:endParaRPr lang="en-US"/>
           </a:p>
@@ -1884,7 +1884,7 @@
             <a:fld id="{1D8BD707-D9CF-40AE-B4C6-C98DA3205C09}" type="datetimeFigureOut">
               <a:rPr lang="en-US" smtClean="0"/>
               <a:pPr/>
-              <a:t>8/1/2025</a:t>
+              <a:t>8/2/2025</a:t>
             </a:fld>
             <a:endParaRPr lang="en-US"/>
           </a:p>
@@ -1976,7 +1976,7 @@
             <a:fld id="{1D8BD707-D9CF-40AE-B4C6-C98DA3205C09}" type="datetimeFigureOut">
               <a:rPr lang="en-US" smtClean="0"/>
               <a:pPr/>
-              <a:t>8/1/2025</a:t>
+              <a:t>8/2/2025</a:t>
             </a:fld>
             <a:endParaRPr lang="en-US"/>
           </a:p>
@@ -2248,7 +2248,7 @@
             <a:fld id="{1D8BD707-D9CF-40AE-B4C6-C98DA3205C09}" type="datetimeFigureOut">
               <a:rPr lang="en-US" smtClean="0"/>
               <a:pPr/>
-              <a:t>8/1/2025</a:t>
+              <a:t>8/2/2025</a:t>
             </a:fld>
             <a:endParaRPr lang="en-US"/>
           </a:p>
@@ -2497,7 +2497,7 @@
             <a:fld id="{1D8BD707-D9CF-40AE-B4C6-C98DA3205C09}" type="datetimeFigureOut">
               <a:rPr lang="en-US" smtClean="0"/>
               <a:pPr/>
-              <a:t>8/1/2025</a:t>
+              <a:t>8/2/2025</a:t>
             </a:fld>
             <a:endParaRPr lang="en-US"/>
           </a:p>
@@ -2705,7 +2705,7 @@
             <a:fld id="{1D8BD707-D9CF-40AE-B4C6-C98DA3205C09}" type="datetimeFigureOut">
               <a:rPr lang="en-US" smtClean="0"/>
               <a:pPr/>
-              <a:t>8/1/2025</a:t>
+              <a:t>8/2/2025</a:t>
             </a:fld>
             <a:endParaRPr lang="en-US"/>
           </a:p>
@@ -4070,7 +4070,10 @@
           <a:bodyPr/>
           <a:lstStyle/>
           <a:p>
-            <a:endParaRPr lang="en-GB"/>
+            <a:r>
+              <a:rPr lang="en-GB" dirty="0"/>
+              <a:t>5</a:t>
+            </a:r>
           </a:p>
         </p:txBody>
       </p:sp>
